--- a/week_03/day_4/slides_data_presentation.pptx
+++ b/week_03/day_4/slides_data_presentation.pptx
@@ -869,6 +869,1535 @@
     <dgm:fillClrLst meth="repeat">
       <a:schemeClr val="accent2">
         <a:tint val="40000"/>
+      </a:schemeClr>
+    </dgm:fillClrLst>
+    <dgm:linClrLst meth="repeat">
+      <a:schemeClr val="lt1"/>
+    </dgm:linClrLst>
+    <dgm:effectClrLst/>
+    <dgm:txLinClrLst/>
+    <dgm:txFillClrLst meth="repeat">
+      <a:schemeClr val="dk1"/>
+    </dgm:txFillClrLst>
+    <dgm:txEffectClrLst/>
+  </dgm:styleLbl>
+  <dgm:styleLbl name="revTx">
+    <dgm:fillClrLst meth="repeat">
+      <a:schemeClr val="lt1">
+        <a:alpha val="0"/>
+      </a:schemeClr>
+    </dgm:fillClrLst>
+    <dgm:linClrLst meth="repeat">
+      <a:schemeClr val="dk1">
+        <a:alpha val="0"/>
+      </a:schemeClr>
+    </dgm:linClrLst>
+    <dgm:effectClrLst/>
+    <dgm:txLinClrLst/>
+    <dgm:txFillClrLst meth="repeat">
+      <a:schemeClr val="tx1"/>
+    </dgm:txFillClrLst>
+    <dgm:txEffectClrLst/>
+  </dgm:styleLbl>
+</dgm:colorsDef>
+</file>
+
+<file path=ppt/diagrams/colors2.xml><?xml version="1.0" encoding="utf-8"?>
+<dgm:colorsDef xmlns:dgm="http://schemas.openxmlformats.org/drawingml/2006/diagram" xmlns:a="http://schemas.openxmlformats.org/drawingml/2006/main" uniqueId="urn:microsoft.com/office/officeart/2005/8/colors/colorful2">
+  <dgm:title val=""/>
+  <dgm:desc val=""/>
+  <dgm:catLst>
+    <dgm:cat type="colorful" pri="10200"/>
+  </dgm:catLst>
+  <dgm:styleLbl name="node0">
+    <dgm:fillClrLst meth="repeat">
+      <a:schemeClr val="accent1"/>
+    </dgm:fillClrLst>
+    <dgm:linClrLst meth="repeat">
+      <a:schemeClr val="lt1"/>
+    </dgm:linClrLst>
+    <dgm:effectClrLst/>
+    <dgm:txLinClrLst/>
+    <dgm:txFillClrLst/>
+    <dgm:txEffectClrLst/>
+  </dgm:styleLbl>
+  <dgm:styleLbl name="node1">
+    <dgm:fillClrLst>
+      <a:schemeClr val="accent2"/>
+      <a:schemeClr val="accent3"/>
+    </dgm:fillClrLst>
+    <dgm:linClrLst meth="repeat">
+      <a:schemeClr val="lt1"/>
+    </dgm:linClrLst>
+    <dgm:effectClrLst/>
+    <dgm:txLinClrLst/>
+    <dgm:txFillClrLst/>
+    <dgm:txEffectClrLst/>
+  </dgm:styleLbl>
+  <dgm:styleLbl name="alignNode1">
+    <dgm:fillClrLst>
+      <a:schemeClr val="accent2"/>
+      <a:schemeClr val="accent3"/>
+    </dgm:fillClrLst>
+    <dgm:linClrLst>
+      <a:schemeClr val="accent2"/>
+      <a:schemeClr val="accent3"/>
+    </dgm:linClrLst>
+    <dgm:effectClrLst/>
+    <dgm:txLinClrLst/>
+    <dgm:txFillClrLst/>
+    <dgm:txEffectClrLst/>
+  </dgm:styleLbl>
+  <dgm:styleLbl name="lnNode1">
+    <dgm:fillClrLst>
+      <a:schemeClr val="accent2"/>
+      <a:schemeClr val="accent3"/>
+    </dgm:fillClrLst>
+    <dgm:linClrLst meth="repeat">
+      <a:schemeClr val="lt1"/>
+    </dgm:linClrLst>
+    <dgm:effectClrLst/>
+    <dgm:txLinClrLst/>
+    <dgm:txFillClrLst/>
+    <dgm:txEffectClrLst/>
+  </dgm:styleLbl>
+  <dgm:styleLbl name="vennNode1">
+    <dgm:fillClrLst>
+      <a:schemeClr val="accent2">
+        <a:alpha val="50000"/>
+      </a:schemeClr>
+      <a:schemeClr val="accent3">
+        <a:alpha val="50000"/>
+      </a:schemeClr>
+    </dgm:fillClrLst>
+    <dgm:linClrLst meth="repeat">
+      <a:schemeClr val="lt1"/>
+    </dgm:linClrLst>
+    <dgm:effectClrLst/>
+    <dgm:txLinClrLst/>
+    <dgm:txFillClrLst/>
+    <dgm:txEffectClrLst/>
+  </dgm:styleLbl>
+  <dgm:styleLbl name="node2">
+    <dgm:fillClrLst>
+      <a:schemeClr val="accent3"/>
+    </dgm:fillClrLst>
+    <dgm:linClrLst meth="repeat">
+      <a:schemeClr val="lt1"/>
+    </dgm:linClrLst>
+    <dgm:effectClrLst/>
+    <dgm:txLinClrLst/>
+    <dgm:txFillClrLst/>
+    <dgm:txEffectClrLst/>
+  </dgm:styleLbl>
+  <dgm:styleLbl name="node3">
+    <dgm:fillClrLst>
+      <a:schemeClr val="accent4"/>
+    </dgm:fillClrLst>
+    <dgm:linClrLst meth="repeat">
+      <a:schemeClr val="lt1"/>
+    </dgm:linClrLst>
+    <dgm:effectClrLst/>
+    <dgm:txLinClrLst/>
+    <dgm:txFillClrLst/>
+    <dgm:txEffectClrLst/>
+  </dgm:styleLbl>
+  <dgm:styleLbl name="node4">
+    <dgm:fillClrLst>
+      <a:schemeClr val="accent5"/>
+    </dgm:fillClrLst>
+    <dgm:linClrLst meth="repeat">
+      <a:schemeClr val="lt1"/>
+    </dgm:linClrLst>
+    <dgm:effectClrLst/>
+    <dgm:txLinClrLst/>
+    <dgm:txFillClrLst/>
+    <dgm:txEffectClrLst/>
+  </dgm:styleLbl>
+  <dgm:styleLbl name="fgImgPlace1">
+    <dgm:fillClrLst>
+      <a:schemeClr val="accent2">
+        <a:tint val="50000"/>
+      </a:schemeClr>
+      <a:schemeClr val="accent3">
+        <a:tint val="50000"/>
+      </a:schemeClr>
+    </dgm:fillClrLst>
+    <dgm:linClrLst meth="repeat">
+      <a:schemeClr val="lt1"/>
+    </dgm:linClrLst>
+    <dgm:effectClrLst/>
+    <dgm:txLinClrLst/>
+    <dgm:txFillClrLst meth="repeat">
+      <a:schemeClr val="lt1"/>
+    </dgm:txFillClrLst>
+    <dgm:txEffectClrLst/>
+  </dgm:styleLbl>
+  <dgm:styleLbl name="alignImgPlace1">
+    <dgm:fillClrLst>
+      <a:schemeClr val="accent2">
+        <a:tint val="50000"/>
+      </a:schemeClr>
+      <a:schemeClr val="accent3">
+        <a:tint val="20000"/>
+      </a:schemeClr>
+    </dgm:fillClrLst>
+    <dgm:linClrLst meth="repeat">
+      <a:schemeClr val="lt1"/>
+    </dgm:linClrLst>
+    <dgm:effectClrLst/>
+    <dgm:txLinClrLst/>
+    <dgm:txFillClrLst meth="repeat">
+      <a:schemeClr val="lt1"/>
+    </dgm:txFillClrLst>
+    <dgm:txEffectClrLst/>
+  </dgm:styleLbl>
+  <dgm:styleLbl name="bgImgPlace1">
+    <dgm:fillClrLst>
+      <a:schemeClr val="accent2">
+        <a:tint val="50000"/>
+      </a:schemeClr>
+      <a:schemeClr val="accent3">
+        <a:tint val="20000"/>
+      </a:schemeClr>
+    </dgm:fillClrLst>
+    <dgm:linClrLst meth="repeat">
+      <a:schemeClr val="lt1"/>
+    </dgm:linClrLst>
+    <dgm:effectClrLst/>
+    <dgm:txLinClrLst/>
+    <dgm:txFillClrLst meth="repeat">
+      <a:schemeClr val="lt1"/>
+    </dgm:txFillClrLst>
+    <dgm:txEffectClrLst/>
+  </dgm:styleLbl>
+  <dgm:styleLbl name="sibTrans2D1">
+    <dgm:fillClrLst>
+      <a:schemeClr val="accent2"/>
+      <a:schemeClr val="accent3"/>
+    </dgm:fillClrLst>
+    <dgm:linClrLst meth="repeat">
+      <a:schemeClr val="lt1"/>
+    </dgm:linClrLst>
+    <dgm:effectClrLst/>
+    <dgm:txLinClrLst/>
+    <dgm:txFillClrLst/>
+    <dgm:txEffectClrLst/>
+  </dgm:styleLbl>
+  <dgm:styleLbl name="fgSibTrans2D1">
+    <dgm:fillClrLst>
+      <a:schemeClr val="accent2"/>
+      <a:schemeClr val="accent3"/>
+    </dgm:fillClrLst>
+    <dgm:linClrLst meth="repeat">
+      <a:schemeClr val="lt1"/>
+    </dgm:linClrLst>
+    <dgm:effectClrLst/>
+    <dgm:txLinClrLst/>
+    <dgm:txFillClrLst meth="repeat">
+      <a:schemeClr val="lt1"/>
+    </dgm:txFillClrLst>
+    <dgm:txEffectClrLst/>
+  </dgm:styleLbl>
+  <dgm:styleLbl name="bgSibTrans2D1">
+    <dgm:fillClrLst>
+      <a:schemeClr val="accent2"/>
+      <a:schemeClr val="accent3"/>
+    </dgm:fillClrLst>
+    <dgm:linClrLst meth="repeat">
+      <a:schemeClr val="lt1"/>
+    </dgm:linClrLst>
+    <dgm:effectClrLst/>
+    <dgm:txLinClrLst/>
+    <dgm:txFillClrLst meth="repeat">
+      <a:schemeClr val="lt1"/>
+    </dgm:txFillClrLst>
+    <dgm:txEffectClrLst/>
+  </dgm:styleLbl>
+  <dgm:styleLbl name="sibTrans1D1">
+    <dgm:fillClrLst/>
+    <dgm:linClrLst>
+      <a:schemeClr val="accent2"/>
+      <a:schemeClr val="accent3"/>
+    </dgm:linClrLst>
+    <dgm:effectClrLst/>
+    <dgm:txLinClrLst/>
+    <dgm:txFillClrLst meth="repeat">
+      <a:schemeClr val="tx1"/>
+    </dgm:txFillClrLst>
+    <dgm:txEffectClrLst/>
+  </dgm:styleLbl>
+  <dgm:styleLbl name="callout">
+    <dgm:fillClrLst meth="repeat">
+      <a:schemeClr val="accent2"/>
+    </dgm:fillClrLst>
+    <dgm:linClrLst meth="repeat">
+      <a:schemeClr val="accent2">
+        <a:tint val="50000"/>
+      </a:schemeClr>
+    </dgm:linClrLst>
+    <dgm:effectClrLst/>
+    <dgm:txLinClrLst/>
+    <dgm:txFillClrLst meth="repeat">
+      <a:schemeClr val="tx1"/>
+    </dgm:txFillClrLst>
+    <dgm:txEffectClrLst/>
+  </dgm:styleLbl>
+  <dgm:styleLbl name="asst0">
+    <dgm:fillClrLst meth="repeat">
+      <a:schemeClr val="accent2"/>
+    </dgm:fillClrLst>
+    <dgm:linClrLst meth="repeat">
+      <a:schemeClr val="lt1">
+        <a:shade val="80000"/>
+      </a:schemeClr>
+    </dgm:linClrLst>
+    <dgm:effectClrLst/>
+    <dgm:txLinClrLst/>
+    <dgm:txFillClrLst/>
+    <dgm:txEffectClrLst/>
+  </dgm:styleLbl>
+  <dgm:styleLbl name="asst1">
+    <dgm:fillClrLst meth="repeat">
+      <a:schemeClr val="accent3"/>
+    </dgm:fillClrLst>
+    <dgm:linClrLst meth="repeat">
+      <a:schemeClr val="lt1">
+        <a:shade val="80000"/>
+      </a:schemeClr>
+    </dgm:linClrLst>
+    <dgm:effectClrLst/>
+    <dgm:txLinClrLst/>
+    <dgm:txFillClrLst/>
+    <dgm:txEffectClrLst/>
+  </dgm:styleLbl>
+  <dgm:styleLbl name="asst2">
+    <dgm:fillClrLst>
+      <a:schemeClr val="accent4"/>
+    </dgm:fillClrLst>
+    <dgm:linClrLst meth="repeat">
+      <a:schemeClr val="lt1"/>
+    </dgm:linClrLst>
+    <dgm:effectClrLst/>
+    <dgm:txLinClrLst/>
+    <dgm:txFillClrLst/>
+    <dgm:txEffectClrLst/>
+  </dgm:styleLbl>
+  <dgm:styleLbl name="asst3">
+    <dgm:fillClrLst>
+      <a:schemeClr val="accent5"/>
+    </dgm:fillClrLst>
+    <dgm:linClrLst meth="repeat">
+      <a:schemeClr val="lt1"/>
+    </dgm:linClrLst>
+    <dgm:effectClrLst/>
+    <dgm:txLinClrLst/>
+    <dgm:txFillClrLst/>
+    <dgm:txEffectClrLst/>
+  </dgm:styleLbl>
+  <dgm:styleLbl name="asst4">
+    <dgm:fillClrLst>
+      <a:schemeClr val="accent6"/>
+    </dgm:fillClrLst>
+    <dgm:linClrLst meth="repeat">
+      <a:schemeClr val="lt1"/>
+    </dgm:linClrLst>
+    <dgm:effectClrLst/>
+    <dgm:txLinClrLst/>
+    <dgm:txFillClrLst/>
+    <dgm:txEffectClrLst/>
+  </dgm:styleLbl>
+  <dgm:styleLbl name="parChTrans2D1">
+    <dgm:fillClrLst meth="repeat">
+      <a:schemeClr val="accent2"/>
+    </dgm:fillClrLst>
+    <dgm:linClrLst meth="repeat">
+      <a:schemeClr val="lt1"/>
+    </dgm:linClrLst>
+    <dgm:effectClrLst/>
+    <dgm:txLinClrLst/>
+    <dgm:txFillClrLst meth="repeat">
+      <a:schemeClr val="lt1"/>
+    </dgm:txFillClrLst>
+    <dgm:txEffectClrLst/>
+  </dgm:styleLbl>
+  <dgm:styleLbl name="parChTrans2D2">
+    <dgm:fillClrLst meth="repeat">
+      <a:schemeClr val="accent3"/>
+    </dgm:fillClrLst>
+    <dgm:linClrLst meth="repeat">
+      <a:schemeClr val="lt1"/>
+    </dgm:linClrLst>
+    <dgm:effectClrLst/>
+    <dgm:txLinClrLst/>
+    <dgm:txFillClrLst/>
+    <dgm:txEffectClrLst/>
+  </dgm:styleLbl>
+  <dgm:styleLbl name="parChTrans2D3">
+    <dgm:fillClrLst meth="repeat">
+      <a:schemeClr val="accent4"/>
+    </dgm:fillClrLst>
+    <dgm:linClrLst meth="repeat">
+      <a:schemeClr val="lt1"/>
+    </dgm:linClrLst>
+    <dgm:effectClrLst/>
+    <dgm:txLinClrLst/>
+    <dgm:txFillClrLst/>
+    <dgm:txEffectClrLst/>
+  </dgm:styleLbl>
+  <dgm:styleLbl name="parChTrans2D4">
+    <dgm:fillClrLst meth="repeat">
+      <a:schemeClr val="accent5"/>
+    </dgm:fillClrLst>
+    <dgm:linClrLst meth="repeat">
+      <a:schemeClr val="lt1"/>
+    </dgm:linClrLst>
+    <dgm:effectClrLst/>
+    <dgm:txLinClrLst/>
+    <dgm:txFillClrLst meth="repeat">
+      <a:schemeClr val="lt1"/>
+    </dgm:txFillClrLst>
+    <dgm:txEffectClrLst/>
+  </dgm:styleLbl>
+  <dgm:styleLbl name="parChTrans1D1">
+    <dgm:fillClrLst meth="repeat">
+      <a:schemeClr val="accent2"/>
+    </dgm:fillClrLst>
+    <dgm:linClrLst meth="repeat">
+      <a:schemeClr val="accent2"/>
+    </dgm:linClrLst>
+    <dgm:effectClrLst/>
+    <dgm:txLinClrLst/>
+    <dgm:txFillClrLst meth="repeat">
+      <a:schemeClr val="tx1"/>
+    </dgm:txFillClrLst>
+    <dgm:txEffectClrLst/>
+  </dgm:styleLbl>
+  <dgm:styleLbl name="parChTrans1D2">
+    <dgm:fillClrLst meth="repeat">
+      <a:schemeClr val="accent2">
+        <a:tint val="90000"/>
+      </a:schemeClr>
+    </dgm:fillClrLst>
+    <dgm:linClrLst meth="repeat">
+      <a:schemeClr val="accent3"/>
+    </dgm:linClrLst>
+    <dgm:effectClrLst/>
+    <dgm:txLinClrLst/>
+    <dgm:txFillClrLst meth="repeat">
+      <a:schemeClr val="tx1"/>
+    </dgm:txFillClrLst>
+    <dgm:txEffectClrLst/>
+  </dgm:styleLbl>
+  <dgm:styleLbl name="parChTrans1D3">
+    <dgm:fillClrLst meth="repeat">
+      <a:schemeClr val="accent2">
+        <a:tint val="70000"/>
+      </a:schemeClr>
+    </dgm:fillClrLst>
+    <dgm:linClrLst meth="repeat">
+      <a:schemeClr val="accent4"/>
+    </dgm:linClrLst>
+    <dgm:effectClrLst/>
+    <dgm:txLinClrLst/>
+    <dgm:txFillClrLst meth="repeat">
+      <a:schemeClr val="tx1"/>
+    </dgm:txFillClrLst>
+    <dgm:txEffectClrLst/>
+  </dgm:styleLbl>
+  <dgm:styleLbl name="parChTrans1D4">
+    <dgm:fillClrLst meth="repeat">
+      <a:schemeClr val="accent2">
+        <a:tint val="50000"/>
+      </a:schemeClr>
+    </dgm:fillClrLst>
+    <dgm:linClrLst meth="repeat">
+      <a:schemeClr val="accent5"/>
+    </dgm:linClrLst>
+    <dgm:effectClrLst/>
+    <dgm:txLinClrLst/>
+    <dgm:txFillClrLst meth="repeat">
+      <a:schemeClr val="tx1"/>
+    </dgm:txFillClrLst>
+    <dgm:txEffectClrLst/>
+  </dgm:styleLbl>
+  <dgm:styleLbl name="fgAcc1">
+    <dgm:fillClrLst meth="repeat">
+      <a:schemeClr val="lt1">
+        <a:alpha val="90000"/>
+      </a:schemeClr>
+    </dgm:fillClrLst>
+    <dgm:linClrLst>
+      <a:schemeClr val="accent2"/>
+      <a:schemeClr val="accent3"/>
+    </dgm:linClrLst>
+    <dgm:effectClrLst/>
+    <dgm:txLinClrLst/>
+    <dgm:txFillClrLst meth="repeat">
+      <a:schemeClr val="dk1"/>
+    </dgm:txFillClrLst>
+    <dgm:txEffectClrLst/>
+  </dgm:styleLbl>
+  <dgm:styleLbl name="conFgAcc1">
+    <dgm:fillClrLst meth="repeat">
+      <a:schemeClr val="lt1">
+        <a:alpha val="90000"/>
+      </a:schemeClr>
+    </dgm:fillClrLst>
+    <dgm:linClrLst>
+      <a:schemeClr val="accent2"/>
+      <a:schemeClr val="accent3"/>
+    </dgm:linClrLst>
+    <dgm:effectClrLst/>
+    <dgm:txLinClrLst/>
+    <dgm:txFillClrLst meth="repeat">
+      <a:schemeClr val="dk1"/>
+    </dgm:txFillClrLst>
+    <dgm:txEffectClrLst/>
+  </dgm:styleLbl>
+  <dgm:styleLbl name="alignAcc1">
+    <dgm:fillClrLst meth="repeat">
+      <a:schemeClr val="lt1">
+        <a:alpha val="90000"/>
+      </a:schemeClr>
+    </dgm:fillClrLst>
+    <dgm:linClrLst>
+      <a:schemeClr val="accent2"/>
+      <a:schemeClr val="accent3"/>
+    </dgm:linClrLst>
+    <dgm:effectClrLst/>
+    <dgm:txLinClrLst/>
+    <dgm:txFillClrLst meth="repeat">
+      <a:schemeClr val="dk1"/>
+    </dgm:txFillClrLst>
+    <dgm:txEffectClrLst/>
+  </dgm:styleLbl>
+  <dgm:styleLbl name="trAlignAcc1">
+    <dgm:fillClrLst meth="repeat">
+      <a:schemeClr val="lt1">
+        <a:alpha val="40000"/>
+      </a:schemeClr>
+    </dgm:fillClrLst>
+    <dgm:linClrLst meth="repeat">
+      <a:schemeClr val="accent2"/>
+    </dgm:linClrLst>
+    <dgm:effectClrLst/>
+    <dgm:txLinClrLst/>
+    <dgm:txFillClrLst meth="repeat">
+      <a:schemeClr val="dk1"/>
+    </dgm:txFillClrLst>
+    <dgm:txEffectClrLst/>
+  </dgm:styleLbl>
+  <dgm:styleLbl name="bgAcc1">
+    <dgm:fillClrLst meth="repeat">
+      <a:schemeClr val="lt1">
+        <a:alpha val="90000"/>
+      </a:schemeClr>
+    </dgm:fillClrLst>
+    <dgm:linClrLst>
+      <a:schemeClr val="accent2"/>
+      <a:schemeClr val="accent3"/>
+    </dgm:linClrLst>
+    <dgm:effectClrLst/>
+    <dgm:txLinClrLst/>
+    <dgm:txFillClrLst meth="repeat">
+      <a:schemeClr val="dk1"/>
+    </dgm:txFillClrLst>
+    <dgm:txEffectClrLst/>
+  </dgm:styleLbl>
+  <dgm:styleLbl name="solidFgAcc1">
+    <dgm:fillClrLst meth="repeat">
+      <a:schemeClr val="lt1"/>
+    </dgm:fillClrLst>
+    <dgm:linClrLst>
+      <a:schemeClr val="accent2"/>
+      <a:schemeClr val="accent3"/>
+    </dgm:linClrLst>
+    <dgm:effectClrLst/>
+    <dgm:txLinClrLst/>
+    <dgm:txFillClrLst meth="repeat">
+      <a:schemeClr val="dk1"/>
+    </dgm:txFillClrLst>
+    <dgm:txEffectClrLst/>
+  </dgm:styleLbl>
+  <dgm:styleLbl name="solidAlignAcc1">
+    <dgm:fillClrLst meth="repeat">
+      <a:schemeClr val="lt1"/>
+    </dgm:fillClrLst>
+    <dgm:linClrLst>
+      <a:schemeClr val="accent2"/>
+      <a:schemeClr val="accent3"/>
+    </dgm:linClrLst>
+    <dgm:effectClrLst/>
+    <dgm:txLinClrLst/>
+    <dgm:txFillClrLst meth="repeat">
+      <a:schemeClr val="dk1"/>
+    </dgm:txFillClrLst>
+    <dgm:txEffectClrLst/>
+  </dgm:styleLbl>
+  <dgm:styleLbl name="solidBgAcc1">
+    <dgm:fillClrLst meth="repeat">
+      <a:schemeClr val="lt1"/>
+    </dgm:fillClrLst>
+    <dgm:linClrLst>
+      <a:schemeClr val="accent2"/>
+      <a:schemeClr val="accent3"/>
+    </dgm:linClrLst>
+    <dgm:effectClrLst/>
+    <dgm:txLinClrLst/>
+    <dgm:txFillClrLst meth="repeat">
+      <a:schemeClr val="dk1"/>
+    </dgm:txFillClrLst>
+    <dgm:txEffectClrLst/>
+  </dgm:styleLbl>
+  <dgm:styleLbl name="fgAccFollowNode1">
+    <dgm:fillClrLst>
+      <a:schemeClr val="accent2">
+        <a:tint val="40000"/>
+        <a:alpha val="90000"/>
+      </a:schemeClr>
+      <a:schemeClr val="accent3">
+        <a:tint val="40000"/>
+        <a:alpha val="90000"/>
+      </a:schemeClr>
+    </dgm:fillClrLst>
+    <dgm:linClrLst>
+      <a:schemeClr val="accent2">
+        <a:tint val="40000"/>
+        <a:alpha val="90000"/>
+      </a:schemeClr>
+      <a:schemeClr val="accent3">
+        <a:tint val="40000"/>
+        <a:alpha val="90000"/>
+      </a:schemeClr>
+    </dgm:linClrLst>
+    <dgm:effectClrLst/>
+    <dgm:txLinClrLst/>
+    <dgm:txFillClrLst meth="repeat">
+      <a:schemeClr val="dk1"/>
+    </dgm:txFillClrLst>
+    <dgm:txEffectClrLst/>
+  </dgm:styleLbl>
+  <dgm:styleLbl name="alignAccFollowNode1">
+    <dgm:fillClrLst>
+      <a:schemeClr val="accent2">
+        <a:tint val="40000"/>
+        <a:alpha val="90000"/>
+      </a:schemeClr>
+      <a:schemeClr val="accent3">
+        <a:tint val="40000"/>
+        <a:alpha val="90000"/>
+      </a:schemeClr>
+    </dgm:fillClrLst>
+    <dgm:linClrLst>
+      <a:schemeClr val="accent2">
+        <a:tint val="40000"/>
+        <a:alpha val="90000"/>
+      </a:schemeClr>
+      <a:schemeClr val="accent3">
+        <a:tint val="40000"/>
+        <a:alpha val="90000"/>
+      </a:schemeClr>
+    </dgm:linClrLst>
+    <dgm:effectClrLst/>
+    <dgm:txLinClrLst/>
+    <dgm:txFillClrLst meth="repeat">
+      <a:schemeClr val="dk1"/>
+    </dgm:txFillClrLst>
+    <dgm:txEffectClrLst/>
+  </dgm:styleLbl>
+  <dgm:styleLbl name="bgAccFollowNode1">
+    <dgm:fillClrLst>
+      <a:schemeClr val="accent2">
+        <a:tint val="40000"/>
+        <a:alpha val="90000"/>
+      </a:schemeClr>
+      <a:schemeClr val="accent3">
+        <a:tint val="40000"/>
+        <a:alpha val="90000"/>
+      </a:schemeClr>
+    </dgm:fillClrLst>
+    <dgm:linClrLst>
+      <a:schemeClr val="accent2">
+        <a:tint val="40000"/>
+        <a:alpha val="90000"/>
+      </a:schemeClr>
+      <a:schemeClr val="accent3">
+        <a:tint val="40000"/>
+        <a:alpha val="90000"/>
+      </a:schemeClr>
+    </dgm:linClrLst>
+    <dgm:effectClrLst/>
+    <dgm:txLinClrLst/>
+    <dgm:txFillClrLst meth="repeat">
+      <a:schemeClr val="dk1"/>
+    </dgm:txFillClrLst>
+    <dgm:txEffectClrLst/>
+  </dgm:styleLbl>
+  <dgm:styleLbl name="fgAcc0">
+    <dgm:fillClrLst meth="repeat">
+      <a:schemeClr val="lt1">
+        <a:alpha val="90000"/>
+      </a:schemeClr>
+    </dgm:fillClrLst>
+    <dgm:linClrLst>
+      <a:schemeClr val="accent1"/>
+    </dgm:linClrLst>
+    <dgm:effectClrLst/>
+    <dgm:txLinClrLst/>
+    <dgm:txFillClrLst meth="repeat">
+      <a:schemeClr val="dk1"/>
+    </dgm:txFillClrLst>
+    <dgm:txEffectClrLst/>
+  </dgm:styleLbl>
+  <dgm:styleLbl name="fgAcc2">
+    <dgm:fillClrLst meth="repeat">
+      <a:schemeClr val="lt1">
+        <a:alpha val="90000"/>
+      </a:schemeClr>
+    </dgm:fillClrLst>
+    <dgm:linClrLst>
+      <a:schemeClr val="accent3"/>
+    </dgm:linClrLst>
+    <dgm:effectClrLst/>
+    <dgm:txLinClrLst/>
+    <dgm:txFillClrLst meth="repeat">
+      <a:schemeClr val="dk1"/>
+    </dgm:txFillClrLst>
+    <dgm:txEffectClrLst/>
+  </dgm:styleLbl>
+  <dgm:styleLbl name="fgAcc3">
+    <dgm:fillClrLst meth="repeat">
+      <a:schemeClr val="lt1">
+        <a:alpha val="90000"/>
+      </a:schemeClr>
+    </dgm:fillClrLst>
+    <dgm:linClrLst>
+      <a:schemeClr val="accent4"/>
+    </dgm:linClrLst>
+    <dgm:effectClrLst/>
+    <dgm:txLinClrLst/>
+    <dgm:txFillClrLst meth="repeat">
+      <a:schemeClr val="dk1"/>
+    </dgm:txFillClrLst>
+    <dgm:txEffectClrLst/>
+  </dgm:styleLbl>
+  <dgm:styleLbl name="fgAcc4">
+    <dgm:fillClrLst meth="repeat">
+      <a:schemeClr val="lt1">
+        <a:alpha val="90000"/>
+      </a:schemeClr>
+    </dgm:fillClrLst>
+    <dgm:linClrLst>
+      <a:schemeClr val="accent5"/>
+    </dgm:linClrLst>
+    <dgm:effectClrLst/>
+    <dgm:txLinClrLst/>
+    <dgm:txFillClrLst meth="repeat">
+      <a:schemeClr val="dk1"/>
+    </dgm:txFillClrLst>
+    <dgm:txEffectClrLst/>
+  </dgm:styleLbl>
+  <dgm:styleLbl name="bgShp">
+    <dgm:fillClrLst meth="repeat">
+      <a:schemeClr val="accent2">
+        <a:tint val="40000"/>
+      </a:schemeClr>
+    </dgm:fillClrLst>
+    <dgm:linClrLst meth="repeat">
+      <a:schemeClr val="dk1"/>
+    </dgm:linClrLst>
+    <dgm:effectClrLst/>
+    <dgm:txLinClrLst/>
+    <dgm:txFillClrLst meth="repeat">
+      <a:schemeClr val="dk1"/>
+    </dgm:txFillClrLst>
+    <dgm:txEffectClrLst/>
+  </dgm:styleLbl>
+  <dgm:styleLbl name="dkBgShp">
+    <dgm:fillClrLst meth="repeat">
+      <a:schemeClr val="accent2">
+        <a:shade val="90000"/>
+      </a:schemeClr>
+    </dgm:fillClrLst>
+    <dgm:linClrLst meth="repeat">
+      <a:schemeClr val="dk1"/>
+    </dgm:linClrLst>
+    <dgm:effectClrLst/>
+    <dgm:txLinClrLst/>
+    <dgm:txFillClrLst meth="repeat">
+      <a:schemeClr val="lt1"/>
+    </dgm:txFillClrLst>
+    <dgm:txEffectClrLst/>
+  </dgm:styleLbl>
+  <dgm:styleLbl name="trBgShp">
+    <dgm:fillClrLst meth="repeat">
+      <a:schemeClr val="accent2">
+        <a:tint val="50000"/>
+        <a:alpha val="40000"/>
+      </a:schemeClr>
+    </dgm:fillClrLst>
+    <dgm:linClrLst meth="repeat">
+      <a:schemeClr val="accent2"/>
+    </dgm:linClrLst>
+    <dgm:effectClrLst/>
+    <dgm:txLinClrLst/>
+    <dgm:txFillClrLst meth="repeat">
+      <a:schemeClr val="lt1"/>
+    </dgm:txFillClrLst>
+    <dgm:txEffectClrLst/>
+  </dgm:styleLbl>
+  <dgm:styleLbl name="fgShp">
+    <dgm:fillClrLst meth="repeat">
+      <a:schemeClr val="accent2">
+        <a:tint val="40000"/>
+      </a:schemeClr>
+    </dgm:fillClrLst>
+    <dgm:linClrLst meth="repeat">
+      <a:schemeClr val="lt1"/>
+    </dgm:linClrLst>
+    <dgm:effectClrLst/>
+    <dgm:txLinClrLst/>
+    <dgm:txFillClrLst meth="repeat">
+      <a:schemeClr val="dk1"/>
+    </dgm:txFillClrLst>
+    <dgm:txEffectClrLst/>
+  </dgm:styleLbl>
+  <dgm:styleLbl name="revTx">
+    <dgm:fillClrLst meth="repeat">
+      <a:schemeClr val="lt1">
+        <a:alpha val="0"/>
+      </a:schemeClr>
+    </dgm:fillClrLst>
+    <dgm:linClrLst meth="repeat">
+      <a:schemeClr val="dk1">
+        <a:alpha val="0"/>
+      </a:schemeClr>
+    </dgm:linClrLst>
+    <dgm:effectClrLst/>
+    <dgm:txLinClrLst/>
+    <dgm:txFillClrLst meth="repeat">
+      <a:schemeClr val="tx1"/>
+    </dgm:txFillClrLst>
+    <dgm:txEffectClrLst/>
+  </dgm:styleLbl>
+</dgm:colorsDef>
+</file>
+
+<file path=ppt/diagrams/colors3.xml><?xml version="1.0" encoding="utf-8"?>
+<dgm:colorsDef xmlns:dgm="http://schemas.openxmlformats.org/drawingml/2006/diagram" xmlns:a="http://schemas.openxmlformats.org/drawingml/2006/main" uniqueId="urn:microsoft.com/office/officeart/2005/8/colors/accent1_2">
+  <dgm:title val=""/>
+  <dgm:desc val=""/>
+  <dgm:catLst>
+    <dgm:cat type="accent1" pri="11200"/>
+  </dgm:catLst>
+  <dgm:styleLbl name="node0">
+    <dgm:fillClrLst meth="repeat">
+      <a:schemeClr val="accent1"/>
+    </dgm:fillClrLst>
+    <dgm:linClrLst meth="repeat">
+      <a:schemeClr val="lt1"/>
+    </dgm:linClrLst>
+    <dgm:effectClrLst/>
+    <dgm:txLinClrLst/>
+    <dgm:txFillClrLst/>
+    <dgm:txEffectClrLst/>
+  </dgm:styleLbl>
+  <dgm:styleLbl name="alignNode1">
+    <dgm:fillClrLst meth="repeat">
+      <a:schemeClr val="accent1"/>
+    </dgm:fillClrLst>
+    <dgm:linClrLst meth="repeat">
+      <a:schemeClr val="accent1"/>
+    </dgm:linClrLst>
+    <dgm:effectClrLst/>
+    <dgm:txLinClrLst/>
+    <dgm:txFillClrLst/>
+    <dgm:txEffectClrLst/>
+  </dgm:styleLbl>
+  <dgm:styleLbl name="node1">
+    <dgm:fillClrLst meth="repeat">
+      <a:schemeClr val="accent1"/>
+    </dgm:fillClrLst>
+    <dgm:linClrLst meth="repeat">
+      <a:schemeClr val="lt1"/>
+    </dgm:linClrLst>
+    <dgm:effectClrLst/>
+    <dgm:txLinClrLst/>
+    <dgm:txFillClrLst/>
+    <dgm:txEffectClrLst/>
+  </dgm:styleLbl>
+  <dgm:styleLbl name="lnNode1">
+    <dgm:fillClrLst meth="repeat">
+      <a:schemeClr val="accent1"/>
+    </dgm:fillClrLst>
+    <dgm:linClrLst meth="repeat">
+      <a:schemeClr val="lt1"/>
+    </dgm:linClrLst>
+    <dgm:effectClrLst/>
+    <dgm:txLinClrLst/>
+    <dgm:txFillClrLst/>
+    <dgm:txEffectClrLst/>
+  </dgm:styleLbl>
+  <dgm:styleLbl name="vennNode1">
+    <dgm:fillClrLst meth="repeat">
+      <a:schemeClr val="accent1">
+        <a:alpha val="50000"/>
+      </a:schemeClr>
+    </dgm:fillClrLst>
+    <dgm:linClrLst meth="repeat">
+      <a:schemeClr val="lt1"/>
+    </dgm:linClrLst>
+    <dgm:effectClrLst/>
+    <dgm:txLinClrLst/>
+    <dgm:txFillClrLst/>
+    <dgm:txEffectClrLst/>
+  </dgm:styleLbl>
+  <dgm:styleLbl name="node2">
+    <dgm:fillClrLst meth="repeat">
+      <a:schemeClr val="accent1"/>
+    </dgm:fillClrLst>
+    <dgm:linClrLst meth="repeat">
+      <a:schemeClr val="lt1"/>
+    </dgm:linClrLst>
+    <dgm:effectClrLst/>
+    <dgm:txLinClrLst/>
+    <dgm:txFillClrLst/>
+    <dgm:txEffectClrLst/>
+  </dgm:styleLbl>
+  <dgm:styleLbl name="node3">
+    <dgm:fillClrLst meth="repeat">
+      <a:schemeClr val="accent1"/>
+    </dgm:fillClrLst>
+    <dgm:linClrLst meth="repeat">
+      <a:schemeClr val="lt1"/>
+    </dgm:linClrLst>
+    <dgm:effectClrLst/>
+    <dgm:txLinClrLst/>
+    <dgm:txFillClrLst/>
+    <dgm:txEffectClrLst/>
+  </dgm:styleLbl>
+  <dgm:styleLbl name="node4">
+    <dgm:fillClrLst meth="repeat">
+      <a:schemeClr val="accent1"/>
+    </dgm:fillClrLst>
+    <dgm:linClrLst meth="repeat">
+      <a:schemeClr val="lt1"/>
+    </dgm:linClrLst>
+    <dgm:effectClrLst/>
+    <dgm:txLinClrLst/>
+    <dgm:txFillClrLst/>
+    <dgm:txEffectClrLst/>
+  </dgm:styleLbl>
+  <dgm:styleLbl name="fgImgPlace1">
+    <dgm:fillClrLst meth="repeat">
+      <a:schemeClr val="accent1">
+        <a:tint val="50000"/>
+      </a:schemeClr>
+    </dgm:fillClrLst>
+    <dgm:linClrLst meth="repeat">
+      <a:schemeClr val="lt1"/>
+    </dgm:linClrLst>
+    <dgm:effectClrLst/>
+    <dgm:txLinClrLst/>
+    <dgm:txFillClrLst meth="repeat">
+      <a:schemeClr val="lt1"/>
+    </dgm:txFillClrLst>
+    <dgm:txEffectClrLst/>
+  </dgm:styleLbl>
+  <dgm:styleLbl name="alignImgPlace1">
+    <dgm:fillClrLst meth="repeat">
+      <a:schemeClr val="accent1">
+        <a:tint val="50000"/>
+      </a:schemeClr>
+    </dgm:fillClrLst>
+    <dgm:linClrLst meth="repeat">
+      <a:schemeClr val="lt1"/>
+    </dgm:linClrLst>
+    <dgm:effectClrLst/>
+    <dgm:txLinClrLst/>
+    <dgm:txFillClrLst meth="repeat">
+      <a:schemeClr val="lt1"/>
+    </dgm:txFillClrLst>
+    <dgm:txEffectClrLst/>
+  </dgm:styleLbl>
+  <dgm:styleLbl name="bgImgPlace1">
+    <dgm:fillClrLst meth="repeat">
+      <a:schemeClr val="accent1">
+        <a:tint val="50000"/>
+      </a:schemeClr>
+    </dgm:fillClrLst>
+    <dgm:linClrLst meth="repeat">
+      <a:schemeClr val="lt1"/>
+    </dgm:linClrLst>
+    <dgm:effectClrLst/>
+    <dgm:txLinClrLst/>
+    <dgm:txFillClrLst meth="repeat">
+      <a:schemeClr val="lt1"/>
+    </dgm:txFillClrLst>
+    <dgm:txEffectClrLst/>
+  </dgm:styleLbl>
+  <dgm:styleLbl name="sibTrans2D1">
+    <dgm:fillClrLst meth="repeat">
+      <a:schemeClr val="accent1">
+        <a:tint val="60000"/>
+      </a:schemeClr>
+    </dgm:fillClrLst>
+    <dgm:linClrLst meth="repeat">
+      <a:schemeClr val="accent1">
+        <a:tint val="60000"/>
+      </a:schemeClr>
+    </dgm:linClrLst>
+    <dgm:effectClrLst/>
+    <dgm:txLinClrLst/>
+    <dgm:txFillClrLst/>
+    <dgm:txEffectClrLst/>
+  </dgm:styleLbl>
+  <dgm:styleLbl name="fgSibTrans2D1">
+    <dgm:fillClrLst meth="repeat">
+      <a:schemeClr val="accent1">
+        <a:tint val="60000"/>
+      </a:schemeClr>
+    </dgm:fillClrLst>
+    <dgm:linClrLst meth="repeat">
+      <a:schemeClr val="accent1">
+        <a:tint val="60000"/>
+      </a:schemeClr>
+    </dgm:linClrLst>
+    <dgm:effectClrLst/>
+    <dgm:txLinClrLst/>
+    <dgm:txFillClrLst/>
+    <dgm:txEffectClrLst/>
+  </dgm:styleLbl>
+  <dgm:styleLbl name="bgSibTrans2D1">
+    <dgm:fillClrLst meth="repeat">
+      <a:schemeClr val="accent1">
+        <a:tint val="60000"/>
+      </a:schemeClr>
+    </dgm:fillClrLst>
+    <dgm:linClrLst meth="repeat">
+      <a:schemeClr val="accent1">
+        <a:tint val="60000"/>
+      </a:schemeClr>
+    </dgm:linClrLst>
+    <dgm:effectClrLst/>
+    <dgm:txLinClrLst/>
+    <dgm:txFillClrLst/>
+    <dgm:txEffectClrLst/>
+  </dgm:styleLbl>
+  <dgm:styleLbl name="sibTrans1D1">
+    <dgm:fillClrLst meth="repeat">
+      <a:schemeClr val="accent1"/>
+    </dgm:fillClrLst>
+    <dgm:linClrLst meth="repeat">
+      <a:schemeClr val="accent1"/>
+    </dgm:linClrLst>
+    <dgm:effectClrLst/>
+    <dgm:txLinClrLst/>
+    <dgm:txFillClrLst meth="repeat">
+      <a:schemeClr val="tx1"/>
+    </dgm:txFillClrLst>
+    <dgm:txEffectClrLst/>
+  </dgm:styleLbl>
+  <dgm:styleLbl name="callout">
+    <dgm:fillClrLst meth="repeat">
+      <a:schemeClr val="accent1"/>
+    </dgm:fillClrLst>
+    <dgm:linClrLst meth="repeat">
+      <a:schemeClr val="accent1">
+        <a:tint val="50000"/>
+      </a:schemeClr>
+    </dgm:linClrLst>
+    <dgm:effectClrLst/>
+    <dgm:txLinClrLst/>
+    <dgm:txFillClrLst meth="repeat">
+      <a:schemeClr val="tx1"/>
+    </dgm:txFillClrLst>
+    <dgm:txEffectClrLst/>
+  </dgm:styleLbl>
+  <dgm:styleLbl name="asst0">
+    <dgm:fillClrLst meth="repeat">
+      <a:schemeClr val="accent1"/>
+    </dgm:fillClrLst>
+    <dgm:linClrLst meth="repeat">
+      <a:schemeClr val="lt1"/>
+    </dgm:linClrLst>
+    <dgm:effectClrLst/>
+    <dgm:txLinClrLst/>
+    <dgm:txFillClrLst/>
+    <dgm:txEffectClrLst/>
+  </dgm:styleLbl>
+  <dgm:styleLbl name="asst1">
+    <dgm:fillClrLst meth="repeat">
+      <a:schemeClr val="accent1"/>
+    </dgm:fillClrLst>
+    <dgm:linClrLst meth="repeat">
+      <a:schemeClr val="lt1"/>
+    </dgm:linClrLst>
+    <dgm:effectClrLst/>
+    <dgm:txLinClrLst/>
+    <dgm:txFillClrLst/>
+    <dgm:txEffectClrLst/>
+  </dgm:styleLbl>
+  <dgm:styleLbl name="asst2">
+    <dgm:fillClrLst meth="repeat">
+      <a:schemeClr val="accent1"/>
+    </dgm:fillClrLst>
+    <dgm:linClrLst meth="repeat">
+      <a:schemeClr val="lt1"/>
+    </dgm:linClrLst>
+    <dgm:effectClrLst/>
+    <dgm:txLinClrLst/>
+    <dgm:txFillClrLst/>
+    <dgm:txEffectClrLst/>
+  </dgm:styleLbl>
+  <dgm:styleLbl name="asst3">
+    <dgm:fillClrLst meth="repeat">
+      <a:schemeClr val="accent1"/>
+    </dgm:fillClrLst>
+    <dgm:linClrLst meth="repeat">
+      <a:schemeClr val="lt1"/>
+    </dgm:linClrLst>
+    <dgm:effectClrLst/>
+    <dgm:txLinClrLst/>
+    <dgm:txFillClrLst/>
+    <dgm:txEffectClrLst/>
+  </dgm:styleLbl>
+  <dgm:styleLbl name="asst4">
+    <dgm:fillClrLst meth="repeat">
+      <a:schemeClr val="accent1"/>
+    </dgm:fillClrLst>
+    <dgm:linClrLst meth="repeat">
+      <a:schemeClr val="lt1"/>
+    </dgm:linClrLst>
+    <dgm:effectClrLst/>
+    <dgm:txLinClrLst/>
+    <dgm:txFillClrLst/>
+    <dgm:txEffectClrLst/>
+  </dgm:styleLbl>
+  <dgm:styleLbl name="parChTrans2D1">
+    <dgm:fillClrLst meth="repeat">
+      <a:schemeClr val="accent1">
+        <a:tint val="60000"/>
+      </a:schemeClr>
+    </dgm:fillClrLst>
+    <dgm:linClrLst meth="repeat">
+      <a:schemeClr val="accent1">
+        <a:tint val="60000"/>
+      </a:schemeClr>
+    </dgm:linClrLst>
+    <dgm:effectClrLst/>
+    <dgm:txLinClrLst/>
+    <dgm:txFillClrLst meth="repeat">
+      <a:schemeClr val="lt1"/>
+    </dgm:txFillClrLst>
+    <dgm:txEffectClrLst/>
+  </dgm:styleLbl>
+  <dgm:styleLbl name="parChTrans2D2">
+    <dgm:fillClrLst meth="repeat">
+      <a:schemeClr val="accent1"/>
+    </dgm:fillClrLst>
+    <dgm:linClrLst meth="repeat">
+      <a:schemeClr val="accent1"/>
+    </dgm:linClrLst>
+    <dgm:effectClrLst/>
+    <dgm:txLinClrLst/>
+    <dgm:txFillClrLst meth="repeat">
+      <a:schemeClr val="lt1"/>
+    </dgm:txFillClrLst>
+    <dgm:txEffectClrLst/>
+  </dgm:styleLbl>
+  <dgm:styleLbl name="parChTrans2D3">
+    <dgm:fillClrLst meth="repeat">
+      <a:schemeClr val="accent1"/>
+    </dgm:fillClrLst>
+    <dgm:linClrLst meth="repeat">
+      <a:schemeClr val="accent1"/>
+    </dgm:linClrLst>
+    <dgm:effectClrLst/>
+    <dgm:txLinClrLst/>
+    <dgm:txFillClrLst meth="repeat">
+      <a:schemeClr val="lt1"/>
+    </dgm:txFillClrLst>
+    <dgm:txEffectClrLst/>
+  </dgm:styleLbl>
+  <dgm:styleLbl name="parChTrans2D4">
+    <dgm:fillClrLst meth="repeat">
+      <a:schemeClr val="accent1"/>
+    </dgm:fillClrLst>
+    <dgm:linClrLst meth="repeat">
+      <a:schemeClr val="accent1"/>
+    </dgm:linClrLst>
+    <dgm:effectClrLst/>
+    <dgm:txLinClrLst/>
+    <dgm:txFillClrLst meth="repeat">
+      <a:schemeClr val="lt1"/>
+    </dgm:txFillClrLst>
+    <dgm:txEffectClrLst/>
+  </dgm:styleLbl>
+  <dgm:styleLbl name="parChTrans1D1">
+    <dgm:fillClrLst meth="repeat">
+      <a:schemeClr val="accent1"/>
+    </dgm:fillClrLst>
+    <dgm:linClrLst meth="repeat">
+      <a:schemeClr val="accent1">
+        <a:shade val="60000"/>
+      </a:schemeClr>
+    </dgm:linClrLst>
+    <dgm:effectClrLst/>
+    <dgm:txLinClrLst/>
+    <dgm:txFillClrLst meth="repeat">
+      <a:schemeClr val="tx1"/>
+    </dgm:txFillClrLst>
+    <dgm:txEffectClrLst/>
+  </dgm:styleLbl>
+  <dgm:styleLbl name="parChTrans1D2">
+    <dgm:fillClrLst meth="repeat">
+      <a:schemeClr val="accent1"/>
+    </dgm:fillClrLst>
+    <dgm:linClrLst meth="repeat">
+      <a:schemeClr val="accent1">
+        <a:shade val="60000"/>
+      </a:schemeClr>
+    </dgm:linClrLst>
+    <dgm:effectClrLst/>
+    <dgm:txLinClrLst/>
+    <dgm:txFillClrLst meth="repeat">
+      <a:schemeClr val="tx1"/>
+    </dgm:txFillClrLst>
+    <dgm:txEffectClrLst/>
+  </dgm:styleLbl>
+  <dgm:styleLbl name="parChTrans1D3">
+    <dgm:fillClrLst meth="repeat">
+      <a:schemeClr val="accent1"/>
+    </dgm:fillClrLst>
+    <dgm:linClrLst meth="repeat">
+      <a:schemeClr val="accent1">
+        <a:shade val="80000"/>
+      </a:schemeClr>
+    </dgm:linClrLst>
+    <dgm:effectClrLst/>
+    <dgm:txLinClrLst/>
+    <dgm:txFillClrLst meth="repeat">
+      <a:schemeClr val="tx1"/>
+    </dgm:txFillClrLst>
+    <dgm:txEffectClrLst/>
+  </dgm:styleLbl>
+  <dgm:styleLbl name="parChTrans1D4">
+    <dgm:fillClrLst meth="repeat">
+      <a:schemeClr val="accent1"/>
+    </dgm:fillClrLst>
+    <dgm:linClrLst meth="repeat">
+      <a:schemeClr val="accent1">
+        <a:shade val="80000"/>
+      </a:schemeClr>
+    </dgm:linClrLst>
+    <dgm:effectClrLst/>
+    <dgm:txLinClrLst/>
+    <dgm:txFillClrLst meth="repeat">
+      <a:schemeClr val="tx1"/>
+    </dgm:txFillClrLst>
+    <dgm:txEffectClrLst/>
+  </dgm:styleLbl>
+  <dgm:styleLbl name="fgAcc1">
+    <dgm:fillClrLst meth="repeat">
+      <a:schemeClr val="lt1">
+        <a:alpha val="90000"/>
+      </a:schemeClr>
+    </dgm:fillClrLst>
+    <dgm:linClrLst meth="repeat">
+      <a:schemeClr val="accent1"/>
+    </dgm:linClrLst>
+    <dgm:effectClrLst/>
+    <dgm:txLinClrLst/>
+    <dgm:txFillClrLst meth="repeat">
+      <a:schemeClr val="dk1"/>
+    </dgm:txFillClrLst>
+    <dgm:txEffectClrLst/>
+  </dgm:styleLbl>
+  <dgm:styleLbl name="conFgAcc1">
+    <dgm:fillClrLst meth="repeat">
+      <a:schemeClr val="lt1">
+        <a:alpha val="90000"/>
+      </a:schemeClr>
+    </dgm:fillClrLst>
+    <dgm:linClrLst meth="repeat">
+      <a:schemeClr val="accent1"/>
+    </dgm:linClrLst>
+    <dgm:effectClrLst/>
+    <dgm:txLinClrLst/>
+    <dgm:txFillClrLst meth="repeat">
+      <a:schemeClr val="dk1"/>
+    </dgm:txFillClrLst>
+    <dgm:txEffectClrLst/>
+  </dgm:styleLbl>
+  <dgm:styleLbl name="alignAcc1">
+    <dgm:fillClrLst meth="repeat">
+      <a:schemeClr val="lt1">
+        <a:alpha val="90000"/>
+      </a:schemeClr>
+    </dgm:fillClrLst>
+    <dgm:linClrLst meth="repeat">
+      <a:schemeClr val="accent1"/>
+    </dgm:linClrLst>
+    <dgm:effectClrLst/>
+    <dgm:txLinClrLst/>
+    <dgm:txFillClrLst meth="repeat">
+      <a:schemeClr val="dk1"/>
+    </dgm:txFillClrLst>
+    <dgm:txEffectClrLst/>
+  </dgm:styleLbl>
+  <dgm:styleLbl name="trAlignAcc1">
+    <dgm:fillClrLst meth="repeat">
+      <a:schemeClr val="lt1">
+        <a:alpha val="40000"/>
+      </a:schemeClr>
+    </dgm:fillClrLst>
+    <dgm:linClrLst meth="repeat">
+      <a:schemeClr val="accent1"/>
+    </dgm:linClrLst>
+    <dgm:effectClrLst/>
+    <dgm:txLinClrLst/>
+    <dgm:txFillClrLst meth="repeat">
+      <a:schemeClr val="dk1"/>
+    </dgm:txFillClrLst>
+    <dgm:txEffectClrLst/>
+  </dgm:styleLbl>
+  <dgm:styleLbl name="bgAcc1">
+    <dgm:fillClrLst meth="repeat">
+      <a:schemeClr val="lt1">
+        <a:alpha val="90000"/>
+      </a:schemeClr>
+    </dgm:fillClrLst>
+    <dgm:linClrLst meth="repeat">
+      <a:schemeClr val="accent1"/>
+    </dgm:linClrLst>
+    <dgm:effectClrLst/>
+    <dgm:txLinClrLst/>
+    <dgm:txFillClrLst meth="repeat">
+      <a:schemeClr val="dk1"/>
+    </dgm:txFillClrLst>
+    <dgm:txEffectClrLst/>
+  </dgm:styleLbl>
+  <dgm:styleLbl name="solidFgAcc1">
+    <dgm:fillClrLst meth="repeat">
+      <a:schemeClr val="lt1"/>
+    </dgm:fillClrLst>
+    <dgm:linClrLst meth="repeat">
+      <a:schemeClr val="accent1"/>
+    </dgm:linClrLst>
+    <dgm:effectClrLst/>
+    <dgm:txLinClrLst/>
+    <dgm:txFillClrLst meth="repeat">
+      <a:schemeClr val="dk1"/>
+    </dgm:txFillClrLst>
+    <dgm:txEffectClrLst/>
+  </dgm:styleLbl>
+  <dgm:styleLbl name="solidAlignAcc1">
+    <dgm:fillClrLst meth="repeat">
+      <a:schemeClr val="lt1"/>
+    </dgm:fillClrLst>
+    <dgm:linClrLst meth="repeat">
+      <a:schemeClr val="accent1"/>
+    </dgm:linClrLst>
+    <dgm:effectClrLst/>
+    <dgm:txLinClrLst/>
+    <dgm:txFillClrLst meth="repeat">
+      <a:schemeClr val="dk1"/>
+    </dgm:txFillClrLst>
+    <dgm:txEffectClrLst/>
+  </dgm:styleLbl>
+  <dgm:styleLbl name="solidBgAcc1">
+    <dgm:fillClrLst meth="repeat">
+      <a:schemeClr val="lt1"/>
+    </dgm:fillClrLst>
+    <dgm:linClrLst meth="repeat">
+      <a:schemeClr val="accent1"/>
+    </dgm:linClrLst>
+    <dgm:effectClrLst/>
+    <dgm:txLinClrLst/>
+    <dgm:txFillClrLst meth="repeat">
+      <a:schemeClr val="dk1"/>
+    </dgm:txFillClrLst>
+    <dgm:txEffectClrLst/>
+  </dgm:styleLbl>
+  <dgm:styleLbl name="fgAccFollowNode1">
+    <dgm:fillClrLst meth="repeat">
+      <a:schemeClr val="accent1">
+        <a:alpha val="90000"/>
+        <a:tint val="40000"/>
+      </a:schemeClr>
+    </dgm:fillClrLst>
+    <dgm:linClrLst meth="repeat">
+      <a:schemeClr val="accent1">
+        <a:alpha val="90000"/>
+        <a:tint val="40000"/>
+      </a:schemeClr>
+    </dgm:linClrLst>
+    <dgm:effectClrLst/>
+    <dgm:txLinClrLst/>
+    <dgm:txFillClrLst meth="repeat">
+      <a:schemeClr val="dk1"/>
+    </dgm:txFillClrLst>
+    <dgm:txEffectClrLst/>
+  </dgm:styleLbl>
+  <dgm:styleLbl name="alignAccFollowNode1">
+    <dgm:fillClrLst meth="repeat">
+      <a:schemeClr val="accent1">
+        <a:alpha val="90000"/>
+        <a:tint val="40000"/>
+      </a:schemeClr>
+    </dgm:fillClrLst>
+    <dgm:linClrLst meth="repeat">
+      <a:schemeClr val="accent1">
+        <a:alpha val="90000"/>
+        <a:tint val="40000"/>
+      </a:schemeClr>
+    </dgm:linClrLst>
+    <dgm:effectClrLst/>
+    <dgm:txLinClrLst/>
+    <dgm:txFillClrLst meth="repeat">
+      <a:schemeClr val="dk1"/>
+    </dgm:txFillClrLst>
+    <dgm:txEffectClrLst/>
+  </dgm:styleLbl>
+  <dgm:styleLbl name="bgAccFollowNode1">
+    <dgm:fillClrLst meth="repeat">
+      <a:schemeClr val="accent1">
+        <a:alpha val="90000"/>
+        <a:tint val="40000"/>
+      </a:schemeClr>
+    </dgm:fillClrLst>
+    <dgm:linClrLst meth="repeat">
+      <a:schemeClr val="accent1">
+        <a:alpha val="90000"/>
+        <a:tint val="40000"/>
+      </a:schemeClr>
+    </dgm:linClrLst>
+    <dgm:effectClrLst/>
+    <dgm:txLinClrLst/>
+    <dgm:txFillClrLst meth="repeat">
+      <a:schemeClr val="dk1"/>
+    </dgm:txFillClrLst>
+    <dgm:txEffectClrLst/>
+  </dgm:styleLbl>
+  <dgm:styleLbl name="fgAcc0">
+    <dgm:fillClrLst meth="repeat">
+      <a:schemeClr val="lt1">
+        <a:alpha val="90000"/>
+      </a:schemeClr>
+    </dgm:fillClrLst>
+    <dgm:linClrLst meth="repeat">
+      <a:schemeClr val="accent1"/>
+    </dgm:linClrLst>
+    <dgm:effectClrLst/>
+    <dgm:txLinClrLst/>
+    <dgm:txFillClrLst meth="repeat">
+      <a:schemeClr val="dk1"/>
+    </dgm:txFillClrLst>
+    <dgm:txEffectClrLst/>
+  </dgm:styleLbl>
+  <dgm:styleLbl name="fgAcc2">
+    <dgm:fillClrLst meth="repeat">
+      <a:schemeClr val="lt1">
+        <a:alpha val="90000"/>
+      </a:schemeClr>
+    </dgm:fillClrLst>
+    <dgm:linClrLst meth="repeat">
+      <a:schemeClr val="accent1"/>
+    </dgm:linClrLst>
+    <dgm:effectClrLst/>
+    <dgm:txLinClrLst/>
+    <dgm:txFillClrLst meth="repeat">
+      <a:schemeClr val="dk1"/>
+    </dgm:txFillClrLst>
+    <dgm:txEffectClrLst/>
+  </dgm:styleLbl>
+  <dgm:styleLbl name="fgAcc3">
+    <dgm:fillClrLst meth="repeat">
+      <a:schemeClr val="lt1">
+        <a:alpha val="90000"/>
+      </a:schemeClr>
+    </dgm:fillClrLst>
+    <dgm:linClrLst meth="repeat">
+      <a:schemeClr val="accent1"/>
+    </dgm:linClrLst>
+    <dgm:effectClrLst/>
+    <dgm:txLinClrLst/>
+    <dgm:txFillClrLst meth="repeat">
+      <a:schemeClr val="dk1"/>
+    </dgm:txFillClrLst>
+    <dgm:txEffectClrLst/>
+  </dgm:styleLbl>
+  <dgm:styleLbl name="fgAcc4">
+    <dgm:fillClrLst meth="repeat">
+      <a:schemeClr val="lt1">
+        <a:alpha val="90000"/>
+      </a:schemeClr>
+    </dgm:fillClrLst>
+    <dgm:linClrLst meth="repeat">
+      <a:schemeClr val="accent1"/>
+    </dgm:linClrLst>
+    <dgm:effectClrLst/>
+    <dgm:txLinClrLst/>
+    <dgm:txFillClrLst meth="repeat">
+      <a:schemeClr val="dk1"/>
+    </dgm:txFillClrLst>
+    <dgm:txEffectClrLst/>
+  </dgm:styleLbl>
+  <dgm:styleLbl name="bgShp">
+    <dgm:fillClrLst meth="repeat">
+      <a:schemeClr val="accent1">
+        <a:tint val="40000"/>
+      </a:schemeClr>
+    </dgm:fillClrLst>
+    <dgm:linClrLst meth="repeat">
+      <a:schemeClr val="accent1"/>
+    </dgm:linClrLst>
+    <dgm:effectClrLst/>
+    <dgm:txLinClrLst/>
+    <dgm:txFillClrLst meth="repeat">
+      <a:schemeClr val="dk1"/>
+    </dgm:txFillClrLst>
+    <dgm:txEffectClrLst/>
+  </dgm:styleLbl>
+  <dgm:styleLbl name="dkBgShp">
+    <dgm:fillClrLst meth="repeat">
+      <a:schemeClr val="accent1">
+        <a:shade val="80000"/>
+      </a:schemeClr>
+    </dgm:fillClrLst>
+    <dgm:linClrLst meth="repeat">
+      <a:schemeClr val="accent1"/>
+    </dgm:linClrLst>
+    <dgm:effectClrLst/>
+    <dgm:txLinClrLst/>
+    <dgm:txFillClrLst meth="repeat">
+      <a:schemeClr val="lt1"/>
+    </dgm:txFillClrLst>
+    <dgm:txEffectClrLst/>
+  </dgm:styleLbl>
+  <dgm:styleLbl name="trBgShp">
+    <dgm:fillClrLst meth="repeat">
+      <a:schemeClr val="accent1">
+        <a:tint val="50000"/>
+        <a:alpha val="40000"/>
+      </a:schemeClr>
+    </dgm:fillClrLst>
+    <dgm:linClrLst meth="repeat">
+      <a:schemeClr val="accent1"/>
+    </dgm:linClrLst>
+    <dgm:effectClrLst/>
+    <dgm:txLinClrLst/>
+    <dgm:txFillClrLst meth="repeat">
+      <a:schemeClr val="lt1"/>
+    </dgm:txFillClrLst>
+    <dgm:txEffectClrLst/>
+  </dgm:styleLbl>
+  <dgm:styleLbl name="fgShp">
+    <dgm:fillClrLst meth="repeat">
+      <a:schemeClr val="accent1">
+        <a:tint val="60000"/>
       </a:schemeClr>
     </dgm:fillClrLst>
     <dgm:linClrLst meth="repeat">
@@ -1085,6 +2614,448 @@
     <dgm:cxn modelId="{F4907AAE-8B62-46C9-A053-DC00EE66B68D}" type="presParOf" srcId="{E2058475-D114-47B1-8BFA-B93A16B1B577}" destId="{9C6F7453-42D1-4188-A45F-AD59C7D37CD0}" srcOrd="2" destOrd="0" presId="urn:microsoft.com/office/officeart/2005/8/layout/vList2"/>
     <dgm:cxn modelId="{BF1402F0-668D-4033-B37B-AEBCF16CF1DC}" type="presParOf" srcId="{E2058475-D114-47B1-8BFA-B93A16B1B577}" destId="{E48482C4-D44D-4A36-8527-FB99BD8CD7B1}" srcOrd="3" destOrd="0" presId="urn:microsoft.com/office/officeart/2005/8/layout/vList2"/>
     <dgm:cxn modelId="{70049384-B2F4-4622-9409-CF5C7E73EC34}" type="presParOf" srcId="{E2058475-D114-47B1-8BFA-B93A16B1B577}" destId="{8078A3A6-E2BA-483B-B854-8E54157E7073}" srcOrd="4" destOrd="0" presId="urn:microsoft.com/office/officeart/2005/8/layout/vList2"/>
+  </dgm:cxnLst>
+  <dgm:bg/>
+  <dgm:whole/>
+  <dgm:extLst>
+    <a:ext uri="http://schemas.microsoft.com/office/drawing/2008/diagram">
+      <dsp:dataModelExt xmlns:dsp="http://schemas.microsoft.com/office/drawing/2008/diagram" relId="rId6" minVer="http://schemas.openxmlformats.org/drawingml/2006/diagram"/>
+    </a:ext>
+  </dgm:extLst>
+</dgm:dataModel>
+</file>
+
+<file path=ppt/diagrams/data2.xml><?xml version="1.0" encoding="utf-8"?>
+<dgm:dataModel xmlns:dgm="http://schemas.openxmlformats.org/drawingml/2006/diagram" xmlns:a="http://schemas.openxmlformats.org/drawingml/2006/main">
+  <dgm:ptLst>
+    <dgm:pt modelId="{DEAD6DC8-1C48-411C-B44F-CC8163612A5B}" type="doc">
+      <dgm:prSet loTypeId="urn:microsoft.com/office/officeart/2005/8/layout/vList2" loCatId="list" qsTypeId="urn:microsoft.com/office/officeart/2005/8/quickstyle/simple3" qsCatId="simple" csTypeId="urn:microsoft.com/office/officeart/2005/8/colors/colorful2" csCatId="colorful" phldr="1"/>
+      <dgm:spPr/>
+      <dgm:t>
+        <a:bodyPr/>
+        <a:lstStyle/>
+        <a:p>
+          <a:endParaRPr lang="en-US"/>
+        </a:p>
+      </dgm:t>
+    </dgm:pt>
+    <dgm:pt modelId="{E6EB8513-573D-4E03-997D-CDB52BE1F77C}">
+      <dgm:prSet/>
+      <dgm:spPr/>
+      <dgm:t>
+        <a:bodyPr/>
+        <a:lstStyle/>
+        <a:p>
+          <a:r>
+            <a:rPr lang="en-GB" baseline="0" dirty="0"/>
+            <a:t>Passwords are processed via a one-way hashing algorithm</a:t>
+          </a:r>
+          <a:endParaRPr lang="en-US" dirty="0"/>
+        </a:p>
+      </dgm:t>
+    </dgm:pt>
+    <dgm:pt modelId="{B5B7A25E-AE99-458E-B212-A8E2E85FE71E}" type="parTrans" cxnId="{6F0F8A7A-B413-4DAF-937E-474762FCC7E4}">
+      <dgm:prSet/>
+      <dgm:spPr/>
+      <dgm:t>
+        <a:bodyPr/>
+        <a:lstStyle/>
+        <a:p>
+          <a:endParaRPr lang="en-US"/>
+        </a:p>
+      </dgm:t>
+    </dgm:pt>
+    <dgm:pt modelId="{D504CF7D-1B26-4E6F-AE4E-B55EF54E3BAB}" type="sibTrans" cxnId="{6F0F8A7A-B413-4DAF-937E-474762FCC7E4}">
+      <dgm:prSet/>
+      <dgm:spPr/>
+      <dgm:t>
+        <a:bodyPr/>
+        <a:lstStyle/>
+        <a:p>
+          <a:endParaRPr lang="en-US"/>
+        </a:p>
+      </dgm:t>
+    </dgm:pt>
+    <dgm:pt modelId="{A1953E02-701B-4D64-A652-EA4B5FBFDFDB}">
+      <dgm:prSet/>
+      <dgm:spPr/>
+      <dgm:t>
+        <a:bodyPr/>
+        <a:lstStyle/>
+        <a:p>
+          <a:r>
+            <a:rPr lang="en-GB" baseline="0"/>
+            <a:t>To turn a password back into human readable format, you need to hash potential passwords and see if they match</a:t>
+          </a:r>
+          <a:endParaRPr lang="en-US"/>
+        </a:p>
+      </dgm:t>
+    </dgm:pt>
+    <dgm:pt modelId="{ED7651E6-054C-4D6D-A117-121107E487BC}" type="parTrans" cxnId="{2D74973A-B481-46DD-BCA0-AAE57E50EED8}">
+      <dgm:prSet/>
+      <dgm:spPr/>
+      <dgm:t>
+        <a:bodyPr/>
+        <a:lstStyle/>
+        <a:p>
+          <a:endParaRPr lang="en-US"/>
+        </a:p>
+      </dgm:t>
+    </dgm:pt>
+    <dgm:pt modelId="{3F6611F6-65B3-406D-BA00-62979DEE0957}" type="sibTrans" cxnId="{2D74973A-B481-46DD-BCA0-AAE57E50EED8}">
+      <dgm:prSet/>
+      <dgm:spPr/>
+      <dgm:t>
+        <a:bodyPr/>
+        <a:lstStyle/>
+        <a:p>
+          <a:endParaRPr lang="en-US"/>
+        </a:p>
+      </dgm:t>
+    </dgm:pt>
+    <dgm:pt modelId="{648F55CF-0398-487C-B239-58D9B9DFCF2A}">
+      <dgm:prSet/>
+      <dgm:spPr/>
+      <dgm:t>
+        <a:bodyPr/>
+        <a:lstStyle/>
+        <a:p>
+          <a:r>
+            <a:rPr lang="en-GB" baseline="0"/>
+            <a:t>Rainbow tables contain a dataframe of millions of passwords and their hashes together, so cracking the password becomes the much easier search operation.</a:t>
+          </a:r>
+          <a:endParaRPr lang="en-US"/>
+        </a:p>
+      </dgm:t>
+    </dgm:pt>
+    <dgm:pt modelId="{A30A5F90-449B-4B32-80CD-F21D521E8254}" type="parTrans" cxnId="{D56C1073-8D0B-46A0-A59E-4081B7C47713}">
+      <dgm:prSet/>
+      <dgm:spPr/>
+      <dgm:t>
+        <a:bodyPr/>
+        <a:lstStyle/>
+        <a:p>
+          <a:endParaRPr lang="en-US"/>
+        </a:p>
+      </dgm:t>
+    </dgm:pt>
+    <dgm:pt modelId="{D5B3E8E3-A0F6-4155-B51E-32D127B3D7CD}" type="sibTrans" cxnId="{D56C1073-8D0B-46A0-A59E-4081B7C47713}">
+      <dgm:prSet/>
+      <dgm:spPr/>
+      <dgm:t>
+        <a:bodyPr/>
+        <a:lstStyle/>
+        <a:p>
+          <a:endParaRPr lang="en-US"/>
+        </a:p>
+      </dgm:t>
+    </dgm:pt>
+    <dgm:pt modelId="{EDA23570-3A39-4491-B37D-9A617DEA69D6}" type="pres">
+      <dgm:prSet presAssocID="{DEAD6DC8-1C48-411C-B44F-CC8163612A5B}" presName="linear" presStyleCnt="0">
+        <dgm:presLayoutVars>
+          <dgm:animLvl val="lvl"/>
+          <dgm:resizeHandles val="exact"/>
+        </dgm:presLayoutVars>
+      </dgm:prSet>
+      <dgm:spPr/>
+    </dgm:pt>
+    <dgm:pt modelId="{0D8D152B-BEE6-448B-95EA-B370C52BD070}" type="pres">
+      <dgm:prSet presAssocID="{E6EB8513-573D-4E03-997D-CDB52BE1F77C}" presName="parentText" presStyleLbl="node1" presStyleIdx="0" presStyleCnt="3">
+        <dgm:presLayoutVars>
+          <dgm:chMax val="0"/>
+          <dgm:bulletEnabled val="1"/>
+        </dgm:presLayoutVars>
+      </dgm:prSet>
+      <dgm:spPr/>
+    </dgm:pt>
+    <dgm:pt modelId="{B335C7B6-44B0-4221-AF13-26ABFDC4C251}" type="pres">
+      <dgm:prSet presAssocID="{D504CF7D-1B26-4E6F-AE4E-B55EF54E3BAB}" presName="spacer" presStyleCnt="0"/>
+      <dgm:spPr/>
+    </dgm:pt>
+    <dgm:pt modelId="{82C3E1F1-71B6-4604-B79A-78A4F7D8F418}" type="pres">
+      <dgm:prSet presAssocID="{A1953E02-701B-4D64-A652-EA4B5FBFDFDB}" presName="parentText" presStyleLbl="node1" presStyleIdx="1" presStyleCnt="3">
+        <dgm:presLayoutVars>
+          <dgm:chMax val="0"/>
+          <dgm:bulletEnabled val="1"/>
+        </dgm:presLayoutVars>
+      </dgm:prSet>
+      <dgm:spPr/>
+    </dgm:pt>
+    <dgm:pt modelId="{2DEACCAF-AF78-4A37-9FE9-B0A2D93AAA53}" type="pres">
+      <dgm:prSet presAssocID="{3F6611F6-65B3-406D-BA00-62979DEE0957}" presName="spacer" presStyleCnt="0"/>
+      <dgm:spPr/>
+    </dgm:pt>
+    <dgm:pt modelId="{8119E087-D8E8-4531-AF83-F83607F936BB}" type="pres">
+      <dgm:prSet presAssocID="{648F55CF-0398-487C-B239-58D9B9DFCF2A}" presName="parentText" presStyleLbl="node1" presStyleIdx="2" presStyleCnt="3">
+        <dgm:presLayoutVars>
+          <dgm:chMax val="0"/>
+          <dgm:bulletEnabled val="1"/>
+        </dgm:presLayoutVars>
+      </dgm:prSet>
+      <dgm:spPr/>
+    </dgm:pt>
+  </dgm:ptLst>
+  <dgm:cxnLst>
+    <dgm:cxn modelId="{1CB75713-2DCC-4469-A507-D75746904AF9}" type="presOf" srcId="{DEAD6DC8-1C48-411C-B44F-CC8163612A5B}" destId="{EDA23570-3A39-4491-B37D-9A617DEA69D6}" srcOrd="0" destOrd="0" presId="urn:microsoft.com/office/officeart/2005/8/layout/vList2"/>
+    <dgm:cxn modelId="{20D78921-225D-45E8-80AF-AEEE3274CA08}" type="presOf" srcId="{A1953E02-701B-4D64-A652-EA4B5FBFDFDB}" destId="{82C3E1F1-71B6-4604-B79A-78A4F7D8F418}" srcOrd="0" destOrd="0" presId="urn:microsoft.com/office/officeart/2005/8/layout/vList2"/>
+    <dgm:cxn modelId="{2D74973A-B481-46DD-BCA0-AAE57E50EED8}" srcId="{DEAD6DC8-1C48-411C-B44F-CC8163612A5B}" destId="{A1953E02-701B-4D64-A652-EA4B5FBFDFDB}" srcOrd="1" destOrd="0" parTransId="{ED7651E6-054C-4D6D-A117-121107E487BC}" sibTransId="{3F6611F6-65B3-406D-BA00-62979DEE0957}"/>
+    <dgm:cxn modelId="{981BDF63-3571-420F-BE50-CA0F396A0A48}" type="presOf" srcId="{648F55CF-0398-487C-B239-58D9B9DFCF2A}" destId="{8119E087-D8E8-4531-AF83-F83607F936BB}" srcOrd="0" destOrd="0" presId="urn:microsoft.com/office/officeart/2005/8/layout/vList2"/>
+    <dgm:cxn modelId="{D56C1073-8D0B-46A0-A59E-4081B7C47713}" srcId="{DEAD6DC8-1C48-411C-B44F-CC8163612A5B}" destId="{648F55CF-0398-487C-B239-58D9B9DFCF2A}" srcOrd="2" destOrd="0" parTransId="{A30A5F90-449B-4B32-80CD-F21D521E8254}" sibTransId="{D5B3E8E3-A0F6-4155-B51E-32D127B3D7CD}"/>
+    <dgm:cxn modelId="{6F0F8A7A-B413-4DAF-937E-474762FCC7E4}" srcId="{DEAD6DC8-1C48-411C-B44F-CC8163612A5B}" destId="{E6EB8513-573D-4E03-997D-CDB52BE1F77C}" srcOrd="0" destOrd="0" parTransId="{B5B7A25E-AE99-458E-B212-A8E2E85FE71E}" sibTransId="{D504CF7D-1B26-4E6F-AE4E-B55EF54E3BAB}"/>
+    <dgm:cxn modelId="{07B9A0CE-3FA7-45A4-9DCB-42D5AE1A95A2}" type="presOf" srcId="{E6EB8513-573D-4E03-997D-CDB52BE1F77C}" destId="{0D8D152B-BEE6-448B-95EA-B370C52BD070}" srcOrd="0" destOrd="0" presId="urn:microsoft.com/office/officeart/2005/8/layout/vList2"/>
+    <dgm:cxn modelId="{A894FFE8-1EA0-4DAD-A2C5-4B8C860574E6}" type="presParOf" srcId="{EDA23570-3A39-4491-B37D-9A617DEA69D6}" destId="{0D8D152B-BEE6-448B-95EA-B370C52BD070}" srcOrd="0" destOrd="0" presId="urn:microsoft.com/office/officeart/2005/8/layout/vList2"/>
+    <dgm:cxn modelId="{13599A5D-4456-479D-AA4A-0FB6DFB565B5}" type="presParOf" srcId="{EDA23570-3A39-4491-B37D-9A617DEA69D6}" destId="{B335C7B6-44B0-4221-AF13-26ABFDC4C251}" srcOrd="1" destOrd="0" presId="urn:microsoft.com/office/officeart/2005/8/layout/vList2"/>
+    <dgm:cxn modelId="{739F5C41-5430-4B74-BC9C-ACE46250B80D}" type="presParOf" srcId="{EDA23570-3A39-4491-B37D-9A617DEA69D6}" destId="{82C3E1F1-71B6-4604-B79A-78A4F7D8F418}" srcOrd="2" destOrd="0" presId="urn:microsoft.com/office/officeart/2005/8/layout/vList2"/>
+    <dgm:cxn modelId="{8CCE566A-FE48-4A59-B2C4-9733FF72D72C}" type="presParOf" srcId="{EDA23570-3A39-4491-B37D-9A617DEA69D6}" destId="{2DEACCAF-AF78-4A37-9FE9-B0A2D93AAA53}" srcOrd="3" destOrd="0" presId="urn:microsoft.com/office/officeart/2005/8/layout/vList2"/>
+    <dgm:cxn modelId="{DA08A894-88B3-4591-80E3-B6FC65001CD8}" type="presParOf" srcId="{EDA23570-3A39-4491-B37D-9A617DEA69D6}" destId="{8119E087-D8E8-4531-AF83-F83607F936BB}" srcOrd="4" destOrd="0" presId="urn:microsoft.com/office/officeart/2005/8/layout/vList2"/>
+  </dgm:cxnLst>
+  <dgm:bg/>
+  <dgm:whole/>
+  <dgm:extLst>
+    <a:ext uri="http://schemas.microsoft.com/office/drawing/2008/diagram">
+      <dsp:dataModelExt xmlns:dsp="http://schemas.microsoft.com/office/drawing/2008/diagram" relId="rId6" minVer="http://schemas.openxmlformats.org/drawingml/2006/diagram"/>
+    </a:ext>
+  </dgm:extLst>
+</dgm:dataModel>
+</file>
+
+<file path=ppt/diagrams/data3.xml><?xml version="1.0" encoding="utf-8"?>
+<dgm:dataModel xmlns:dgm="http://schemas.openxmlformats.org/drawingml/2006/diagram" xmlns:a="http://schemas.openxmlformats.org/drawingml/2006/main">
+  <dgm:ptLst>
+    <dgm:pt modelId="{CC05715D-1C4B-45E6-BD1C-385629F4D1A3}" type="doc">
+      <dgm:prSet loTypeId="urn:microsoft.com/office/officeart/2005/8/layout/vList2" loCatId="list" qsTypeId="urn:microsoft.com/office/officeart/2005/8/quickstyle/simple1" qsCatId="simple" csTypeId="urn:microsoft.com/office/officeart/2005/8/colors/accent1_2" csCatId="accent1"/>
+      <dgm:spPr/>
+      <dgm:t>
+        <a:bodyPr/>
+        <a:lstStyle/>
+        <a:p>
+          <a:endParaRPr lang="en-US"/>
+        </a:p>
+      </dgm:t>
+    </dgm:pt>
+    <dgm:pt modelId="{484509D2-68F2-4941-AB10-E5E6F43FD894}">
+      <dgm:prSet/>
+      <dgm:spPr/>
+      <dgm:t>
+        <a:bodyPr/>
+        <a:lstStyle/>
+        <a:p>
+          <a:r>
+            <a:rPr lang="en-GB"/>
+            <a:t>Essentially, sell the account information to other hackers who can then use the information to further exploit other systems.</a:t>
+          </a:r>
+          <a:endParaRPr lang="en-US"/>
+        </a:p>
+      </dgm:t>
+    </dgm:pt>
+    <dgm:pt modelId="{04552623-FBD4-4198-BDBD-F1092D169755}" type="parTrans" cxnId="{407D6D6F-4735-44AD-97C0-56B1C6ECF6EA}">
+      <dgm:prSet/>
+      <dgm:spPr/>
+      <dgm:t>
+        <a:bodyPr/>
+        <a:lstStyle/>
+        <a:p>
+          <a:endParaRPr lang="en-US"/>
+        </a:p>
+      </dgm:t>
+    </dgm:pt>
+    <dgm:pt modelId="{34D7C637-6F79-4836-B164-38A9DBB4D99C}" type="sibTrans" cxnId="{407D6D6F-4735-44AD-97C0-56B1C6ECF6EA}">
+      <dgm:prSet/>
+      <dgm:spPr/>
+      <dgm:t>
+        <a:bodyPr/>
+        <a:lstStyle/>
+        <a:p>
+          <a:endParaRPr lang="en-US"/>
+        </a:p>
+      </dgm:t>
+    </dgm:pt>
+    <dgm:pt modelId="{88A2F9FC-33BC-4DC1-87A0-2B57A2B12D0A}">
+      <dgm:prSet/>
+      <dgm:spPr/>
+      <dgm:t>
+        <a:bodyPr/>
+        <a:lstStyle/>
+        <a:p>
+          <a:r>
+            <a:rPr lang="en-GB"/>
+            <a:t>Its very common for a credit card data theif to never even touch the banks of his victims.</a:t>
+          </a:r>
+          <a:endParaRPr lang="en-US"/>
+        </a:p>
+      </dgm:t>
+    </dgm:pt>
+    <dgm:pt modelId="{29035237-6271-43DA-81D6-D9B364ADCBC2}" type="parTrans" cxnId="{BBE411DD-2B12-4734-BFF1-AAD05F48A0A8}">
+      <dgm:prSet/>
+      <dgm:spPr/>
+      <dgm:t>
+        <a:bodyPr/>
+        <a:lstStyle/>
+        <a:p>
+          <a:endParaRPr lang="en-US"/>
+        </a:p>
+      </dgm:t>
+    </dgm:pt>
+    <dgm:pt modelId="{525E29ED-FADA-492D-B35B-EEC6D053F45B}" type="sibTrans" cxnId="{BBE411DD-2B12-4734-BFF1-AAD05F48A0A8}">
+      <dgm:prSet/>
+      <dgm:spPr/>
+      <dgm:t>
+        <a:bodyPr/>
+        <a:lstStyle/>
+        <a:p>
+          <a:endParaRPr lang="en-US"/>
+        </a:p>
+      </dgm:t>
+    </dgm:pt>
+    <dgm:pt modelId="{F3E155AF-366B-45EB-8A08-AA28A66BFF7E}">
+      <dgm:prSet/>
+      <dgm:spPr/>
+      <dgm:t>
+        <a:bodyPr/>
+        <a:lstStyle/>
+        <a:p>
+          <a:r>
+            <a:rPr lang="en-GB"/>
+            <a:t>They sell the information at a fixed price and let others do the real dirty work.</a:t>
+          </a:r>
+          <a:endParaRPr lang="en-US"/>
+        </a:p>
+      </dgm:t>
+    </dgm:pt>
+    <dgm:pt modelId="{080961C4-8B7D-4662-B4A8-4A37CCEA8F31}" type="parTrans" cxnId="{EF140565-1D5F-4401-9B42-49CF9FA77A8C}">
+      <dgm:prSet/>
+      <dgm:spPr/>
+      <dgm:t>
+        <a:bodyPr/>
+        <a:lstStyle/>
+        <a:p>
+          <a:endParaRPr lang="en-US"/>
+        </a:p>
+      </dgm:t>
+    </dgm:pt>
+    <dgm:pt modelId="{3FF08EF9-D89E-41DC-90F0-E00056EB8A7A}" type="sibTrans" cxnId="{EF140565-1D5F-4401-9B42-49CF9FA77A8C}">
+      <dgm:prSet/>
+      <dgm:spPr/>
+      <dgm:t>
+        <a:bodyPr/>
+        <a:lstStyle/>
+        <a:p>
+          <a:endParaRPr lang="en-US"/>
+        </a:p>
+      </dgm:t>
+    </dgm:pt>
+    <dgm:pt modelId="{4EF29967-5DCC-4546-B6A4-4BD1F2ED2BA7}">
+      <dgm:prSet/>
+      <dgm:spPr/>
+      <dgm:t>
+        <a:bodyPr/>
+        <a:lstStyle/>
+        <a:p>
+          <a:r>
+            <a:rPr lang="en-GB"/>
+            <a:t>The economy is mostly data</a:t>
+          </a:r>
+          <a:endParaRPr lang="en-US"/>
+        </a:p>
+      </dgm:t>
+    </dgm:pt>
+    <dgm:pt modelId="{88F2E6CB-C306-432E-A55C-1EED15575A0C}" type="parTrans" cxnId="{3DB20BD0-5590-49F1-9DDB-581743030A6A}">
+      <dgm:prSet/>
+      <dgm:spPr/>
+      <dgm:t>
+        <a:bodyPr/>
+        <a:lstStyle/>
+        <a:p>
+          <a:endParaRPr lang="en-US"/>
+        </a:p>
+      </dgm:t>
+    </dgm:pt>
+    <dgm:pt modelId="{026E0C1D-B3CF-46EE-B5FF-C49BF99ECE6F}" type="sibTrans" cxnId="{3DB20BD0-5590-49F1-9DDB-581743030A6A}">
+      <dgm:prSet/>
+      <dgm:spPr/>
+      <dgm:t>
+        <a:bodyPr/>
+        <a:lstStyle/>
+        <a:p>
+          <a:endParaRPr lang="en-US"/>
+        </a:p>
+      </dgm:t>
+    </dgm:pt>
+    <dgm:pt modelId="{C7ECF13E-AC8A-4B58-A526-ABCE1F66219E}" type="pres">
+      <dgm:prSet presAssocID="{CC05715D-1C4B-45E6-BD1C-385629F4D1A3}" presName="linear" presStyleCnt="0">
+        <dgm:presLayoutVars>
+          <dgm:animLvl val="lvl"/>
+          <dgm:resizeHandles val="exact"/>
+        </dgm:presLayoutVars>
+      </dgm:prSet>
+      <dgm:spPr/>
+    </dgm:pt>
+    <dgm:pt modelId="{3FEBA8A1-8B27-428F-8666-1C6B01D7ECAE}" type="pres">
+      <dgm:prSet presAssocID="{484509D2-68F2-4941-AB10-E5E6F43FD894}" presName="parentText" presStyleLbl="node1" presStyleIdx="0" presStyleCnt="4">
+        <dgm:presLayoutVars>
+          <dgm:chMax val="0"/>
+          <dgm:bulletEnabled val="1"/>
+        </dgm:presLayoutVars>
+      </dgm:prSet>
+      <dgm:spPr/>
+    </dgm:pt>
+    <dgm:pt modelId="{DBA14ECE-3244-462B-AB66-EF1DC1CF1C2B}" type="pres">
+      <dgm:prSet presAssocID="{34D7C637-6F79-4836-B164-38A9DBB4D99C}" presName="spacer" presStyleCnt="0"/>
+      <dgm:spPr/>
+    </dgm:pt>
+    <dgm:pt modelId="{F5E6377A-FB43-4F28-AD46-C5BC8C1828D0}" type="pres">
+      <dgm:prSet presAssocID="{88A2F9FC-33BC-4DC1-87A0-2B57A2B12D0A}" presName="parentText" presStyleLbl="node1" presStyleIdx="1" presStyleCnt="4">
+        <dgm:presLayoutVars>
+          <dgm:chMax val="0"/>
+          <dgm:bulletEnabled val="1"/>
+        </dgm:presLayoutVars>
+      </dgm:prSet>
+      <dgm:spPr/>
+    </dgm:pt>
+    <dgm:pt modelId="{B9243DCE-484B-450C-B562-0C698047E05A}" type="pres">
+      <dgm:prSet presAssocID="{525E29ED-FADA-492D-B35B-EEC6D053F45B}" presName="spacer" presStyleCnt="0"/>
+      <dgm:spPr/>
+    </dgm:pt>
+    <dgm:pt modelId="{1AB975D4-A897-44E0-8440-027EDF87F877}" type="pres">
+      <dgm:prSet presAssocID="{F3E155AF-366B-45EB-8A08-AA28A66BFF7E}" presName="parentText" presStyleLbl="node1" presStyleIdx="2" presStyleCnt="4">
+        <dgm:presLayoutVars>
+          <dgm:chMax val="0"/>
+          <dgm:bulletEnabled val="1"/>
+        </dgm:presLayoutVars>
+      </dgm:prSet>
+      <dgm:spPr/>
+    </dgm:pt>
+    <dgm:pt modelId="{59BB966D-37DA-4C62-BF71-17FBBCFCA549}" type="pres">
+      <dgm:prSet presAssocID="{3FF08EF9-D89E-41DC-90F0-E00056EB8A7A}" presName="spacer" presStyleCnt="0"/>
+      <dgm:spPr/>
+    </dgm:pt>
+    <dgm:pt modelId="{3AAC2D8A-740E-4F1C-A059-C0D86B5DCD1F}" type="pres">
+      <dgm:prSet presAssocID="{4EF29967-5DCC-4546-B6A4-4BD1F2ED2BA7}" presName="parentText" presStyleLbl="node1" presStyleIdx="3" presStyleCnt="4">
+        <dgm:presLayoutVars>
+          <dgm:chMax val="0"/>
+          <dgm:bulletEnabled val="1"/>
+        </dgm:presLayoutVars>
+      </dgm:prSet>
+      <dgm:spPr/>
+    </dgm:pt>
+  </dgm:ptLst>
+  <dgm:cxnLst>
+    <dgm:cxn modelId="{1D3AB132-A8E6-43F7-9BDE-538382CFF47C}" type="presOf" srcId="{F3E155AF-366B-45EB-8A08-AA28A66BFF7E}" destId="{1AB975D4-A897-44E0-8440-027EDF87F877}" srcOrd="0" destOrd="0" presId="urn:microsoft.com/office/officeart/2005/8/layout/vList2"/>
+    <dgm:cxn modelId="{AA8F7C34-B87B-45DE-A769-F103586034FE}" type="presOf" srcId="{88A2F9FC-33BC-4DC1-87A0-2B57A2B12D0A}" destId="{F5E6377A-FB43-4F28-AD46-C5BC8C1828D0}" srcOrd="0" destOrd="0" presId="urn:microsoft.com/office/officeart/2005/8/layout/vList2"/>
+    <dgm:cxn modelId="{43E39344-19B9-40B4-A605-B7DA5D8B38C7}" type="presOf" srcId="{CC05715D-1C4B-45E6-BD1C-385629F4D1A3}" destId="{C7ECF13E-AC8A-4B58-A526-ABCE1F66219E}" srcOrd="0" destOrd="0" presId="urn:microsoft.com/office/officeart/2005/8/layout/vList2"/>
+    <dgm:cxn modelId="{EF140565-1D5F-4401-9B42-49CF9FA77A8C}" srcId="{CC05715D-1C4B-45E6-BD1C-385629F4D1A3}" destId="{F3E155AF-366B-45EB-8A08-AA28A66BFF7E}" srcOrd="2" destOrd="0" parTransId="{080961C4-8B7D-4662-B4A8-4A37CCEA8F31}" sibTransId="{3FF08EF9-D89E-41DC-90F0-E00056EB8A7A}"/>
+    <dgm:cxn modelId="{407D6D6F-4735-44AD-97C0-56B1C6ECF6EA}" srcId="{CC05715D-1C4B-45E6-BD1C-385629F4D1A3}" destId="{484509D2-68F2-4941-AB10-E5E6F43FD894}" srcOrd="0" destOrd="0" parTransId="{04552623-FBD4-4198-BDBD-F1092D169755}" sibTransId="{34D7C637-6F79-4836-B164-38A9DBB4D99C}"/>
+    <dgm:cxn modelId="{EF97B655-56B2-42D1-A790-0CB981137C17}" type="presOf" srcId="{484509D2-68F2-4941-AB10-E5E6F43FD894}" destId="{3FEBA8A1-8B27-428F-8666-1C6B01D7ECAE}" srcOrd="0" destOrd="0" presId="urn:microsoft.com/office/officeart/2005/8/layout/vList2"/>
+    <dgm:cxn modelId="{9C811EC3-E917-4A04-8B6A-BD84D34463EF}" type="presOf" srcId="{4EF29967-5DCC-4546-B6A4-4BD1F2ED2BA7}" destId="{3AAC2D8A-740E-4F1C-A059-C0D86B5DCD1F}" srcOrd="0" destOrd="0" presId="urn:microsoft.com/office/officeart/2005/8/layout/vList2"/>
+    <dgm:cxn modelId="{3DB20BD0-5590-49F1-9DDB-581743030A6A}" srcId="{CC05715D-1C4B-45E6-BD1C-385629F4D1A3}" destId="{4EF29967-5DCC-4546-B6A4-4BD1F2ED2BA7}" srcOrd="3" destOrd="0" parTransId="{88F2E6CB-C306-432E-A55C-1EED15575A0C}" sibTransId="{026E0C1D-B3CF-46EE-B5FF-C49BF99ECE6F}"/>
+    <dgm:cxn modelId="{BBE411DD-2B12-4734-BFF1-AAD05F48A0A8}" srcId="{CC05715D-1C4B-45E6-BD1C-385629F4D1A3}" destId="{88A2F9FC-33BC-4DC1-87A0-2B57A2B12D0A}" srcOrd="1" destOrd="0" parTransId="{29035237-6271-43DA-81D6-D9B364ADCBC2}" sibTransId="{525E29ED-FADA-492D-B35B-EEC6D053F45B}"/>
+    <dgm:cxn modelId="{D61FCD76-8D45-4D2C-8E50-4E47F5D61FA0}" type="presParOf" srcId="{C7ECF13E-AC8A-4B58-A526-ABCE1F66219E}" destId="{3FEBA8A1-8B27-428F-8666-1C6B01D7ECAE}" srcOrd="0" destOrd="0" presId="urn:microsoft.com/office/officeart/2005/8/layout/vList2"/>
+    <dgm:cxn modelId="{93CCA3B3-5618-4F13-B472-0F388F9E514F}" type="presParOf" srcId="{C7ECF13E-AC8A-4B58-A526-ABCE1F66219E}" destId="{DBA14ECE-3244-462B-AB66-EF1DC1CF1C2B}" srcOrd="1" destOrd="0" presId="urn:microsoft.com/office/officeart/2005/8/layout/vList2"/>
+    <dgm:cxn modelId="{C8386E6A-E30C-4AF1-B3E9-9806E576E912}" type="presParOf" srcId="{C7ECF13E-AC8A-4B58-A526-ABCE1F66219E}" destId="{F5E6377A-FB43-4F28-AD46-C5BC8C1828D0}" srcOrd="2" destOrd="0" presId="urn:microsoft.com/office/officeart/2005/8/layout/vList2"/>
+    <dgm:cxn modelId="{6159A944-ABC3-4BD2-96BF-8E84193748E9}" type="presParOf" srcId="{C7ECF13E-AC8A-4B58-A526-ABCE1F66219E}" destId="{B9243DCE-484B-450C-B562-0C698047E05A}" srcOrd="3" destOrd="0" presId="urn:microsoft.com/office/officeart/2005/8/layout/vList2"/>
+    <dgm:cxn modelId="{E2C37A42-DBE7-4D33-AFC3-5BFCAC60D959}" type="presParOf" srcId="{C7ECF13E-AC8A-4B58-A526-ABCE1F66219E}" destId="{1AB975D4-A897-44E0-8440-027EDF87F877}" srcOrd="4" destOrd="0" presId="urn:microsoft.com/office/officeart/2005/8/layout/vList2"/>
+    <dgm:cxn modelId="{85054446-EE87-492E-965B-6A4FB6D5B1E2}" type="presParOf" srcId="{C7ECF13E-AC8A-4B58-A526-ABCE1F66219E}" destId="{59BB966D-37DA-4C62-BF71-17FBBCFCA549}" srcOrd="5" destOrd="0" presId="urn:microsoft.com/office/officeart/2005/8/layout/vList2"/>
+    <dgm:cxn modelId="{4D8CFBBB-74C2-42BD-B60E-23EEA39C2BCF}" type="presParOf" srcId="{C7ECF13E-AC8A-4B58-A526-ABCE1F66219E}" destId="{3AAC2D8A-740E-4F1C-A059-C0D86B5DCD1F}" srcOrd="6" destOrd="0" presId="urn:microsoft.com/office/officeart/2005/8/layout/vList2"/>
   </dgm:cxnLst>
   <dgm:bg/>
   <dgm:whole/>
@@ -1429,7 +3400,1002 @@
 </dsp:drawing>
 </file>
 
+<file path=ppt/diagrams/drawing2.xml><?xml version="1.0" encoding="utf-8"?>
+<dsp:drawing xmlns:dgm="http://schemas.openxmlformats.org/drawingml/2006/diagram" xmlns:dsp="http://schemas.microsoft.com/office/drawing/2008/diagram" xmlns:a="http://schemas.openxmlformats.org/drawingml/2006/main">
+  <dsp:spTree>
+    <dsp:nvGrpSpPr>
+      <dsp:cNvPr id="0" name=""/>
+      <dsp:cNvGrpSpPr/>
+    </dsp:nvGrpSpPr>
+    <dsp:grpSpPr/>
+    <dsp:sp modelId="{0D8D152B-BEE6-448B-95EA-B370C52BD070}">
+      <dsp:nvSpPr>
+        <dsp:cNvPr id="0" name=""/>
+        <dsp:cNvSpPr/>
+      </dsp:nvSpPr>
+      <dsp:spPr>
+        <a:xfrm>
+          <a:off x="0" y="293"/>
+          <a:ext cx="6900862" cy="1752029"/>
+        </a:xfrm>
+        <a:prstGeom prst="roundRect">
+          <a:avLst/>
+        </a:prstGeom>
+        <a:gradFill rotWithShape="0">
+          <a:gsLst>
+            <a:gs pos="0">
+              <a:schemeClr val="accent2">
+                <a:hueOff val="0"/>
+                <a:satOff val="0"/>
+                <a:lumOff val="0"/>
+                <a:alphaOff val="0"/>
+                <a:lumMod val="110000"/>
+                <a:satMod val="105000"/>
+                <a:tint val="67000"/>
+              </a:schemeClr>
+            </a:gs>
+            <a:gs pos="50000">
+              <a:schemeClr val="accent2">
+                <a:hueOff val="0"/>
+                <a:satOff val="0"/>
+                <a:lumOff val="0"/>
+                <a:alphaOff val="0"/>
+                <a:lumMod val="105000"/>
+                <a:satMod val="103000"/>
+                <a:tint val="73000"/>
+              </a:schemeClr>
+            </a:gs>
+            <a:gs pos="100000">
+              <a:schemeClr val="accent2">
+                <a:hueOff val="0"/>
+                <a:satOff val="0"/>
+                <a:lumOff val="0"/>
+                <a:alphaOff val="0"/>
+                <a:lumMod val="105000"/>
+                <a:satMod val="109000"/>
+                <a:tint val="81000"/>
+              </a:schemeClr>
+            </a:gs>
+          </a:gsLst>
+          <a:lin ang="5400000" scaled="0"/>
+        </a:gradFill>
+        <a:ln>
+          <a:noFill/>
+        </a:ln>
+        <a:effectLst/>
+        <a:scene3d>
+          <a:camera prst="orthographicFront"/>
+          <a:lightRig rig="flat" dir="t"/>
+        </a:scene3d>
+        <a:sp3d prstMaterial="dkEdge">
+          <a:bevelT w="8200" h="38100"/>
+        </a:sp3d>
+      </dsp:spPr>
+      <dsp:style>
+        <a:lnRef idx="0">
+          <a:scrgbClr r="0" g="0" b="0"/>
+        </a:lnRef>
+        <a:fillRef idx="2">
+          <a:scrgbClr r="0" g="0" b="0"/>
+        </a:fillRef>
+        <a:effectRef idx="1">
+          <a:scrgbClr r="0" g="0" b="0"/>
+        </a:effectRef>
+        <a:fontRef idx="minor">
+          <a:schemeClr val="dk1"/>
+        </a:fontRef>
+      </dsp:style>
+      <dsp:txBody>
+        <a:bodyPr spcFirstLastPara="0" vert="horz" wrap="square" lIns="95250" tIns="95250" rIns="95250" bIns="95250" numCol="1" spcCol="1270" anchor="ctr" anchorCtr="0">
+          <a:noAutofit/>
+        </a:bodyPr>
+        <a:lstStyle/>
+        <a:p>
+          <a:pPr marL="0" lvl="0" indent="0" algn="l" defTabSz="1111250">
+            <a:lnSpc>
+              <a:spcPct val="90000"/>
+            </a:lnSpc>
+            <a:spcBef>
+              <a:spcPct val="0"/>
+            </a:spcBef>
+            <a:spcAft>
+              <a:spcPct val="35000"/>
+            </a:spcAft>
+            <a:buNone/>
+          </a:pPr>
+          <a:r>
+            <a:rPr lang="en-GB" sz="2500" kern="1200" baseline="0" dirty="0"/>
+            <a:t>Passwords are processed via a one-way hashing algorithm</a:t>
+          </a:r>
+          <a:endParaRPr lang="en-US" sz="2500" kern="1200" dirty="0"/>
+        </a:p>
+      </dsp:txBody>
+      <dsp:txXfrm>
+        <a:off x="85527" y="85820"/>
+        <a:ext cx="6729808" cy="1580975"/>
+      </dsp:txXfrm>
+    </dsp:sp>
+    <dsp:sp modelId="{82C3E1F1-71B6-4604-B79A-78A4F7D8F418}">
+      <dsp:nvSpPr>
+        <dsp:cNvPr id="0" name=""/>
+        <dsp:cNvSpPr/>
+      </dsp:nvSpPr>
+      <dsp:spPr>
+        <a:xfrm>
+          <a:off x="0" y="1824322"/>
+          <a:ext cx="6900862" cy="1752029"/>
+        </a:xfrm>
+        <a:prstGeom prst="roundRect">
+          <a:avLst/>
+        </a:prstGeom>
+        <a:gradFill rotWithShape="0">
+          <a:gsLst>
+            <a:gs pos="0">
+              <a:schemeClr val="accent2">
+                <a:hueOff val="-752619"/>
+                <a:satOff val="4598"/>
+                <a:lumOff val="1960"/>
+                <a:alphaOff val="0"/>
+                <a:lumMod val="110000"/>
+                <a:satMod val="105000"/>
+                <a:tint val="67000"/>
+              </a:schemeClr>
+            </a:gs>
+            <a:gs pos="50000">
+              <a:schemeClr val="accent2">
+                <a:hueOff val="-752619"/>
+                <a:satOff val="4598"/>
+                <a:lumOff val="1960"/>
+                <a:alphaOff val="0"/>
+                <a:lumMod val="105000"/>
+                <a:satMod val="103000"/>
+                <a:tint val="73000"/>
+              </a:schemeClr>
+            </a:gs>
+            <a:gs pos="100000">
+              <a:schemeClr val="accent2">
+                <a:hueOff val="-752619"/>
+                <a:satOff val="4598"/>
+                <a:lumOff val="1960"/>
+                <a:alphaOff val="0"/>
+                <a:lumMod val="105000"/>
+                <a:satMod val="109000"/>
+                <a:tint val="81000"/>
+              </a:schemeClr>
+            </a:gs>
+          </a:gsLst>
+          <a:lin ang="5400000" scaled="0"/>
+        </a:gradFill>
+        <a:ln>
+          <a:noFill/>
+        </a:ln>
+        <a:effectLst/>
+        <a:scene3d>
+          <a:camera prst="orthographicFront"/>
+          <a:lightRig rig="flat" dir="t"/>
+        </a:scene3d>
+        <a:sp3d prstMaterial="dkEdge">
+          <a:bevelT w="8200" h="38100"/>
+        </a:sp3d>
+      </dsp:spPr>
+      <dsp:style>
+        <a:lnRef idx="0">
+          <a:scrgbClr r="0" g="0" b="0"/>
+        </a:lnRef>
+        <a:fillRef idx="2">
+          <a:scrgbClr r="0" g="0" b="0"/>
+        </a:fillRef>
+        <a:effectRef idx="1">
+          <a:scrgbClr r="0" g="0" b="0"/>
+        </a:effectRef>
+        <a:fontRef idx="minor">
+          <a:schemeClr val="dk1"/>
+        </a:fontRef>
+      </dsp:style>
+      <dsp:txBody>
+        <a:bodyPr spcFirstLastPara="0" vert="horz" wrap="square" lIns="95250" tIns="95250" rIns="95250" bIns="95250" numCol="1" spcCol="1270" anchor="ctr" anchorCtr="0">
+          <a:noAutofit/>
+        </a:bodyPr>
+        <a:lstStyle/>
+        <a:p>
+          <a:pPr marL="0" lvl="0" indent="0" algn="l" defTabSz="1111250">
+            <a:lnSpc>
+              <a:spcPct val="90000"/>
+            </a:lnSpc>
+            <a:spcBef>
+              <a:spcPct val="0"/>
+            </a:spcBef>
+            <a:spcAft>
+              <a:spcPct val="35000"/>
+            </a:spcAft>
+            <a:buNone/>
+          </a:pPr>
+          <a:r>
+            <a:rPr lang="en-GB" sz="2500" kern="1200" baseline="0"/>
+            <a:t>To turn a password back into human readable format, you need to hash potential passwords and see if they match</a:t>
+          </a:r>
+          <a:endParaRPr lang="en-US" sz="2500" kern="1200"/>
+        </a:p>
+      </dsp:txBody>
+      <dsp:txXfrm>
+        <a:off x="85527" y="1909849"/>
+        <a:ext cx="6729808" cy="1580975"/>
+      </dsp:txXfrm>
+    </dsp:sp>
+    <dsp:sp modelId="{8119E087-D8E8-4531-AF83-F83607F936BB}">
+      <dsp:nvSpPr>
+        <dsp:cNvPr id="0" name=""/>
+        <dsp:cNvSpPr/>
+      </dsp:nvSpPr>
+      <dsp:spPr>
+        <a:xfrm>
+          <a:off x="0" y="3648351"/>
+          <a:ext cx="6900862" cy="1752029"/>
+        </a:xfrm>
+        <a:prstGeom prst="roundRect">
+          <a:avLst/>
+        </a:prstGeom>
+        <a:gradFill rotWithShape="0">
+          <a:gsLst>
+            <a:gs pos="0">
+              <a:schemeClr val="accent2">
+                <a:hueOff val="-1505238"/>
+                <a:satOff val="9197"/>
+                <a:lumOff val="3920"/>
+                <a:alphaOff val="0"/>
+                <a:lumMod val="110000"/>
+                <a:satMod val="105000"/>
+                <a:tint val="67000"/>
+              </a:schemeClr>
+            </a:gs>
+            <a:gs pos="50000">
+              <a:schemeClr val="accent2">
+                <a:hueOff val="-1505238"/>
+                <a:satOff val="9197"/>
+                <a:lumOff val="3920"/>
+                <a:alphaOff val="0"/>
+                <a:lumMod val="105000"/>
+                <a:satMod val="103000"/>
+                <a:tint val="73000"/>
+              </a:schemeClr>
+            </a:gs>
+            <a:gs pos="100000">
+              <a:schemeClr val="accent2">
+                <a:hueOff val="-1505238"/>
+                <a:satOff val="9197"/>
+                <a:lumOff val="3920"/>
+                <a:alphaOff val="0"/>
+                <a:lumMod val="105000"/>
+                <a:satMod val="109000"/>
+                <a:tint val="81000"/>
+              </a:schemeClr>
+            </a:gs>
+          </a:gsLst>
+          <a:lin ang="5400000" scaled="0"/>
+        </a:gradFill>
+        <a:ln>
+          <a:noFill/>
+        </a:ln>
+        <a:effectLst/>
+        <a:scene3d>
+          <a:camera prst="orthographicFront"/>
+          <a:lightRig rig="flat" dir="t"/>
+        </a:scene3d>
+        <a:sp3d prstMaterial="dkEdge">
+          <a:bevelT w="8200" h="38100"/>
+        </a:sp3d>
+      </dsp:spPr>
+      <dsp:style>
+        <a:lnRef idx="0">
+          <a:scrgbClr r="0" g="0" b="0"/>
+        </a:lnRef>
+        <a:fillRef idx="2">
+          <a:scrgbClr r="0" g="0" b="0"/>
+        </a:fillRef>
+        <a:effectRef idx="1">
+          <a:scrgbClr r="0" g="0" b="0"/>
+        </a:effectRef>
+        <a:fontRef idx="minor">
+          <a:schemeClr val="dk1"/>
+        </a:fontRef>
+      </dsp:style>
+      <dsp:txBody>
+        <a:bodyPr spcFirstLastPara="0" vert="horz" wrap="square" lIns="95250" tIns="95250" rIns="95250" bIns="95250" numCol="1" spcCol="1270" anchor="ctr" anchorCtr="0">
+          <a:noAutofit/>
+        </a:bodyPr>
+        <a:lstStyle/>
+        <a:p>
+          <a:pPr marL="0" lvl="0" indent="0" algn="l" defTabSz="1111250">
+            <a:lnSpc>
+              <a:spcPct val="90000"/>
+            </a:lnSpc>
+            <a:spcBef>
+              <a:spcPct val="0"/>
+            </a:spcBef>
+            <a:spcAft>
+              <a:spcPct val="35000"/>
+            </a:spcAft>
+            <a:buNone/>
+          </a:pPr>
+          <a:r>
+            <a:rPr lang="en-GB" sz="2500" kern="1200" baseline="0"/>
+            <a:t>Rainbow tables contain a dataframe of millions of passwords and their hashes together, so cracking the password becomes the much easier search operation.</a:t>
+          </a:r>
+          <a:endParaRPr lang="en-US" sz="2500" kern="1200"/>
+        </a:p>
+      </dsp:txBody>
+      <dsp:txXfrm>
+        <a:off x="85527" y="3733878"/>
+        <a:ext cx="6729808" cy="1580975"/>
+      </dsp:txXfrm>
+    </dsp:sp>
+  </dsp:spTree>
+</dsp:drawing>
+</file>
+
+<file path=ppt/diagrams/drawing3.xml><?xml version="1.0" encoding="utf-8"?>
+<dsp:drawing xmlns:dgm="http://schemas.openxmlformats.org/drawingml/2006/diagram" xmlns:dsp="http://schemas.microsoft.com/office/drawing/2008/diagram" xmlns:a="http://schemas.openxmlformats.org/drawingml/2006/main">
+  <dsp:spTree>
+    <dsp:nvGrpSpPr>
+      <dsp:cNvPr id="0" name=""/>
+      <dsp:cNvGrpSpPr/>
+    </dsp:nvGrpSpPr>
+    <dsp:grpSpPr/>
+    <dsp:sp modelId="{3FEBA8A1-8B27-428F-8666-1C6B01D7ECAE}">
+      <dsp:nvSpPr>
+        <dsp:cNvPr id="0" name=""/>
+        <dsp:cNvSpPr/>
+      </dsp:nvSpPr>
+      <dsp:spPr>
+        <a:xfrm>
+          <a:off x="0" y="19967"/>
+          <a:ext cx="10728325" cy="755820"/>
+        </a:xfrm>
+        <a:prstGeom prst="roundRect">
+          <a:avLst/>
+        </a:prstGeom>
+        <a:solidFill>
+          <a:schemeClr val="accent1">
+            <a:hueOff val="0"/>
+            <a:satOff val="0"/>
+            <a:lumOff val="0"/>
+            <a:alphaOff val="0"/>
+          </a:schemeClr>
+        </a:solidFill>
+        <a:ln w="12700" cap="flat" cmpd="sng" algn="ctr">
+          <a:solidFill>
+            <a:schemeClr val="lt1">
+              <a:hueOff val="0"/>
+              <a:satOff val="0"/>
+              <a:lumOff val="0"/>
+              <a:alphaOff val="0"/>
+            </a:schemeClr>
+          </a:solidFill>
+          <a:prstDash val="solid"/>
+          <a:miter lim="800000"/>
+        </a:ln>
+        <a:effectLst/>
+      </dsp:spPr>
+      <dsp:style>
+        <a:lnRef idx="2">
+          <a:scrgbClr r="0" g="0" b="0"/>
+        </a:lnRef>
+        <a:fillRef idx="1">
+          <a:scrgbClr r="0" g="0" b="0"/>
+        </a:fillRef>
+        <a:effectRef idx="0">
+          <a:scrgbClr r="0" g="0" b="0"/>
+        </a:effectRef>
+        <a:fontRef idx="minor">
+          <a:schemeClr val="lt1"/>
+        </a:fontRef>
+      </dsp:style>
+      <dsp:txBody>
+        <a:bodyPr spcFirstLastPara="0" vert="horz" wrap="square" lIns="72390" tIns="72390" rIns="72390" bIns="72390" numCol="1" spcCol="1270" anchor="ctr" anchorCtr="0">
+          <a:noAutofit/>
+        </a:bodyPr>
+        <a:lstStyle/>
+        <a:p>
+          <a:pPr marL="0" lvl="0" indent="0" algn="l" defTabSz="844550">
+            <a:lnSpc>
+              <a:spcPct val="90000"/>
+            </a:lnSpc>
+            <a:spcBef>
+              <a:spcPct val="0"/>
+            </a:spcBef>
+            <a:spcAft>
+              <a:spcPct val="35000"/>
+            </a:spcAft>
+            <a:buNone/>
+          </a:pPr>
+          <a:r>
+            <a:rPr lang="en-GB" sz="1900" kern="1200"/>
+            <a:t>Essentially, sell the account information to other hackers who can then use the information to further exploit other systems.</a:t>
+          </a:r>
+          <a:endParaRPr lang="en-US" sz="1900" kern="1200"/>
+        </a:p>
+      </dsp:txBody>
+      <dsp:txXfrm>
+        <a:off x="36896" y="56863"/>
+        <a:ext cx="10654533" cy="682028"/>
+      </dsp:txXfrm>
+    </dsp:sp>
+    <dsp:sp modelId="{F5E6377A-FB43-4F28-AD46-C5BC8C1828D0}">
+      <dsp:nvSpPr>
+        <dsp:cNvPr id="0" name=""/>
+        <dsp:cNvSpPr/>
+      </dsp:nvSpPr>
+      <dsp:spPr>
+        <a:xfrm>
+          <a:off x="0" y="830507"/>
+          <a:ext cx="10728325" cy="755820"/>
+        </a:xfrm>
+        <a:prstGeom prst="roundRect">
+          <a:avLst/>
+        </a:prstGeom>
+        <a:solidFill>
+          <a:schemeClr val="accent1">
+            <a:hueOff val="0"/>
+            <a:satOff val="0"/>
+            <a:lumOff val="0"/>
+            <a:alphaOff val="0"/>
+          </a:schemeClr>
+        </a:solidFill>
+        <a:ln w="12700" cap="flat" cmpd="sng" algn="ctr">
+          <a:solidFill>
+            <a:schemeClr val="lt1">
+              <a:hueOff val="0"/>
+              <a:satOff val="0"/>
+              <a:lumOff val="0"/>
+              <a:alphaOff val="0"/>
+            </a:schemeClr>
+          </a:solidFill>
+          <a:prstDash val="solid"/>
+          <a:miter lim="800000"/>
+        </a:ln>
+        <a:effectLst/>
+      </dsp:spPr>
+      <dsp:style>
+        <a:lnRef idx="2">
+          <a:scrgbClr r="0" g="0" b="0"/>
+        </a:lnRef>
+        <a:fillRef idx="1">
+          <a:scrgbClr r="0" g="0" b="0"/>
+        </a:fillRef>
+        <a:effectRef idx="0">
+          <a:scrgbClr r="0" g="0" b="0"/>
+        </a:effectRef>
+        <a:fontRef idx="minor">
+          <a:schemeClr val="lt1"/>
+        </a:fontRef>
+      </dsp:style>
+      <dsp:txBody>
+        <a:bodyPr spcFirstLastPara="0" vert="horz" wrap="square" lIns="72390" tIns="72390" rIns="72390" bIns="72390" numCol="1" spcCol="1270" anchor="ctr" anchorCtr="0">
+          <a:noAutofit/>
+        </a:bodyPr>
+        <a:lstStyle/>
+        <a:p>
+          <a:pPr marL="0" lvl="0" indent="0" algn="l" defTabSz="844550">
+            <a:lnSpc>
+              <a:spcPct val="90000"/>
+            </a:lnSpc>
+            <a:spcBef>
+              <a:spcPct val="0"/>
+            </a:spcBef>
+            <a:spcAft>
+              <a:spcPct val="35000"/>
+            </a:spcAft>
+            <a:buNone/>
+          </a:pPr>
+          <a:r>
+            <a:rPr lang="en-GB" sz="1900" kern="1200"/>
+            <a:t>Its very common for a credit card data theif to never even touch the banks of his victims.</a:t>
+          </a:r>
+          <a:endParaRPr lang="en-US" sz="1900" kern="1200"/>
+        </a:p>
+      </dsp:txBody>
+      <dsp:txXfrm>
+        <a:off x="36896" y="867403"/>
+        <a:ext cx="10654533" cy="682028"/>
+      </dsp:txXfrm>
+    </dsp:sp>
+    <dsp:sp modelId="{1AB975D4-A897-44E0-8440-027EDF87F877}">
+      <dsp:nvSpPr>
+        <dsp:cNvPr id="0" name=""/>
+        <dsp:cNvSpPr/>
+      </dsp:nvSpPr>
+      <dsp:spPr>
+        <a:xfrm>
+          <a:off x="0" y="1641047"/>
+          <a:ext cx="10728325" cy="755820"/>
+        </a:xfrm>
+        <a:prstGeom prst="roundRect">
+          <a:avLst/>
+        </a:prstGeom>
+        <a:solidFill>
+          <a:schemeClr val="accent1">
+            <a:hueOff val="0"/>
+            <a:satOff val="0"/>
+            <a:lumOff val="0"/>
+            <a:alphaOff val="0"/>
+          </a:schemeClr>
+        </a:solidFill>
+        <a:ln w="12700" cap="flat" cmpd="sng" algn="ctr">
+          <a:solidFill>
+            <a:schemeClr val="lt1">
+              <a:hueOff val="0"/>
+              <a:satOff val="0"/>
+              <a:lumOff val="0"/>
+              <a:alphaOff val="0"/>
+            </a:schemeClr>
+          </a:solidFill>
+          <a:prstDash val="solid"/>
+          <a:miter lim="800000"/>
+        </a:ln>
+        <a:effectLst/>
+      </dsp:spPr>
+      <dsp:style>
+        <a:lnRef idx="2">
+          <a:scrgbClr r="0" g="0" b="0"/>
+        </a:lnRef>
+        <a:fillRef idx="1">
+          <a:scrgbClr r="0" g="0" b="0"/>
+        </a:fillRef>
+        <a:effectRef idx="0">
+          <a:scrgbClr r="0" g="0" b="0"/>
+        </a:effectRef>
+        <a:fontRef idx="minor">
+          <a:schemeClr val="lt1"/>
+        </a:fontRef>
+      </dsp:style>
+      <dsp:txBody>
+        <a:bodyPr spcFirstLastPara="0" vert="horz" wrap="square" lIns="72390" tIns="72390" rIns="72390" bIns="72390" numCol="1" spcCol="1270" anchor="ctr" anchorCtr="0">
+          <a:noAutofit/>
+        </a:bodyPr>
+        <a:lstStyle/>
+        <a:p>
+          <a:pPr marL="0" lvl="0" indent="0" algn="l" defTabSz="844550">
+            <a:lnSpc>
+              <a:spcPct val="90000"/>
+            </a:lnSpc>
+            <a:spcBef>
+              <a:spcPct val="0"/>
+            </a:spcBef>
+            <a:spcAft>
+              <a:spcPct val="35000"/>
+            </a:spcAft>
+            <a:buNone/>
+          </a:pPr>
+          <a:r>
+            <a:rPr lang="en-GB" sz="1900" kern="1200"/>
+            <a:t>They sell the information at a fixed price and let others do the real dirty work.</a:t>
+          </a:r>
+          <a:endParaRPr lang="en-US" sz="1900" kern="1200"/>
+        </a:p>
+      </dsp:txBody>
+      <dsp:txXfrm>
+        <a:off x="36896" y="1677943"/>
+        <a:ext cx="10654533" cy="682028"/>
+      </dsp:txXfrm>
+    </dsp:sp>
+    <dsp:sp modelId="{3AAC2D8A-740E-4F1C-A059-C0D86B5DCD1F}">
+      <dsp:nvSpPr>
+        <dsp:cNvPr id="0" name=""/>
+        <dsp:cNvSpPr/>
+      </dsp:nvSpPr>
+      <dsp:spPr>
+        <a:xfrm>
+          <a:off x="0" y="2451587"/>
+          <a:ext cx="10728325" cy="755820"/>
+        </a:xfrm>
+        <a:prstGeom prst="roundRect">
+          <a:avLst/>
+        </a:prstGeom>
+        <a:solidFill>
+          <a:schemeClr val="accent1">
+            <a:hueOff val="0"/>
+            <a:satOff val="0"/>
+            <a:lumOff val="0"/>
+            <a:alphaOff val="0"/>
+          </a:schemeClr>
+        </a:solidFill>
+        <a:ln w="12700" cap="flat" cmpd="sng" algn="ctr">
+          <a:solidFill>
+            <a:schemeClr val="lt1">
+              <a:hueOff val="0"/>
+              <a:satOff val="0"/>
+              <a:lumOff val="0"/>
+              <a:alphaOff val="0"/>
+            </a:schemeClr>
+          </a:solidFill>
+          <a:prstDash val="solid"/>
+          <a:miter lim="800000"/>
+        </a:ln>
+        <a:effectLst/>
+      </dsp:spPr>
+      <dsp:style>
+        <a:lnRef idx="2">
+          <a:scrgbClr r="0" g="0" b="0"/>
+        </a:lnRef>
+        <a:fillRef idx="1">
+          <a:scrgbClr r="0" g="0" b="0"/>
+        </a:fillRef>
+        <a:effectRef idx="0">
+          <a:scrgbClr r="0" g="0" b="0"/>
+        </a:effectRef>
+        <a:fontRef idx="minor">
+          <a:schemeClr val="lt1"/>
+        </a:fontRef>
+      </dsp:style>
+      <dsp:txBody>
+        <a:bodyPr spcFirstLastPara="0" vert="horz" wrap="square" lIns="72390" tIns="72390" rIns="72390" bIns="72390" numCol="1" spcCol="1270" anchor="ctr" anchorCtr="0">
+          <a:noAutofit/>
+        </a:bodyPr>
+        <a:lstStyle/>
+        <a:p>
+          <a:pPr marL="0" lvl="0" indent="0" algn="l" defTabSz="844550">
+            <a:lnSpc>
+              <a:spcPct val="90000"/>
+            </a:lnSpc>
+            <a:spcBef>
+              <a:spcPct val="0"/>
+            </a:spcBef>
+            <a:spcAft>
+              <a:spcPct val="35000"/>
+            </a:spcAft>
+            <a:buNone/>
+          </a:pPr>
+          <a:r>
+            <a:rPr lang="en-GB" sz="1900" kern="1200"/>
+            <a:t>The economy is mostly data</a:t>
+          </a:r>
+          <a:endParaRPr lang="en-US" sz="1900" kern="1200"/>
+        </a:p>
+      </dsp:txBody>
+      <dsp:txXfrm>
+        <a:off x="36896" y="2488483"/>
+        <a:ext cx="10654533" cy="682028"/>
+      </dsp:txXfrm>
+    </dsp:sp>
+  </dsp:spTree>
+</dsp:drawing>
+</file>
+
 <file path=ppt/diagrams/layout1.xml><?xml version="1.0" encoding="utf-8"?>
+<dgm:layoutDef xmlns:dgm="http://schemas.openxmlformats.org/drawingml/2006/diagram" xmlns:a="http://schemas.openxmlformats.org/drawingml/2006/main" uniqueId="urn:microsoft.com/office/officeart/2005/8/layout/vList2">
+  <dgm:title val=""/>
+  <dgm:desc val=""/>
+  <dgm:catLst>
+    <dgm:cat type="list" pri="3000"/>
+    <dgm:cat type="convert" pri="1000"/>
+  </dgm:catLst>
+  <dgm:sampData>
+    <dgm:dataModel>
+      <dgm:ptLst>
+        <dgm:pt modelId="0" type="doc"/>
+        <dgm:pt modelId="1">
+          <dgm:prSet phldr="1"/>
+        </dgm:pt>
+        <dgm:pt modelId="11">
+          <dgm:prSet phldr="1"/>
+        </dgm:pt>
+        <dgm:pt modelId="2">
+          <dgm:prSet phldr="1"/>
+        </dgm:pt>
+        <dgm:pt modelId="21">
+          <dgm:prSet phldr="1"/>
+        </dgm:pt>
+      </dgm:ptLst>
+      <dgm:cxnLst>
+        <dgm:cxn modelId="4" srcId="0" destId="1" srcOrd="0" destOrd="0"/>
+        <dgm:cxn modelId="5" srcId="0" destId="2" srcOrd="1" destOrd="0"/>
+        <dgm:cxn modelId="12" srcId="1" destId="11" srcOrd="0" destOrd="0"/>
+        <dgm:cxn modelId="23" srcId="2" destId="21" srcOrd="0" destOrd="0"/>
+      </dgm:cxnLst>
+      <dgm:bg/>
+      <dgm:whole/>
+    </dgm:dataModel>
+  </dgm:sampData>
+  <dgm:styleData>
+    <dgm:dataModel>
+      <dgm:ptLst>
+        <dgm:pt modelId="0" type="doc"/>
+        <dgm:pt modelId="1"/>
+        <dgm:pt modelId="2"/>
+      </dgm:ptLst>
+      <dgm:cxnLst>
+        <dgm:cxn modelId="3" srcId="0" destId="1" srcOrd="0" destOrd="0"/>
+        <dgm:cxn modelId="4" srcId="0" destId="2" srcOrd="1" destOrd="0"/>
+      </dgm:cxnLst>
+      <dgm:bg/>
+      <dgm:whole/>
+    </dgm:dataModel>
+  </dgm:styleData>
+  <dgm:clrData>
+    <dgm:dataModel>
+      <dgm:ptLst>
+        <dgm:pt modelId="0" type="doc"/>
+        <dgm:pt modelId="1"/>
+        <dgm:pt modelId="2"/>
+        <dgm:pt modelId="3"/>
+        <dgm:pt modelId="4"/>
+      </dgm:ptLst>
+      <dgm:cxnLst>
+        <dgm:cxn modelId="5" srcId="0" destId="1" srcOrd="0" destOrd="0"/>
+        <dgm:cxn modelId="6" srcId="0" destId="2" srcOrd="1" destOrd="0"/>
+        <dgm:cxn modelId="7" srcId="0" destId="3" srcOrd="2" destOrd="0"/>
+        <dgm:cxn modelId="8" srcId="0" destId="4" srcOrd="3" destOrd="0"/>
+      </dgm:cxnLst>
+      <dgm:bg/>
+      <dgm:whole/>
+    </dgm:dataModel>
+  </dgm:clrData>
+  <dgm:layoutNode name="linear">
+    <dgm:varLst>
+      <dgm:animLvl val="lvl"/>
+      <dgm:resizeHandles val="exact"/>
+    </dgm:varLst>
+    <dgm:alg type="lin">
+      <dgm:param type="linDir" val="fromT"/>
+      <dgm:param type="vertAlign" val="mid"/>
+    </dgm:alg>
+    <dgm:shape xmlns:r="http://schemas.openxmlformats.org/officeDocument/2006/relationships" r:blip="">
+      <dgm:adjLst/>
+    </dgm:shape>
+    <dgm:presOf/>
+    <dgm:constrLst>
+      <dgm:constr type="w" for="ch" forName="parentText" refType="w"/>
+      <dgm:constr type="h" for="ch" forName="parentText" refType="primFontSz" refFor="ch" refForName="parentText" fact="0.52"/>
+      <dgm:constr type="w" for="ch" forName="childText" refType="w"/>
+      <dgm:constr type="h" for="ch" forName="childText" refType="primFontSz" refFor="ch" refForName="parentText" fact="0.46"/>
+      <dgm:constr type="h" for="ch" forName="parentText" op="equ"/>
+      <dgm:constr type="primFontSz" for="ch" forName="parentText" op="equ" val="65"/>
+      <dgm:constr type="primFontSz" for="ch" forName="childText" refType="primFontSz" refFor="ch" refForName="parentText" op="equ"/>
+      <dgm:constr type="h" for="ch" forName="spacer" refType="primFontSz" refFor="ch" refForName="parentText" fact="0.08"/>
+    </dgm:constrLst>
+    <dgm:ruleLst>
+      <dgm:rule type="primFontSz" for="ch" forName="parentText" val="5" fact="NaN" max="NaN"/>
+    </dgm:ruleLst>
+    <dgm:forEach name="Name0" axis="ch" ptType="node">
+      <dgm:layoutNode name="parentText" styleLbl="node1">
+        <dgm:varLst>
+          <dgm:chMax val="0"/>
+          <dgm:bulletEnabled val="1"/>
+        </dgm:varLst>
+        <dgm:alg type="tx">
+          <dgm:param type="parTxLTRAlign" val="l"/>
+          <dgm:param type="parTxRTLAlign" val="r"/>
+        </dgm:alg>
+        <dgm:shape xmlns:r="http://schemas.openxmlformats.org/officeDocument/2006/relationships" type="roundRect" r:blip="">
+          <dgm:adjLst/>
+        </dgm:shape>
+        <dgm:presOf axis="self"/>
+        <dgm:constrLst>
+          <dgm:constr type="tMarg" refType="primFontSz" fact="0.3"/>
+          <dgm:constr type="bMarg" refType="primFontSz" fact="0.3"/>
+          <dgm:constr type="lMarg" refType="primFontSz" fact="0.3"/>
+          <dgm:constr type="rMarg" refType="primFontSz" fact="0.3"/>
+        </dgm:constrLst>
+        <dgm:ruleLst>
+          <dgm:rule type="h" val="INF" fact="NaN" max="NaN"/>
+        </dgm:ruleLst>
+      </dgm:layoutNode>
+      <dgm:choose name="Name1">
+        <dgm:if name="Name2" axis="ch" ptType="node" func="cnt" op="gte" val="1">
+          <dgm:layoutNode name="childText" styleLbl="revTx">
+            <dgm:varLst>
+              <dgm:bulletEnabled val="1"/>
+            </dgm:varLst>
+            <dgm:alg type="tx">
+              <dgm:param type="stBulletLvl" val="1"/>
+              <dgm:param type="lnSpAfChP" val="20"/>
+            </dgm:alg>
+            <dgm:shape xmlns:r="http://schemas.openxmlformats.org/officeDocument/2006/relationships" type="rect" r:blip="">
+              <dgm:adjLst/>
+            </dgm:shape>
+            <dgm:presOf axis="des" ptType="node"/>
+            <dgm:constrLst>
+              <dgm:constr type="tMarg" refType="primFontSz" fact="0.1"/>
+              <dgm:constr type="bMarg" refType="primFontSz" fact="0.1"/>
+              <dgm:constr type="lMarg" refType="w" fact="0.09"/>
+            </dgm:constrLst>
+            <dgm:ruleLst>
+              <dgm:rule type="h" val="INF" fact="NaN" max="NaN"/>
+            </dgm:ruleLst>
+          </dgm:layoutNode>
+        </dgm:if>
+        <dgm:else name="Name3">
+          <dgm:choose name="Name4">
+            <dgm:if name="Name5" axis="par ch" ptType="doc node" func="cnt" op="gte" val="2">
+              <dgm:forEach name="Name6" axis="followSib" ptType="sibTrans" cnt="1">
+                <dgm:layoutNode name="spacer">
+                  <dgm:alg type="sp"/>
+                  <dgm:shape xmlns:r="http://schemas.openxmlformats.org/officeDocument/2006/relationships" r:blip="">
+                    <dgm:adjLst/>
+                  </dgm:shape>
+                  <dgm:presOf/>
+                  <dgm:constrLst/>
+                  <dgm:ruleLst/>
+                </dgm:layoutNode>
+              </dgm:forEach>
+            </dgm:if>
+            <dgm:else name="Name7"/>
+          </dgm:choose>
+        </dgm:else>
+      </dgm:choose>
+    </dgm:forEach>
+  </dgm:layoutNode>
+</dgm:layoutDef>
+</file>
+
+<file path=ppt/diagrams/layout2.xml><?xml version="1.0" encoding="utf-8"?>
+<dgm:layoutDef xmlns:dgm="http://schemas.openxmlformats.org/drawingml/2006/diagram" xmlns:a="http://schemas.openxmlformats.org/drawingml/2006/main" uniqueId="urn:microsoft.com/office/officeart/2005/8/layout/vList2">
+  <dgm:title val=""/>
+  <dgm:desc val=""/>
+  <dgm:catLst>
+    <dgm:cat type="list" pri="3000"/>
+    <dgm:cat type="convert" pri="1000"/>
+  </dgm:catLst>
+  <dgm:sampData>
+    <dgm:dataModel>
+      <dgm:ptLst>
+        <dgm:pt modelId="0" type="doc"/>
+        <dgm:pt modelId="1">
+          <dgm:prSet phldr="1"/>
+        </dgm:pt>
+        <dgm:pt modelId="11">
+          <dgm:prSet phldr="1"/>
+        </dgm:pt>
+        <dgm:pt modelId="2">
+          <dgm:prSet phldr="1"/>
+        </dgm:pt>
+        <dgm:pt modelId="21">
+          <dgm:prSet phldr="1"/>
+        </dgm:pt>
+      </dgm:ptLst>
+      <dgm:cxnLst>
+        <dgm:cxn modelId="4" srcId="0" destId="1" srcOrd="0" destOrd="0"/>
+        <dgm:cxn modelId="5" srcId="0" destId="2" srcOrd="1" destOrd="0"/>
+        <dgm:cxn modelId="12" srcId="1" destId="11" srcOrd="0" destOrd="0"/>
+        <dgm:cxn modelId="23" srcId="2" destId="21" srcOrd="0" destOrd="0"/>
+      </dgm:cxnLst>
+      <dgm:bg/>
+      <dgm:whole/>
+    </dgm:dataModel>
+  </dgm:sampData>
+  <dgm:styleData>
+    <dgm:dataModel>
+      <dgm:ptLst>
+        <dgm:pt modelId="0" type="doc"/>
+        <dgm:pt modelId="1"/>
+        <dgm:pt modelId="2"/>
+      </dgm:ptLst>
+      <dgm:cxnLst>
+        <dgm:cxn modelId="3" srcId="0" destId="1" srcOrd="0" destOrd="0"/>
+        <dgm:cxn modelId="4" srcId="0" destId="2" srcOrd="1" destOrd="0"/>
+      </dgm:cxnLst>
+      <dgm:bg/>
+      <dgm:whole/>
+    </dgm:dataModel>
+  </dgm:styleData>
+  <dgm:clrData>
+    <dgm:dataModel>
+      <dgm:ptLst>
+        <dgm:pt modelId="0" type="doc"/>
+        <dgm:pt modelId="1"/>
+        <dgm:pt modelId="2"/>
+        <dgm:pt modelId="3"/>
+        <dgm:pt modelId="4"/>
+      </dgm:ptLst>
+      <dgm:cxnLst>
+        <dgm:cxn modelId="5" srcId="0" destId="1" srcOrd="0" destOrd="0"/>
+        <dgm:cxn modelId="6" srcId="0" destId="2" srcOrd="1" destOrd="0"/>
+        <dgm:cxn modelId="7" srcId="0" destId="3" srcOrd="2" destOrd="0"/>
+        <dgm:cxn modelId="8" srcId="0" destId="4" srcOrd="3" destOrd="0"/>
+      </dgm:cxnLst>
+      <dgm:bg/>
+      <dgm:whole/>
+    </dgm:dataModel>
+  </dgm:clrData>
+  <dgm:layoutNode name="linear">
+    <dgm:varLst>
+      <dgm:animLvl val="lvl"/>
+      <dgm:resizeHandles val="exact"/>
+    </dgm:varLst>
+    <dgm:alg type="lin">
+      <dgm:param type="linDir" val="fromT"/>
+      <dgm:param type="vertAlign" val="mid"/>
+    </dgm:alg>
+    <dgm:shape xmlns:r="http://schemas.openxmlformats.org/officeDocument/2006/relationships" r:blip="">
+      <dgm:adjLst/>
+    </dgm:shape>
+    <dgm:presOf/>
+    <dgm:constrLst>
+      <dgm:constr type="w" for="ch" forName="parentText" refType="w"/>
+      <dgm:constr type="h" for="ch" forName="parentText" refType="primFontSz" refFor="ch" refForName="parentText" fact="0.52"/>
+      <dgm:constr type="w" for="ch" forName="childText" refType="w"/>
+      <dgm:constr type="h" for="ch" forName="childText" refType="primFontSz" refFor="ch" refForName="parentText" fact="0.46"/>
+      <dgm:constr type="h" for="ch" forName="parentText" op="equ"/>
+      <dgm:constr type="primFontSz" for="ch" forName="parentText" op="equ" val="65"/>
+      <dgm:constr type="primFontSz" for="ch" forName="childText" refType="primFontSz" refFor="ch" refForName="parentText" op="equ"/>
+      <dgm:constr type="h" for="ch" forName="spacer" refType="primFontSz" refFor="ch" refForName="parentText" fact="0.08"/>
+    </dgm:constrLst>
+    <dgm:ruleLst>
+      <dgm:rule type="primFontSz" for="ch" forName="parentText" val="5" fact="NaN" max="NaN"/>
+    </dgm:ruleLst>
+    <dgm:forEach name="Name0" axis="ch" ptType="node">
+      <dgm:layoutNode name="parentText" styleLbl="node1">
+        <dgm:varLst>
+          <dgm:chMax val="0"/>
+          <dgm:bulletEnabled val="1"/>
+        </dgm:varLst>
+        <dgm:alg type="tx">
+          <dgm:param type="parTxLTRAlign" val="l"/>
+          <dgm:param type="parTxRTLAlign" val="r"/>
+        </dgm:alg>
+        <dgm:shape xmlns:r="http://schemas.openxmlformats.org/officeDocument/2006/relationships" type="roundRect" r:blip="">
+          <dgm:adjLst/>
+        </dgm:shape>
+        <dgm:presOf axis="self"/>
+        <dgm:constrLst>
+          <dgm:constr type="tMarg" refType="primFontSz" fact="0.3"/>
+          <dgm:constr type="bMarg" refType="primFontSz" fact="0.3"/>
+          <dgm:constr type="lMarg" refType="primFontSz" fact="0.3"/>
+          <dgm:constr type="rMarg" refType="primFontSz" fact="0.3"/>
+        </dgm:constrLst>
+        <dgm:ruleLst>
+          <dgm:rule type="h" val="INF" fact="NaN" max="NaN"/>
+        </dgm:ruleLst>
+      </dgm:layoutNode>
+      <dgm:choose name="Name1">
+        <dgm:if name="Name2" axis="ch" ptType="node" func="cnt" op="gte" val="1">
+          <dgm:layoutNode name="childText" styleLbl="revTx">
+            <dgm:varLst>
+              <dgm:bulletEnabled val="1"/>
+            </dgm:varLst>
+            <dgm:alg type="tx">
+              <dgm:param type="stBulletLvl" val="1"/>
+              <dgm:param type="lnSpAfChP" val="20"/>
+            </dgm:alg>
+            <dgm:shape xmlns:r="http://schemas.openxmlformats.org/officeDocument/2006/relationships" type="rect" r:blip="">
+              <dgm:adjLst/>
+            </dgm:shape>
+            <dgm:presOf axis="des" ptType="node"/>
+            <dgm:constrLst>
+              <dgm:constr type="tMarg" refType="primFontSz" fact="0.1"/>
+              <dgm:constr type="bMarg" refType="primFontSz" fact="0.1"/>
+              <dgm:constr type="lMarg" refType="w" fact="0.09"/>
+            </dgm:constrLst>
+            <dgm:ruleLst>
+              <dgm:rule type="h" val="INF" fact="NaN" max="NaN"/>
+            </dgm:ruleLst>
+          </dgm:layoutNode>
+        </dgm:if>
+        <dgm:else name="Name3">
+          <dgm:choose name="Name4">
+            <dgm:if name="Name5" axis="par ch" ptType="doc node" func="cnt" op="gte" val="2">
+              <dgm:forEach name="Name6" axis="followSib" ptType="sibTrans" cnt="1">
+                <dgm:layoutNode name="spacer">
+                  <dgm:alg type="sp"/>
+                  <dgm:shape xmlns:r="http://schemas.openxmlformats.org/officeDocument/2006/relationships" r:blip="">
+                    <dgm:adjLst/>
+                  </dgm:shape>
+                  <dgm:presOf/>
+                  <dgm:constrLst/>
+                  <dgm:ruleLst/>
+                </dgm:layoutNode>
+              </dgm:forEach>
+            </dgm:if>
+            <dgm:else name="Name7"/>
+          </dgm:choose>
+        </dgm:else>
+      </dgm:choose>
+    </dgm:forEach>
+  </dgm:layoutNode>
+</dgm:layoutDef>
+</file>
+
+<file path=ppt/diagrams/layout3.xml><?xml version="1.0" encoding="utf-8"?>
 <dgm:layoutDef xmlns:dgm="http://schemas.openxmlformats.org/drawingml/2006/diagram" xmlns:a="http://schemas.openxmlformats.org/drawingml/2006/main" uniqueId="urn:microsoft.com/office/officeart/2005/8/layout/vList2">
   <dgm:title val=""/>
   <dgm:desc val=""/>
@@ -2628,6 +5594,2100 @@
         <a:scrgbClr r="0" g="0" b="0"/>
       </a:fillRef>
       <a:effectRef idx="1">
+        <a:scrgbClr r="0" g="0" b="0"/>
+      </a:effectRef>
+      <a:fontRef idx="minor"/>
+    </dgm:style>
+  </dgm:styleLbl>
+  <dgm:styleLbl name="revTx">
+    <dgm:scene3d>
+      <a:camera prst="orthographicFront"/>
+      <a:lightRig rig="threePt" dir="t"/>
+    </dgm:scene3d>
+    <dgm:sp3d/>
+    <dgm:txPr/>
+    <dgm:style>
+      <a:lnRef idx="0">
+        <a:scrgbClr r="0" g="0" b="0"/>
+      </a:lnRef>
+      <a:fillRef idx="0">
+        <a:scrgbClr r="0" g="0" b="0"/>
+      </a:fillRef>
+      <a:effectRef idx="0">
+        <a:scrgbClr r="0" g="0" b="0"/>
+      </a:effectRef>
+      <a:fontRef idx="minor"/>
+    </dgm:style>
+  </dgm:styleLbl>
+</dgm:styleDef>
+</file>
+
+<file path=ppt/diagrams/quickStyle2.xml><?xml version="1.0" encoding="utf-8"?>
+<dgm:styleDef xmlns:dgm="http://schemas.openxmlformats.org/drawingml/2006/diagram" xmlns:a="http://schemas.openxmlformats.org/drawingml/2006/main" uniqueId="urn:microsoft.com/office/officeart/2005/8/quickstyle/simple3">
+  <dgm:title val=""/>
+  <dgm:desc val=""/>
+  <dgm:catLst>
+    <dgm:cat type="simple" pri="10300"/>
+  </dgm:catLst>
+  <dgm:scene3d>
+    <a:camera prst="orthographicFront"/>
+    <a:lightRig rig="threePt" dir="t"/>
+  </dgm:scene3d>
+  <dgm:styleLbl name="node0">
+    <dgm:scene3d>
+      <a:camera prst="orthographicFront"/>
+      <a:lightRig rig="flat" dir="t"/>
+    </dgm:scene3d>
+    <dgm:sp3d prstMaterial="dkEdge">
+      <a:bevelT w="8200" h="38100"/>
+    </dgm:sp3d>
+    <dgm:txPr/>
+    <dgm:style>
+      <a:lnRef idx="0">
+        <a:scrgbClr r="0" g="0" b="0"/>
+      </a:lnRef>
+      <a:fillRef idx="2">
+        <a:scrgbClr r="0" g="0" b="0"/>
+      </a:fillRef>
+      <a:effectRef idx="1">
+        <a:scrgbClr r="0" g="0" b="0"/>
+      </a:effectRef>
+      <a:fontRef idx="minor">
+        <a:schemeClr val="dk1"/>
+      </a:fontRef>
+    </dgm:style>
+  </dgm:styleLbl>
+  <dgm:styleLbl name="lnNode1">
+    <dgm:scene3d>
+      <a:camera prst="orthographicFront"/>
+      <a:lightRig rig="flat" dir="t"/>
+    </dgm:scene3d>
+    <dgm:sp3d prstMaterial="dkEdge">
+      <a:bevelT w="8200" h="38100"/>
+    </dgm:sp3d>
+    <dgm:txPr/>
+    <dgm:style>
+      <a:lnRef idx="1">
+        <a:scrgbClr r="0" g="0" b="0"/>
+      </a:lnRef>
+      <a:fillRef idx="2">
+        <a:scrgbClr r="0" g="0" b="0"/>
+      </a:fillRef>
+      <a:effectRef idx="0">
+        <a:scrgbClr r="0" g="0" b="0"/>
+      </a:effectRef>
+      <a:fontRef idx="minor">
+        <a:schemeClr val="dk1"/>
+      </a:fontRef>
+    </dgm:style>
+  </dgm:styleLbl>
+  <dgm:styleLbl name="vennNode1">
+    <dgm:scene3d>
+      <a:camera prst="orthographicFront"/>
+      <a:lightRig rig="flat" dir="t"/>
+    </dgm:scene3d>
+    <dgm:sp3d prstMaterial="dkEdge">
+      <a:bevelT w="8200" h="38100"/>
+    </dgm:sp3d>
+    <dgm:txPr/>
+    <dgm:style>
+      <a:lnRef idx="0">
+        <a:scrgbClr r="0" g="0" b="0"/>
+      </a:lnRef>
+      <a:fillRef idx="2">
+        <a:scrgbClr r="0" g="0" b="0"/>
+      </a:fillRef>
+      <a:effectRef idx="0">
+        <a:scrgbClr r="0" g="0" b="0"/>
+      </a:effectRef>
+      <a:fontRef idx="minor">
+        <a:schemeClr val="tx1"/>
+      </a:fontRef>
+    </dgm:style>
+  </dgm:styleLbl>
+  <dgm:styleLbl name="alignNode1">
+    <dgm:scene3d>
+      <a:camera prst="orthographicFront"/>
+      <a:lightRig rig="threePt" dir="t"/>
+    </dgm:scene3d>
+    <dgm:sp3d/>
+    <dgm:txPr/>
+    <dgm:style>
+      <a:lnRef idx="1">
+        <a:scrgbClr r="0" g="0" b="0"/>
+      </a:lnRef>
+      <a:fillRef idx="2">
+        <a:scrgbClr r="0" g="0" b="0"/>
+      </a:fillRef>
+      <a:effectRef idx="1">
+        <a:scrgbClr r="0" g="0" b="0"/>
+      </a:effectRef>
+      <a:fontRef idx="minor">
+        <a:schemeClr val="dk1"/>
+      </a:fontRef>
+    </dgm:style>
+  </dgm:styleLbl>
+  <dgm:styleLbl name="node1">
+    <dgm:scene3d>
+      <a:camera prst="orthographicFront"/>
+      <a:lightRig rig="flat" dir="t"/>
+    </dgm:scene3d>
+    <dgm:sp3d prstMaterial="dkEdge">
+      <a:bevelT w="8200" h="38100"/>
+    </dgm:sp3d>
+    <dgm:txPr/>
+    <dgm:style>
+      <a:lnRef idx="0">
+        <a:scrgbClr r="0" g="0" b="0"/>
+      </a:lnRef>
+      <a:fillRef idx="2">
+        <a:scrgbClr r="0" g="0" b="0"/>
+      </a:fillRef>
+      <a:effectRef idx="1">
+        <a:scrgbClr r="0" g="0" b="0"/>
+      </a:effectRef>
+      <a:fontRef idx="minor">
+        <a:schemeClr val="dk1"/>
+      </a:fontRef>
+    </dgm:style>
+  </dgm:styleLbl>
+  <dgm:styleLbl name="node2">
+    <dgm:scene3d>
+      <a:camera prst="orthographicFront"/>
+      <a:lightRig rig="flat" dir="t"/>
+    </dgm:scene3d>
+    <dgm:sp3d prstMaterial="dkEdge">
+      <a:bevelT w="8200" h="38100"/>
+    </dgm:sp3d>
+    <dgm:txPr/>
+    <dgm:style>
+      <a:lnRef idx="0">
+        <a:scrgbClr r="0" g="0" b="0"/>
+      </a:lnRef>
+      <a:fillRef idx="2">
+        <a:scrgbClr r="0" g="0" b="0"/>
+      </a:fillRef>
+      <a:effectRef idx="1">
+        <a:scrgbClr r="0" g="0" b="0"/>
+      </a:effectRef>
+      <a:fontRef idx="minor">
+        <a:schemeClr val="dk1"/>
+      </a:fontRef>
+    </dgm:style>
+  </dgm:styleLbl>
+  <dgm:styleLbl name="node3">
+    <dgm:scene3d>
+      <a:camera prst="orthographicFront"/>
+      <a:lightRig rig="flat" dir="t"/>
+    </dgm:scene3d>
+    <dgm:sp3d prstMaterial="dkEdge">
+      <a:bevelT w="8200" h="38100"/>
+    </dgm:sp3d>
+    <dgm:txPr/>
+    <dgm:style>
+      <a:lnRef idx="0">
+        <a:scrgbClr r="0" g="0" b="0"/>
+      </a:lnRef>
+      <a:fillRef idx="2">
+        <a:scrgbClr r="0" g="0" b="0"/>
+      </a:fillRef>
+      <a:effectRef idx="1">
+        <a:scrgbClr r="0" g="0" b="0"/>
+      </a:effectRef>
+      <a:fontRef idx="minor">
+        <a:schemeClr val="dk1"/>
+      </a:fontRef>
+    </dgm:style>
+  </dgm:styleLbl>
+  <dgm:styleLbl name="node4">
+    <dgm:scene3d>
+      <a:camera prst="orthographicFront"/>
+      <a:lightRig rig="flat" dir="t"/>
+    </dgm:scene3d>
+    <dgm:sp3d prstMaterial="dkEdge">
+      <a:bevelT w="8200" h="38100"/>
+    </dgm:sp3d>
+    <dgm:txPr/>
+    <dgm:style>
+      <a:lnRef idx="0">
+        <a:scrgbClr r="0" g="0" b="0"/>
+      </a:lnRef>
+      <a:fillRef idx="2">
+        <a:scrgbClr r="0" g="0" b="0"/>
+      </a:fillRef>
+      <a:effectRef idx="1">
+        <a:scrgbClr r="0" g="0" b="0"/>
+      </a:effectRef>
+      <a:fontRef idx="minor">
+        <a:schemeClr val="dk1"/>
+      </a:fontRef>
+    </dgm:style>
+  </dgm:styleLbl>
+  <dgm:styleLbl name="fgImgPlace1">
+    <dgm:scene3d>
+      <a:camera prst="orthographicFront"/>
+      <a:lightRig rig="threePt" dir="t"/>
+    </dgm:scene3d>
+    <dgm:sp3d/>
+    <dgm:txPr/>
+    <dgm:style>
+      <a:lnRef idx="1">
+        <a:scrgbClr r="0" g="0" b="0"/>
+      </a:lnRef>
+      <a:fillRef idx="1">
+        <a:scrgbClr r="0" g="0" b="0"/>
+      </a:fillRef>
+      <a:effectRef idx="1">
+        <a:scrgbClr r="0" g="0" b="0"/>
+      </a:effectRef>
+      <a:fontRef idx="minor"/>
+    </dgm:style>
+  </dgm:styleLbl>
+  <dgm:styleLbl name="alignImgPlace1">
+    <dgm:scene3d>
+      <a:camera prst="orthographicFront"/>
+      <a:lightRig rig="threePt" dir="t"/>
+    </dgm:scene3d>
+    <dgm:sp3d/>
+    <dgm:txPr/>
+    <dgm:style>
+      <a:lnRef idx="1">
+        <a:scrgbClr r="0" g="0" b="0"/>
+      </a:lnRef>
+      <a:fillRef idx="1">
+        <a:scrgbClr r="0" g="0" b="0"/>
+      </a:fillRef>
+      <a:effectRef idx="1">
+        <a:scrgbClr r="0" g="0" b="0"/>
+      </a:effectRef>
+      <a:fontRef idx="minor"/>
+    </dgm:style>
+  </dgm:styleLbl>
+  <dgm:styleLbl name="bgImgPlace1">
+    <dgm:scene3d>
+      <a:camera prst="orthographicFront"/>
+      <a:lightRig rig="threePt" dir="t"/>
+    </dgm:scene3d>
+    <dgm:sp3d/>
+    <dgm:txPr/>
+    <dgm:style>
+      <a:lnRef idx="1">
+        <a:scrgbClr r="0" g="0" b="0"/>
+      </a:lnRef>
+      <a:fillRef idx="1">
+        <a:scrgbClr r="0" g="0" b="0"/>
+      </a:fillRef>
+      <a:effectRef idx="1">
+        <a:scrgbClr r="0" g="0" b="0"/>
+      </a:effectRef>
+      <a:fontRef idx="minor"/>
+    </dgm:style>
+  </dgm:styleLbl>
+  <dgm:styleLbl name="sibTrans2D1">
+    <dgm:scene3d>
+      <a:camera prst="orthographicFront"/>
+      <a:lightRig rig="threePt" dir="t"/>
+    </dgm:scene3d>
+    <dgm:sp3d/>
+    <dgm:txPr/>
+    <dgm:style>
+      <a:lnRef idx="0">
+        <a:scrgbClr r="0" g="0" b="0"/>
+      </a:lnRef>
+      <a:fillRef idx="2">
+        <a:scrgbClr r="0" g="0" b="0"/>
+      </a:fillRef>
+      <a:effectRef idx="1">
+        <a:scrgbClr r="0" g="0" b="0"/>
+      </a:effectRef>
+      <a:fontRef idx="minor">
+        <a:schemeClr val="dk1"/>
+      </a:fontRef>
+    </dgm:style>
+  </dgm:styleLbl>
+  <dgm:styleLbl name="fgSibTrans2D1">
+    <dgm:scene3d>
+      <a:camera prst="orthographicFront"/>
+      <a:lightRig rig="threePt" dir="t"/>
+    </dgm:scene3d>
+    <dgm:sp3d/>
+    <dgm:txPr/>
+    <dgm:style>
+      <a:lnRef idx="0">
+        <a:scrgbClr r="0" g="0" b="0"/>
+      </a:lnRef>
+      <a:fillRef idx="2">
+        <a:scrgbClr r="0" g="0" b="0"/>
+      </a:fillRef>
+      <a:effectRef idx="1">
+        <a:scrgbClr r="0" g="0" b="0"/>
+      </a:effectRef>
+      <a:fontRef idx="minor">
+        <a:schemeClr val="dk1"/>
+      </a:fontRef>
+    </dgm:style>
+  </dgm:styleLbl>
+  <dgm:styleLbl name="bgSibTrans2D1">
+    <dgm:scene3d>
+      <a:camera prst="orthographicFront"/>
+      <a:lightRig rig="threePt" dir="t"/>
+    </dgm:scene3d>
+    <dgm:sp3d/>
+    <dgm:txPr/>
+    <dgm:style>
+      <a:lnRef idx="0">
+        <a:scrgbClr r="0" g="0" b="0"/>
+      </a:lnRef>
+      <a:fillRef idx="2">
+        <a:scrgbClr r="0" g="0" b="0"/>
+      </a:fillRef>
+      <a:effectRef idx="1">
+        <a:scrgbClr r="0" g="0" b="0"/>
+      </a:effectRef>
+      <a:fontRef idx="minor">
+        <a:schemeClr val="dk1"/>
+      </a:fontRef>
+    </dgm:style>
+  </dgm:styleLbl>
+  <dgm:styleLbl name="sibTrans1D1">
+    <dgm:scene3d>
+      <a:camera prst="orthographicFront"/>
+      <a:lightRig rig="threePt" dir="t"/>
+    </dgm:scene3d>
+    <dgm:sp3d/>
+    <dgm:txPr/>
+    <dgm:style>
+      <a:lnRef idx="1">
+        <a:scrgbClr r="0" g="0" b="0"/>
+      </a:lnRef>
+      <a:fillRef idx="0">
+        <a:scrgbClr r="0" g="0" b="0"/>
+      </a:fillRef>
+      <a:effectRef idx="0">
+        <a:scrgbClr r="0" g="0" b="0"/>
+      </a:effectRef>
+      <a:fontRef idx="minor"/>
+    </dgm:style>
+  </dgm:styleLbl>
+  <dgm:styleLbl name="callout">
+    <dgm:scene3d>
+      <a:camera prst="orthographicFront"/>
+      <a:lightRig rig="threePt" dir="t"/>
+    </dgm:scene3d>
+    <dgm:sp3d/>
+    <dgm:txPr/>
+    <dgm:style>
+      <a:lnRef idx="1">
+        <a:scrgbClr r="0" g="0" b="0"/>
+      </a:lnRef>
+      <a:fillRef idx="2">
+        <a:scrgbClr r="0" g="0" b="0"/>
+      </a:fillRef>
+      <a:effectRef idx="1">
+        <a:scrgbClr r="0" g="0" b="0"/>
+      </a:effectRef>
+      <a:fontRef idx="minor"/>
+    </dgm:style>
+  </dgm:styleLbl>
+  <dgm:styleLbl name="asst0">
+    <dgm:scene3d>
+      <a:camera prst="orthographicFront"/>
+      <a:lightRig rig="flat" dir="t"/>
+    </dgm:scene3d>
+    <dgm:sp3d prstMaterial="dkEdge">
+      <a:bevelT w="8200" h="38100"/>
+    </dgm:sp3d>
+    <dgm:txPr/>
+    <dgm:style>
+      <a:lnRef idx="0">
+        <a:scrgbClr r="0" g="0" b="0"/>
+      </a:lnRef>
+      <a:fillRef idx="2">
+        <a:scrgbClr r="0" g="0" b="0"/>
+      </a:fillRef>
+      <a:effectRef idx="1">
+        <a:scrgbClr r="0" g="0" b="0"/>
+      </a:effectRef>
+      <a:fontRef idx="minor">
+        <a:schemeClr val="dk1"/>
+      </a:fontRef>
+    </dgm:style>
+  </dgm:styleLbl>
+  <dgm:styleLbl name="asst1">
+    <dgm:scene3d>
+      <a:camera prst="orthographicFront"/>
+      <a:lightRig rig="flat" dir="t"/>
+    </dgm:scene3d>
+    <dgm:sp3d prstMaterial="dkEdge">
+      <a:bevelT w="8200" h="38100"/>
+    </dgm:sp3d>
+    <dgm:txPr/>
+    <dgm:style>
+      <a:lnRef idx="0">
+        <a:scrgbClr r="0" g="0" b="0"/>
+      </a:lnRef>
+      <a:fillRef idx="2">
+        <a:scrgbClr r="0" g="0" b="0"/>
+      </a:fillRef>
+      <a:effectRef idx="1">
+        <a:scrgbClr r="0" g="0" b="0"/>
+      </a:effectRef>
+      <a:fontRef idx="minor">
+        <a:schemeClr val="dk1"/>
+      </a:fontRef>
+    </dgm:style>
+  </dgm:styleLbl>
+  <dgm:styleLbl name="asst2">
+    <dgm:scene3d>
+      <a:camera prst="orthographicFront"/>
+      <a:lightRig rig="flat" dir="t"/>
+    </dgm:scene3d>
+    <dgm:sp3d prstMaterial="dkEdge">
+      <a:bevelT w="8200" h="38100"/>
+    </dgm:sp3d>
+    <dgm:txPr/>
+    <dgm:style>
+      <a:lnRef idx="0">
+        <a:scrgbClr r="0" g="0" b="0"/>
+      </a:lnRef>
+      <a:fillRef idx="2">
+        <a:scrgbClr r="0" g="0" b="0"/>
+      </a:fillRef>
+      <a:effectRef idx="1">
+        <a:scrgbClr r="0" g="0" b="0"/>
+      </a:effectRef>
+      <a:fontRef idx="minor">
+        <a:schemeClr val="dk1"/>
+      </a:fontRef>
+    </dgm:style>
+  </dgm:styleLbl>
+  <dgm:styleLbl name="asst3">
+    <dgm:scene3d>
+      <a:camera prst="orthographicFront"/>
+      <a:lightRig rig="flat" dir="t"/>
+    </dgm:scene3d>
+    <dgm:sp3d prstMaterial="dkEdge">
+      <a:bevelT w="8200" h="38100"/>
+    </dgm:sp3d>
+    <dgm:txPr/>
+    <dgm:style>
+      <a:lnRef idx="0">
+        <a:scrgbClr r="0" g="0" b="0"/>
+      </a:lnRef>
+      <a:fillRef idx="2">
+        <a:scrgbClr r="0" g="0" b="0"/>
+      </a:fillRef>
+      <a:effectRef idx="1">
+        <a:scrgbClr r="0" g="0" b="0"/>
+      </a:effectRef>
+      <a:fontRef idx="minor">
+        <a:schemeClr val="dk1"/>
+      </a:fontRef>
+    </dgm:style>
+  </dgm:styleLbl>
+  <dgm:styleLbl name="asst4">
+    <dgm:scene3d>
+      <a:camera prst="orthographicFront"/>
+      <a:lightRig rig="flat" dir="t"/>
+    </dgm:scene3d>
+    <dgm:sp3d prstMaterial="dkEdge">
+      <a:bevelT w="8200" h="38100"/>
+    </dgm:sp3d>
+    <dgm:txPr/>
+    <dgm:style>
+      <a:lnRef idx="0">
+        <a:scrgbClr r="0" g="0" b="0"/>
+      </a:lnRef>
+      <a:fillRef idx="2">
+        <a:scrgbClr r="0" g="0" b="0"/>
+      </a:fillRef>
+      <a:effectRef idx="1">
+        <a:scrgbClr r="0" g="0" b="0"/>
+      </a:effectRef>
+      <a:fontRef idx="minor">
+        <a:schemeClr val="dk1"/>
+      </a:fontRef>
+    </dgm:style>
+  </dgm:styleLbl>
+  <dgm:styleLbl name="parChTrans2D1">
+    <dgm:scene3d>
+      <a:camera prst="orthographicFront"/>
+      <a:lightRig rig="threePt" dir="t"/>
+    </dgm:scene3d>
+    <dgm:sp3d/>
+    <dgm:txPr/>
+    <dgm:style>
+      <a:lnRef idx="1">
+        <a:scrgbClr r="0" g="0" b="0"/>
+      </a:lnRef>
+      <a:fillRef idx="2">
+        <a:scrgbClr r="0" g="0" b="0"/>
+      </a:fillRef>
+      <a:effectRef idx="1">
+        <a:scrgbClr r="0" g="0" b="0"/>
+      </a:effectRef>
+      <a:fontRef idx="minor">
+        <a:schemeClr val="dk1"/>
+      </a:fontRef>
+    </dgm:style>
+  </dgm:styleLbl>
+  <dgm:styleLbl name="parChTrans2D2">
+    <dgm:scene3d>
+      <a:camera prst="orthographicFront"/>
+      <a:lightRig rig="threePt" dir="t"/>
+    </dgm:scene3d>
+    <dgm:sp3d/>
+    <dgm:txPr/>
+    <dgm:style>
+      <a:lnRef idx="1">
+        <a:scrgbClr r="0" g="0" b="0"/>
+      </a:lnRef>
+      <a:fillRef idx="2">
+        <a:scrgbClr r="0" g="0" b="0"/>
+      </a:fillRef>
+      <a:effectRef idx="1">
+        <a:scrgbClr r="0" g="0" b="0"/>
+      </a:effectRef>
+      <a:fontRef idx="minor">
+        <a:schemeClr val="dk1"/>
+      </a:fontRef>
+    </dgm:style>
+  </dgm:styleLbl>
+  <dgm:styleLbl name="parChTrans2D3">
+    <dgm:scene3d>
+      <a:camera prst="orthographicFront"/>
+      <a:lightRig rig="threePt" dir="t"/>
+    </dgm:scene3d>
+    <dgm:sp3d/>
+    <dgm:txPr/>
+    <dgm:style>
+      <a:lnRef idx="1">
+        <a:scrgbClr r="0" g="0" b="0"/>
+      </a:lnRef>
+      <a:fillRef idx="2">
+        <a:scrgbClr r="0" g="0" b="0"/>
+      </a:fillRef>
+      <a:effectRef idx="1">
+        <a:scrgbClr r="0" g="0" b="0"/>
+      </a:effectRef>
+      <a:fontRef idx="minor">
+        <a:schemeClr val="dk1"/>
+      </a:fontRef>
+    </dgm:style>
+  </dgm:styleLbl>
+  <dgm:styleLbl name="parChTrans2D4">
+    <dgm:scene3d>
+      <a:camera prst="orthographicFront"/>
+      <a:lightRig rig="threePt" dir="t"/>
+    </dgm:scene3d>
+    <dgm:sp3d/>
+    <dgm:txPr/>
+    <dgm:style>
+      <a:lnRef idx="1">
+        <a:scrgbClr r="0" g="0" b="0"/>
+      </a:lnRef>
+      <a:fillRef idx="2">
+        <a:scrgbClr r="0" g="0" b="0"/>
+      </a:fillRef>
+      <a:effectRef idx="1">
+        <a:scrgbClr r="0" g="0" b="0"/>
+      </a:effectRef>
+      <a:fontRef idx="minor">
+        <a:schemeClr val="dk1"/>
+      </a:fontRef>
+    </dgm:style>
+  </dgm:styleLbl>
+  <dgm:styleLbl name="parChTrans1D1">
+    <dgm:scene3d>
+      <a:camera prst="orthographicFront"/>
+      <a:lightRig rig="threePt" dir="t"/>
+    </dgm:scene3d>
+    <dgm:sp3d/>
+    <dgm:txPr/>
+    <dgm:style>
+      <a:lnRef idx="2">
+        <a:scrgbClr r="0" g="0" b="0"/>
+      </a:lnRef>
+      <a:fillRef idx="0">
+        <a:scrgbClr r="0" g="0" b="0"/>
+      </a:fillRef>
+      <a:effectRef idx="0">
+        <a:scrgbClr r="0" g="0" b="0"/>
+      </a:effectRef>
+      <a:fontRef idx="minor"/>
+    </dgm:style>
+  </dgm:styleLbl>
+  <dgm:styleLbl name="parChTrans1D2">
+    <dgm:scene3d>
+      <a:camera prst="orthographicFront"/>
+      <a:lightRig rig="threePt" dir="t"/>
+    </dgm:scene3d>
+    <dgm:sp3d/>
+    <dgm:txPr/>
+    <dgm:style>
+      <a:lnRef idx="2">
+        <a:scrgbClr r="0" g="0" b="0"/>
+      </a:lnRef>
+      <a:fillRef idx="0">
+        <a:scrgbClr r="0" g="0" b="0"/>
+      </a:fillRef>
+      <a:effectRef idx="0">
+        <a:scrgbClr r="0" g="0" b="0"/>
+      </a:effectRef>
+      <a:fontRef idx="minor"/>
+    </dgm:style>
+  </dgm:styleLbl>
+  <dgm:styleLbl name="parChTrans1D3">
+    <dgm:scene3d>
+      <a:camera prst="orthographicFront"/>
+      <a:lightRig rig="threePt" dir="t"/>
+    </dgm:scene3d>
+    <dgm:sp3d/>
+    <dgm:txPr/>
+    <dgm:style>
+      <a:lnRef idx="2">
+        <a:scrgbClr r="0" g="0" b="0"/>
+      </a:lnRef>
+      <a:fillRef idx="0">
+        <a:scrgbClr r="0" g="0" b="0"/>
+      </a:fillRef>
+      <a:effectRef idx="0">
+        <a:scrgbClr r="0" g="0" b="0"/>
+      </a:effectRef>
+      <a:fontRef idx="minor"/>
+    </dgm:style>
+  </dgm:styleLbl>
+  <dgm:styleLbl name="parChTrans1D4">
+    <dgm:scene3d>
+      <a:camera prst="orthographicFront"/>
+      <a:lightRig rig="threePt" dir="t"/>
+    </dgm:scene3d>
+    <dgm:sp3d/>
+    <dgm:txPr/>
+    <dgm:style>
+      <a:lnRef idx="2">
+        <a:scrgbClr r="0" g="0" b="0"/>
+      </a:lnRef>
+      <a:fillRef idx="0">
+        <a:scrgbClr r="0" g="0" b="0"/>
+      </a:fillRef>
+      <a:effectRef idx="0">
+        <a:scrgbClr r="0" g="0" b="0"/>
+      </a:effectRef>
+      <a:fontRef idx="minor"/>
+    </dgm:style>
+  </dgm:styleLbl>
+  <dgm:styleLbl name="fgAcc1">
+    <dgm:scene3d>
+      <a:camera prst="orthographicFront"/>
+      <a:lightRig rig="threePt" dir="t"/>
+    </dgm:scene3d>
+    <dgm:sp3d/>
+    <dgm:txPr/>
+    <dgm:style>
+      <a:lnRef idx="1">
+        <a:scrgbClr r="0" g="0" b="0"/>
+      </a:lnRef>
+      <a:fillRef idx="1">
+        <a:scrgbClr r="0" g="0" b="0"/>
+      </a:fillRef>
+      <a:effectRef idx="0">
+        <a:scrgbClr r="0" g="0" b="0"/>
+      </a:effectRef>
+      <a:fontRef idx="minor"/>
+    </dgm:style>
+  </dgm:styleLbl>
+  <dgm:styleLbl name="conFgAcc1">
+    <dgm:scene3d>
+      <a:camera prst="orthographicFront"/>
+      <a:lightRig rig="threePt" dir="t"/>
+    </dgm:scene3d>
+    <dgm:sp3d/>
+    <dgm:txPr/>
+    <dgm:style>
+      <a:lnRef idx="1">
+        <a:scrgbClr r="0" g="0" b="0"/>
+      </a:lnRef>
+      <a:fillRef idx="1">
+        <a:scrgbClr r="0" g="0" b="0"/>
+      </a:fillRef>
+      <a:effectRef idx="0">
+        <a:scrgbClr r="0" g="0" b="0"/>
+      </a:effectRef>
+      <a:fontRef idx="minor"/>
+    </dgm:style>
+  </dgm:styleLbl>
+  <dgm:styleLbl name="alignAcc1">
+    <dgm:scene3d>
+      <a:camera prst="orthographicFront"/>
+      <a:lightRig rig="threePt" dir="t"/>
+    </dgm:scene3d>
+    <dgm:sp3d/>
+    <dgm:txPr/>
+    <dgm:style>
+      <a:lnRef idx="1">
+        <a:scrgbClr r="0" g="0" b="0"/>
+      </a:lnRef>
+      <a:fillRef idx="1">
+        <a:scrgbClr r="0" g="0" b="0"/>
+      </a:fillRef>
+      <a:effectRef idx="0">
+        <a:scrgbClr r="0" g="0" b="0"/>
+      </a:effectRef>
+      <a:fontRef idx="minor"/>
+    </dgm:style>
+  </dgm:styleLbl>
+  <dgm:styleLbl name="trAlignAcc1">
+    <dgm:scene3d>
+      <a:camera prst="orthographicFront"/>
+      <a:lightRig rig="threePt" dir="t"/>
+    </dgm:scene3d>
+    <dgm:sp3d/>
+    <dgm:txPr/>
+    <dgm:style>
+      <a:lnRef idx="1">
+        <a:scrgbClr r="0" g="0" b="0"/>
+      </a:lnRef>
+      <a:fillRef idx="1">
+        <a:scrgbClr r="0" g="0" b="0"/>
+      </a:fillRef>
+      <a:effectRef idx="0">
+        <a:scrgbClr r="0" g="0" b="0"/>
+      </a:effectRef>
+      <a:fontRef idx="minor"/>
+    </dgm:style>
+  </dgm:styleLbl>
+  <dgm:styleLbl name="bgAcc1">
+    <dgm:scene3d>
+      <a:camera prst="orthographicFront"/>
+      <a:lightRig rig="threePt" dir="t"/>
+    </dgm:scene3d>
+    <dgm:sp3d/>
+    <dgm:txPr/>
+    <dgm:style>
+      <a:lnRef idx="1">
+        <a:scrgbClr r="0" g="0" b="0"/>
+      </a:lnRef>
+      <a:fillRef idx="1">
+        <a:scrgbClr r="0" g="0" b="0"/>
+      </a:fillRef>
+      <a:effectRef idx="0">
+        <a:scrgbClr r="0" g="0" b="0"/>
+      </a:effectRef>
+      <a:fontRef idx="minor"/>
+    </dgm:style>
+  </dgm:styleLbl>
+  <dgm:styleLbl name="solidFgAcc1">
+    <dgm:scene3d>
+      <a:camera prst="orthographicFront"/>
+      <a:lightRig rig="threePt" dir="t"/>
+    </dgm:scene3d>
+    <dgm:sp3d/>
+    <dgm:txPr/>
+    <dgm:style>
+      <a:lnRef idx="1">
+        <a:scrgbClr r="0" g="0" b="0"/>
+      </a:lnRef>
+      <a:fillRef idx="2">
+        <a:scrgbClr r="0" g="0" b="0"/>
+      </a:fillRef>
+      <a:effectRef idx="0">
+        <a:scrgbClr r="0" g="0" b="0"/>
+      </a:effectRef>
+      <a:fontRef idx="minor"/>
+    </dgm:style>
+  </dgm:styleLbl>
+  <dgm:styleLbl name="solidAlignAcc1">
+    <dgm:scene3d>
+      <a:camera prst="orthographicFront"/>
+      <a:lightRig rig="threePt" dir="t"/>
+    </dgm:scene3d>
+    <dgm:sp3d/>
+    <dgm:txPr/>
+    <dgm:style>
+      <a:lnRef idx="1">
+        <a:scrgbClr r="0" g="0" b="0"/>
+      </a:lnRef>
+      <a:fillRef idx="1">
+        <a:scrgbClr r="0" g="0" b="0"/>
+      </a:fillRef>
+      <a:effectRef idx="0">
+        <a:scrgbClr r="0" g="0" b="0"/>
+      </a:effectRef>
+      <a:fontRef idx="minor"/>
+    </dgm:style>
+  </dgm:styleLbl>
+  <dgm:styleLbl name="solidBgAcc1">
+    <dgm:scene3d>
+      <a:camera prst="orthographicFront"/>
+      <a:lightRig rig="threePt" dir="t"/>
+    </dgm:scene3d>
+    <dgm:sp3d/>
+    <dgm:txPr/>
+    <dgm:style>
+      <a:lnRef idx="1">
+        <a:scrgbClr r="0" g="0" b="0"/>
+      </a:lnRef>
+      <a:fillRef idx="1">
+        <a:scrgbClr r="0" g="0" b="0"/>
+      </a:fillRef>
+      <a:effectRef idx="0">
+        <a:scrgbClr r="0" g="0" b="0"/>
+      </a:effectRef>
+      <a:fontRef idx="minor"/>
+    </dgm:style>
+  </dgm:styleLbl>
+  <dgm:styleLbl name="fgAccFollowNode1">
+    <dgm:scene3d>
+      <a:camera prst="orthographicFront"/>
+      <a:lightRig rig="threePt" dir="t"/>
+    </dgm:scene3d>
+    <dgm:sp3d/>
+    <dgm:txPr/>
+    <dgm:style>
+      <a:lnRef idx="1">
+        <a:scrgbClr r="0" g="0" b="0"/>
+      </a:lnRef>
+      <a:fillRef idx="1">
+        <a:scrgbClr r="0" g="0" b="0"/>
+      </a:fillRef>
+      <a:effectRef idx="0">
+        <a:scrgbClr r="0" g="0" b="0"/>
+      </a:effectRef>
+      <a:fontRef idx="minor"/>
+    </dgm:style>
+  </dgm:styleLbl>
+  <dgm:styleLbl name="alignAccFollowNode1">
+    <dgm:scene3d>
+      <a:camera prst="orthographicFront"/>
+      <a:lightRig rig="threePt" dir="t"/>
+    </dgm:scene3d>
+    <dgm:sp3d/>
+    <dgm:txPr/>
+    <dgm:style>
+      <a:lnRef idx="1">
+        <a:scrgbClr r="0" g="0" b="0"/>
+      </a:lnRef>
+      <a:fillRef idx="1">
+        <a:scrgbClr r="0" g="0" b="0"/>
+      </a:fillRef>
+      <a:effectRef idx="0">
+        <a:scrgbClr r="0" g="0" b="0"/>
+      </a:effectRef>
+      <a:fontRef idx="minor"/>
+    </dgm:style>
+  </dgm:styleLbl>
+  <dgm:styleLbl name="bgAccFollowNode1">
+    <dgm:scene3d>
+      <a:camera prst="orthographicFront"/>
+      <a:lightRig rig="threePt" dir="t"/>
+    </dgm:scene3d>
+    <dgm:sp3d/>
+    <dgm:txPr/>
+    <dgm:style>
+      <a:lnRef idx="1">
+        <a:scrgbClr r="0" g="0" b="0"/>
+      </a:lnRef>
+      <a:fillRef idx="1">
+        <a:scrgbClr r="0" g="0" b="0"/>
+      </a:fillRef>
+      <a:effectRef idx="0">
+        <a:scrgbClr r="0" g="0" b="0"/>
+      </a:effectRef>
+      <a:fontRef idx="minor"/>
+    </dgm:style>
+  </dgm:styleLbl>
+  <dgm:styleLbl name="fgAcc0">
+    <dgm:scene3d>
+      <a:camera prst="orthographicFront"/>
+      <a:lightRig rig="threePt" dir="t"/>
+    </dgm:scene3d>
+    <dgm:sp3d/>
+    <dgm:txPr/>
+    <dgm:style>
+      <a:lnRef idx="1">
+        <a:scrgbClr r="0" g="0" b="0"/>
+      </a:lnRef>
+      <a:fillRef idx="1">
+        <a:scrgbClr r="0" g="0" b="0"/>
+      </a:fillRef>
+      <a:effectRef idx="0">
+        <a:scrgbClr r="0" g="0" b="0"/>
+      </a:effectRef>
+      <a:fontRef idx="minor"/>
+    </dgm:style>
+  </dgm:styleLbl>
+  <dgm:styleLbl name="fgAcc2">
+    <dgm:scene3d>
+      <a:camera prst="orthographicFront"/>
+      <a:lightRig rig="threePt" dir="t"/>
+    </dgm:scene3d>
+    <dgm:sp3d/>
+    <dgm:txPr/>
+    <dgm:style>
+      <a:lnRef idx="1">
+        <a:scrgbClr r="0" g="0" b="0"/>
+      </a:lnRef>
+      <a:fillRef idx="1">
+        <a:scrgbClr r="0" g="0" b="0"/>
+      </a:fillRef>
+      <a:effectRef idx="0">
+        <a:scrgbClr r="0" g="0" b="0"/>
+      </a:effectRef>
+      <a:fontRef idx="minor"/>
+    </dgm:style>
+  </dgm:styleLbl>
+  <dgm:styleLbl name="fgAcc3">
+    <dgm:scene3d>
+      <a:camera prst="orthographicFront"/>
+      <a:lightRig rig="threePt" dir="t"/>
+    </dgm:scene3d>
+    <dgm:sp3d/>
+    <dgm:txPr/>
+    <dgm:style>
+      <a:lnRef idx="1">
+        <a:scrgbClr r="0" g="0" b="0"/>
+      </a:lnRef>
+      <a:fillRef idx="1">
+        <a:scrgbClr r="0" g="0" b="0"/>
+      </a:fillRef>
+      <a:effectRef idx="0">
+        <a:scrgbClr r="0" g="0" b="0"/>
+      </a:effectRef>
+      <a:fontRef idx="minor"/>
+    </dgm:style>
+  </dgm:styleLbl>
+  <dgm:styleLbl name="fgAcc4">
+    <dgm:scene3d>
+      <a:camera prst="orthographicFront"/>
+      <a:lightRig rig="threePt" dir="t"/>
+    </dgm:scene3d>
+    <dgm:sp3d/>
+    <dgm:txPr/>
+    <dgm:style>
+      <a:lnRef idx="1">
+        <a:scrgbClr r="0" g="0" b="0"/>
+      </a:lnRef>
+      <a:fillRef idx="1">
+        <a:scrgbClr r="0" g="0" b="0"/>
+      </a:fillRef>
+      <a:effectRef idx="0">
+        <a:scrgbClr r="0" g="0" b="0"/>
+      </a:effectRef>
+      <a:fontRef idx="minor"/>
+    </dgm:style>
+  </dgm:styleLbl>
+  <dgm:styleLbl name="bgShp">
+    <dgm:scene3d>
+      <a:camera prst="orthographicFront"/>
+      <a:lightRig rig="threePt" dir="t"/>
+    </dgm:scene3d>
+    <dgm:sp3d/>
+    <dgm:txPr/>
+    <dgm:style>
+      <a:lnRef idx="0">
+        <a:scrgbClr r="0" g="0" b="0"/>
+      </a:lnRef>
+      <a:fillRef idx="1">
+        <a:scrgbClr r="0" g="0" b="0"/>
+      </a:fillRef>
+      <a:effectRef idx="1">
+        <a:scrgbClr r="0" g="0" b="0"/>
+      </a:effectRef>
+      <a:fontRef idx="minor"/>
+    </dgm:style>
+  </dgm:styleLbl>
+  <dgm:styleLbl name="dkBgShp">
+    <dgm:scene3d>
+      <a:camera prst="orthographicFront"/>
+      <a:lightRig rig="threePt" dir="t"/>
+    </dgm:scene3d>
+    <dgm:sp3d/>
+    <dgm:txPr/>
+    <dgm:style>
+      <a:lnRef idx="0">
+        <a:scrgbClr r="0" g="0" b="0"/>
+      </a:lnRef>
+      <a:fillRef idx="1">
+        <a:scrgbClr r="0" g="0" b="0"/>
+      </a:fillRef>
+      <a:effectRef idx="1">
+        <a:scrgbClr r="0" g="0" b="0"/>
+      </a:effectRef>
+      <a:fontRef idx="minor"/>
+    </dgm:style>
+  </dgm:styleLbl>
+  <dgm:styleLbl name="trBgShp">
+    <dgm:scene3d>
+      <a:camera prst="orthographicFront"/>
+      <a:lightRig rig="threePt" dir="t"/>
+    </dgm:scene3d>
+    <dgm:sp3d/>
+    <dgm:txPr/>
+    <dgm:style>
+      <a:lnRef idx="0">
+        <a:scrgbClr r="0" g="0" b="0"/>
+      </a:lnRef>
+      <a:fillRef idx="1">
+        <a:scrgbClr r="0" g="0" b="0"/>
+      </a:fillRef>
+      <a:effectRef idx="0">
+        <a:scrgbClr r="0" g="0" b="0"/>
+      </a:effectRef>
+      <a:fontRef idx="minor"/>
+    </dgm:style>
+  </dgm:styleLbl>
+  <dgm:styleLbl name="fgShp">
+    <dgm:scene3d>
+      <a:camera prst="orthographicFront"/>
+      <a:lightRig rig="flat" dir="t"/>
+    </dgm:scene3d>
+    <dgm:sp3d prstMaterial="dkEdge">
+      <a:bevelT w="8200" h="38100"/>
+    </dgm:sp3d>
+    <dgm:txPr/>
+    <dgm:style>
+      <a:lnRef idx="1">
+        <a:scrgbClr r="0" g="0" b="0"/>
+      </a:lnRef>
+      <a:fillRef idx="2">
+        <a:scrgbClr r="0" g="0" b="0"/>
+      </a:fillRef>
+      <a:effectRef idx="1">
+        <a:scrgbClr r="0" g="0" b="0"/>
+      </a:effectRef>
+      <a:fontRef idx="minor"/>
+    </dgm:style>
+  </dgm:styleLbl>
+  <dgm:styleLbl name="revTx">
+    <dgm:scene3d>
+      <a:camera prst="orthographicFront"/>
+      <a:lightRig rig="threePt" dir="t"/>
+    </dgm:scene3d>
+    <dgm:sp3d/>
+    <dgm:txPr/>
+    <dgm:style>
+      <a:lnRef idx="0">
+        <a:scrgbClr r="0" g="0" b="0"/>
+      </a:lnRef>
+      <a:fillRef idx="0">
+        <a:scrgbClr r="0" g="0" b="0"/>
+      </a:fillRef>
+      <a:effectRef idx="0">
+        <a:scrgbClr r="0" g="0" b="0"/>
+      </a:effectRef>
+      <a:fontRef idx="minor"/>
+    </dgm:style>
+  </dgm:styleLbl>
+</dgm:styleDef>
+</file>
+
+<file path=ppt/diagrams/quickStyle3.xml><?xml version="1.0" encoding="utf-8"?>
+<dgm:styleDef xmlns:dgm="http://schemas.openxmlformats.org/drawingml/2006/diagram" xmlns:a="http://schemas.openxmlformats.org/drawingml/2006/main" uniqueId="urn:microsoft.com/office/officeart/2005/8/quickstyle/simple1">
+  <dgm:title val=""/>
+  <dgm:desc val=""/>
+  <dgm:catLst>
+    <dgm:cat type="simple" pri="10100"/>
+  </dgm:catLst>
+  <dgm:scene3d>
+    <a:camera prst="orthographicFront"/>
+    <a:lightRig rig="threePt" dir="t"/>
+  </dgm:scene3d>
+  <dgm:styleLbl name="node0">
+    <dgm:scene3d>
+      <a:camera prst="orthographicFront"/>
+      <a:lightRig rig="threePt" dir="t"/>
+    </dgm:scene3d>
+    <dgm:sp3d/>
+    <dgm:txPr/>
+    <dgm:style>
+      <a:lnRef idx="2">
+        <a:scrgbClr r="0" g="0" b="0"/>
+      </a:lnRef>
+      <a:fillRef idx="1">
+        <a:scrgbClr r="0" g="0" b="0"/>
+      </a:fillRef>
+      <a:effectRef idx="0">
+        <a:scrgbClr r="0" g="0" b="0"/>
+      </a:effectRef>
+      <a:fontRef idx="minor">
+        <a:schemeClr val="lt1"/>
+      </a:fontRef>
+    </dgm:style>
+  </dgm:styleLbl>
+  <dgm:styleLbl name="lnNode1">
+    <dgm:scene3d>
+      <a:camera prst="orthographicFront"/>
+      <a:lightRig rig="threePt" dir="t"/>
+    </dgm:scene3d>
+    <dgm:sp3d/>
+    <dgm:txPr/>
+    <dgm:style>
+      <a:lnRef idx="2">
+        <a:scrgbClr r="0" g="0" b="0"/>
+      </a:lnRef>
+      <a:fillRef idx="1">
+        <a:scrgbClr r="0" g="0" b="0"/>
+      </a:fillRef>
+      <a:effectRef idx="0">
+        <a:scrgbClr r="0" g="0" b="0"/>
+      </a:effectRef>
+      <a:fontRef idx="minor">
+        <a:schemeClr val="lt1"/>
+      </a:fontRef>
+    </dgm:style>
+  </dgm:styleLbl>
+  <dgm:styleLbl name="vennNode1">
+    <dgm:scene3d>
+      <a:camera prst="orthographicFront"/>
+      <a:lightRig rig="threePt" dir="t"/>
+    </dgm:scene3d>
+    <dgm:sp3d/>
+    <dgm:txPr/>
+    <dgm:style>
+      <a:lnRef idx="2">
+        <a:scrgbClr r="0" g="0" b="0"/>
+      </a:lnRef>
+      <a:fillRef idx="1">
+        <a:scrgbClr r="0" g="0" b="0"/>
+      </a:fillRef>
+      <a:effectRef idx="0">
+        <a:scrgbClr r="0" g="0" b="0"/>
+      </a:effectRef>
+      <a:fontRef idx="minor">
+        <a:schemeClr val="tx1"/>
+      </a:fontRef>
+    </dgm:style>
+  </dgm:styleLbl>
+  <dgm:styleLbl name="alignNode1">
+    <dgm:scene3d>
+      <a:camera prst="orthographicFront"/>
+      <a:lightRig rig="threePt" dir="t"/>
+    </dgm:scene3d>
+    <dgm:sp3d/>
+    <dgm:txPr/>
+    <dgm:style>
+      <a:lnRef idx="2">
+        <a:scrgbClr r="0" g="0" b="0"/>
+      </a:lnRef>
+      <a:fillRef idx="1">
+        <a:scrgbClr r="0" g="0" b="0"/>
+      </a:fillRef>
+      <a:effectRef idx="0">
+        <a:scrgbClr r="0" g="0" b="0"/>
+      </a:effectRef>
+      <a:fontRef idx="minor">
+        <a:schemeClr val="lt1"/>
+      </a:fontRef>
+    </dgm:style>
+  </dgm:styleLbl>
+  <dgm:styleLbl name="node1">
+    <dgm:scene3d>
+      <a:camera prst="orthographicFront"/>
+      <a:lightRig rig="threePt" dir="t"/>
+    </dgm:scene3d>
+    <dgm:sp3d/>
+    <dgm:txPr/>
+    <dgm:style>
+      <a:lnRef idx="2">
+        <a:scrgbClr r="0" g="0" b="0"/>
+      </a:lnRef>
+      <a:fillRef idx="1">
+        <a:scrgbClr r="0" g="0" b="0"/>
+      </a:fillRef>
+      <a:effectRef idx="0">
+        <a:scrgbClr r="0" g="0" b="0"/>
+      </a:effectRef>
+      <a:fontRef idx="minor">
+        <a:schemeClr val="lt1"/>
+      </a:fontRef>
+    </dgm:style>
+  </dgm:styleLbl>
+  <dgm:styleLbl name="node2">
+    <dgm:scene3d>
+      <a:camera prst="orthographicFront"/>
+      <a:lightRig rig="threePt" dir="t"/>
+    </dgm:scene3d>
+    <dgm:sp3d/>
+    <dgm:txPr/>
+    <dgm:style>
+      <a:lnRef idx="2">
+        <a:scrgbClr r="0" g="0" b="0"/>
+      </a:lnRef>
+      <a:fillRef idx="1">
+        <a:scrgbClr r="0" g="0" b="0"/>
+      </a:fillRef>
+      <a:effectRef idx="0">
+        <a:scrgbClr r="0" g="0" b="0"/>
+      </a:effectRef>
+      <a:fontRef idx="minor">
+        <a:schemeClr val="lt1"/>
+      </a:fontRef>
+    </dgm:style>
+  </dgm:styleLbl>
+  <dgm:styleLbl name="node3">
+    <dgm:scene3d>
+      <a:camera prst="orthographicFront"/>
+      <a:lightRig rig="threePt" dir="t"/>
+    </dgm:scene3d>
+    <dgm:sp3d/>
+    <dgm:txPr/>
+    <dgm:style>
+      <a:lnRef idx="2">
+        <a:scrgbClr r="0" g="0" b="0"/>
+      </a:lnRef>
+      <a:fillRef idx="1">
+        <a:scrgbClr r="0" g="0" b="0"/>
+      </a:fillRef>
+      <a:effectRef idx="0">
+        <a:scrgbClr r="0" g="0" b="0"/>
+      </a:effectRef>
+      <a:fontRef idx="minor">
+        <a:schemeClr val="lt1"/>
+      </a:fontRef>
+    </dgm:style>
+  </dgm:styleLbl>
+  <dgm:styleLbl name="node4">
+    <dgm:scene3d>
+      <a:camera prst="orthographicFront"/>
+      <a:lightRig rig="threePt" dir="t"/>
+    </dgm:scene3d>
+    <dgm:sp3d/>
+    <dgm:txPr/>
+    <dgm:style>
+      <a:lnRef idx="2">
+        <a:scrgbClr r="0" g="0" b="0"/>
+      </a:lnRef>
+      <a:fillRef idx="1">
+        <a:scrgbClr r="0" g="0" b="0"/>
+      </a:fillRef>
+      <a:effectRef idx="0">
+        <a:scrgbClr r="0" g="0" b="0"/>
+      </a:effectRef>
+      <a:fontRef idx="minor">
+        <a:schemeClr val="lt1"/>
+      </a:fontRef>
+    </dgm:style>
+  </dgm:styleLbl>
+  <dgm:styleLbl name="fgImgPlace1">
+    <dgm:scene3d>
+      <a:camera prst="orthographicFront"/>
+      <a:lightRig rig="threePt" dir="t"/>
+    </dgm:scene3d>
+    <dgm:sp3d/>
+    <dgm:txPr/>
+    <dgm:style>
+      <a:lnRef idx="2">
+        <a:scrgbClr r="0" g="0" b="0"/>
+      </a:lnRef>
+      <a:fillRef idx="1">
+        <a:scrgbClr r="0" g="0" b="0"/>
+      </a:fillRef>
+      <a:effectRef idx="0">
+        <a:scrgbClr r="0" g="0" b="0"/>
+      </a:effectRef>
+      <a:fontRef idx="minor"/>
+    </dgm:style>
+  </dgm:styleLbl>
+  <dgm:styleLbl name="alignImgPlace1">
+    <dgm:scene3d>
+      <a:camera prst="orthographicFront"/>
+      <a:lightRig rig="threePt" dir="t"/>
+    </dgm:scene3d>
+    <dgm:sp3d/>
+    <dgm:txPr/>
+    <dgm:style>
+      <a:lnRef idx="2">
+        <a:scrgbClr r="0" g="0" b="0"/>
+      </a:lnRef>
+      <a:fillRef idx="1">
+        <a:scrgbClr r="0" g="0" b="0"/>
+      </a:fillRef>
+      <a:effectRef idx="0">
+        <a:scrgbClr r="0" g="0" b="0"/>
+      </a:effectRef>
+      <a:fontRef idx="minor"/>
+    </dgm:style>
+  </dgm:styleLbl>
+  <dgm:styleLbl name="bgImgPlace1">
+    <dgm:scene3d>
+      <a:camera prst="orthographicFront"/>
+      <a:lightRig rig="threePt" dir="t"/>
+    </dgm:scene3d>
+    <dgm:sp3d/>
+    <dgm:txPr/>
+    <dgm:style>
+      <a:lnRef idx="2">
+        <a:scrgbClr r="0" g="0" b="0"/>
+      </a:lnRef>
+      <a:fillRef idx="1">
+        <a:scrgbClr r="0" g="0" b="0"/>
+      </a:fillRef>
+      <a:effectRef idx="0">
+        <a:scrgbClr r="0" g="0" b="0"/>
+      </a:effectRef>
+      <a:fontRef idx="minor"/>
+    </dgm:style>
+  </dgm:styleLbl>
+  <dgm:styleLbl name="sibTrans2D1">
+    <dgm:scene3d>
+      <a:camera prst="orthographicFront"/>
+      <a:lightRig rig="threePt" dir="t"/>
+    </dgm:scene3d>
+    <dgm:sp3d/>
+    <dgm:txPr/>
+    <dgm:style>
+      <a:lnRef idx="0">
+        <a:scrgbClr r="0" g="0" b="0"/>
+      </a:lnRef>
+      <a:fillRef idx="1">
+        <a:scrgbClr r="0" g="0" b="0"/>
+      </a:fillRef>
+      <a:effectRef idx="0">
+        <a:scrgbClr r="0" g="0" b="0"/>
+      </a:effectRef>
+      <a:fontRef idx="minor">
+        <a:schemeClr val="lt1"/>
+      </a:fontRef>
+    </dgm:style>
+  </dgm:styleLbl>
+  <dgm:styleLbl name="fgSibTrans2D1">
+    <dgm:scene3d>
+      <a:camera prst="orthographicFront"/>
+      <a:lightRig rig="threePt" dir="t"/>
+    </dgm:scene3d>
+    <dgm:sp3d/>
+    <dgm:txPr/>
+    <dgm:style>
+      <a:lnRef idx="0">
+        <a:scrgbClr r="0" g="0" b="0"/>
+      </a:lnRef>
+      <a:fillRef idx="1">
+        <a:scrgbClr r="0" g="0" b="0"/>
+      </a:fillRef>
+      <a:effectRef idx="0">
+        <a:scrgbClr r="0" g="0" b="0"/>
+      </a:effectRef>
+      <a:fontRef idx="minor">
+        <a:schemeClr val="lt1"/>
+      </a:fontRef>
+    </dgm:style>
+  </dgm:styleLbl>
+  <dgm:styleLbl name="bgSibTrans2D1">
+    <dgm:scene3d>
+      <a:camera prst="orthographicFront"/>
+      <a:lightRig rig="threePt" dir="t"/>
+    </dgm:scene3d>
+    <dgm:sp3d/>
+    <dgm:txPr/>
+    <dgm:style>
+      <a:lnRef idx="0">
+        <a:scrgbClr r="0" g="0" b="0"/>
+      </a:lnRef>
+      <a:fillRef idx="1">
+        <a:scrgbClr r="0" g="0" b="0"/>
+      </a:fillRef>
+      <a:effectRef idx="0">
+        <a:scrgbClr r="0" g="0" b="0"/>
+      </a:effectRef>
+      <a:fontRef idx="minor">
+        <a:schemeClr val="lt1"/>
+      </a:fontRef>
+    </dgm:style>
+  </dgm:styleLbl>
+  <dgm:styleLbl name="sibTrans1D1">
+    <dgm:scene3d>
+      <a:camera prst="orthographicFront"/>
+      <a:lightRig rig="threePt" dir="t"/>
+    </dgm:scene3d>
+    <dgm:sp3d/>
+    <dgm:txPr/>
+    <dgm:style>
+      <a:lnRef idx="1">
+        <a:scrgbClr r="0" g="0" b="0"/>
+      </a:lnRef>
+      <a:fillRef idx="0">
+        <a:scrgbClr r="0" g="0" b="0"/>
+      </a:fillRef>
+      <a:effectRef idx="0">
+        <a:scrgbClr r="0" g="0" b="0"/>
+      </a:effectRef>
+      <a:fontRef idx="minor"/>
+    </dgm:style>
+  </dgm:styleLbl>
+  <dgm:styleLbl name="callout">
+    <dgm:scene3d>
+      <a:camera prst="orthographicFront"/>
+      <a:lightRig rig="threePt" dir="t"/>
+    </dgm:scene3d>
+    <dgm:sp3d/>
+    <dgm:txPr/>
+    <dgm:style>
+      <a:lnRef idx="2">
+        <a:scrgbClr r="0" g="0" b="0"/>
+      </a:lnRef>
+      <a:fillRef idx="1">
+        <a:scrgbClr r="0" g="0" b="0"/>
+      </a:fillRef>
+      <a:effectRef idx="0">
+        <a:scrgbClr r="0" g="0" b="0"/>
+      </a:effectRef>
+      <a:fontRef idx="minor"/>
+    </dgm:style>
+  </dgm:styleLbl>
+  <dgm:styleLbl name="asst0">
+    <dgm:scene3d>
+      <a:camera prst="orthographicFront"/>
+      <a:lightRig rig="threePt" dir="t"/>
+    </dgm:scene3d>
+    <dgm:sp3d/>
+    <dgm:txPr/>
+    <dgm:style>
+      <a:lnRef idx="2">
+        <a:scrgbClr r="0" g="0" b="0"/>
+      </a:lnRef>
+      <a:fillRef idx="1">
+        <a:scrgbClr r="0" g="0" b="0"/>
+      </a:fillRef>
+      <a:effectRef idx="0">
+        <a:scrgbClr r="0" g="0" b="0"/>
+      </a:effectRef>
+      <a:fontRef idx="minor">
+        <a:schemeClr val="lt1"/>
+      </a:fontRef>
+    </dgm:style>
+  </dgm:styleLbl>
+  <dgm:styleLbl name="asst1">
+    <dgm:scene3d>
+      <a:camera prst="orthographicFront"/>
+      <a:lightRig rig="threePt" dir="t"/>
+    </dgm:scene3d>
+    <dgm:sp3d/>
+    <dgm:txPr/>
+    <dgm:style>
+      <a:lnRef idx="2">
+        <a:scrgbClr r="0" g="0" b="0"/>
+      </a:lnRef>
+      <a:fillRef idx="1">
+        <a:scrgbClr r="0" g="0" b="0"/>
+      </a:fillRef>
+      <a:effectRef idx="0">
+        <a:scrgbClr r="0" g="0" b="0"/>
+      </a:effectRef>
+      <a:fontRef idx="minor">
+        <a:schemeClr val="lt1"/>
+      </a:fontRef>
+    </dgm:style>
+  </dgm:styleLbl>
+  <dgm:styleLbl name="asst2">
+    <dgm:scene3d>
+      <a:camera prst="orthographicFront"/>
+      <a:lightRig rig="threePt" dir="t"/>
+    </dgm:scene3d>
+    <dgm:sp3d/>
+    <dgm:txPr/>
+    <dgm:style>
+      <a:lnRef idx="2">
+        <a:scrgbClr r="0" g="0" b="0"/>
+      </a:lnRef>
+      <a:fillRef idx="1">
+        <a:scrgbClr r="0" g="0" b="0"/>
+      </a:fillRef>
+      <a:effectRef idx="0">
+        <a:scrgbClr r="0" g="0" b="0"/>
+      </a:effectRef>
+      <a:fontRef idx="minor">
+        <a:schemeClr val="lt1"/>
+      </a:fontRef>
+    </dgm:style>
+  </dgm:styleLbl>
+  <dgm:styleLbl name="asst3">
+    <dgm:scene3d>
+      <a:camera prst="orthographicFront"/>
+      <a:lightRig rig="threePt" dir="t"/>
+    </dgm:scene3d>
+    <dgm:sp3d/>
+    <dgm:txPr/>
+    <dgm:style>
+      <a:lnRef idx="2">
+        <a:scrgbClr r="0" g="0" b="0"/>
+      </a:lnRef>
+      <a:fillRef idx="1">
+        <a:scrgbClr r="0" g="0" b="0"/>
+      </a:fillRef>
+      <a:effectRef idx="0">
+        <a:scrgbClr r="0" g="0" b="0"/>
+      </a:effectRef>
+      <a:fontRef idx="minor">
+        <a:schemeClr val="lt1"/>
+      </a:fontRef>
+    </dgm:style>
+  </dgm:styleLbl>
+  <dgm:styleLbl name="asst4">
+    <dgm:scene3d>
+      <a:camera prst="orthographicFront"/>
+      <a:lightRig rig="threePt" dir="t"/>
+    </dgm:scene3d>
+    <dgm:sp3d/>
+    <dgm:txPr/>
+    <dgm:style>
+      <a:lnRef idx="2">
+        <a:scrgbClr r="0" g="0" b="0"/>
+      </a:lnRef>
+      <a:fillRef idx="1">
+        <a:scrgbClr r="0" g="0" b="0"/>
+      </a:fillRef>
+      <a:effectRef idx="0">
+        <a:scrgbClr r="0" g="0" b="0"/>
+      </a:effectRef>
+      <a:fontRef idx="minor">
+        <a:schemeClr val="lt1"/>
+      </a:fontRef>
+    </dgm:style>
+  </dgm:styleLbl>
+  <dgm:styleLbl name="parChTrans2D1">
+    <dgm:scene3d>
+      <a:camera prst="orthographicFront"/>
+      <a:lightRig rig="threePt" dir="t"/>
+    </dgm:scene3d>
+    <dgm:sp3d/>
+    <dgm:txPr/>
+    <dgm:style>
+      <a:lnRef idx="2">
+        <a:scrgbClr r="0" g="0" b="0"/>
+      </a:lnRef>
+      <a:fillRef idx="1">
+        <a:scrgbClr r="0" g="0" b="0"/>
+      </a:fillRef>
+      <a:effectRef idx="0">
+        <a:scrgbClr r="0" g="0" b="0"/>
+      </a:effectRef>
+      <a:fontRef idx="minor">
+        <a:schemeClr val="lt1"/>
+      </a:fontRef>
+    </dgm:style>
+  </dgm:styleLbl>
+  <dgm:styleLbl name="parChTrans2D2">
+    <dgm:scene3d>
+      <a:camera prst="orthographicFront"/>
+      <a:lightRig rig="threePt" dir="t"/>
+    </dgm:scene3d>
+    <dgm:sp3d/>
+    <dgm:txPr/>
+    <dgm:style>
+      <a:lnRef idx="2">
+        <a:scrgbClr r="0" g="0" b="0"/>
+      </a:lnRef>
+      <a:fillRef idx="1">
+        <a:scrgbClr r="0" g="0" b="0"/>
+      </a:fillRef>
+      <a:effectRef idx="0">
+        <a:scrgbClr r="0" g="0" b="0"/>
+      </a:effectRef>
+      <a:fontRef idx="minor">
+        <a:schemeClr val="lt1"/>
+      </a:fontRef>
+    </dgm:style>
+  </dgm:styleLbl>
+  <dgm:styleLbl name="parChTrans2D3">
+    <dgm:scene3d>
+      <a:camera prst="orthographicFront"/>
+      <a:lightRig rig="threePt" dir="t"/>
+    </dgm:scene3d>
+    <dgm:sp3d/>
+    <dgm:txPr/>
+    <dgm:style>
+      <a:lnRef idx="2">
+        <a:scrgbClr r="0" g="0" b="0"/>
+      </a:lnRef>
+      <a:fillRef idx="1">
+        <a:scrgbClr r="0" g="0" b="0"/>
+      </a:fillRef>
+      <a:effectRef idx="0">
+        <a:scrgbClr r="0" g="0" b="0"/>
+      </a:effectRef>
+      <a:fontRef idx="minor">
+        <a:schemeClr val="lt1"/>
+      </a:fontRef>
+    </dgm:style>
+  </dgm:styleLbl>
+  <dgm:styleLbl name="parChTrans2D4">
+    <dgm:scene3d>
+      <a:camera prst="orthographicFront"/>
+      <a:lightRig rig="threePt" dir="t"/>
+    </dgm:scene3d>
+    <dgm:sp3d/>
+    <dgm:txPr/>
+    <dgm:style>
+      <a:lnRef idx="2">
+        <a:scrgbClr r="0" g="0" b="0"/>
+      </a:lnRef>
+      <a:fillRef idx="1">
+        <a:scrgbClr r="0" g="0" b="0"/>
+      </a:fillRef>
+      <a:effectRef idx="0">
+        <a:scrgbClr r="0" g="0" b="0"/>
+      </a:effectRef>
+      <a:fontRef idx="minor">
+        <a:schemeClr val="lt1"/>
+      </a:fontRef>
+    </dgm:style>
+  </dgm:styleLbl>
+  <dgm:styleLbl name="parChTrans1D1">
+    <dgm:scene3d>
+      <a:camera prst="orthographicFront"/>
+      <a:lightRig rig="threePt" dir="t"/>
+    </dgm:scene3d>
+    <dgm:sp3d/>
+    <dgm:txPr/>
+    <dgm:style>
+      <a:lnRef idx="2">
+        <a:scrgbClr r="0" g="0" b="0"/>
+      </a:lnRef>
+      <a:fillRef idx="0">
+        <a:scrgbClr r="0" g="0" b="0"/>
+      </a:fillRef>
+      <a:effectRef idx="0">
+        <a:scrgbClr r="0" g="0" b="0"/>
+      </a:effectRef>
+      <a:fontRef idx="minor"/>
+    </dgm:style>
+  </dgm:styleLbl>
+  <dgm:styleLbl name="parChTrans1D2">
+    <dgm:scene3d>
+      <a:camera prst="orthographicFront"/>
+      <a:lightRig rig="threePt" dir="t"/>
+    </dgm:scene3d>
+    <dgm:sp3d/>
+    <dgm:txPr/>
+    <dgm:style>
+      <a:lnRef idx="2">
+        <a:scrgbClr r="0" g="0" b="0"/>
+      </a:lnRef>
+      <a:fillRef idx="0">
+        <a:scrgbClr r="0" g="0" b="0"/>
+      </a:fillRef>
+      <a:effectRef idx="0">
+        <a:scrgbClr r="0" g="0" b="0"/>
+      </a:effectRef>
+      <a:fontRef idx="minor"/>
+    </dgm:style>
+  </dgm:styleLbl>
+  <dgm:styleLbl name="parChTrans1D3">
+    <dgm:scene3d>
+      <a:camera prst="orthographicFront"/>
+      <a:lightRig rig="threePt" dir="t"/>
+    </dgm:scene3d>
+    <dgm:sp3d/>
+    <dgm:txPr/>
+    <dgm:style>
+      <a:lnRef idx="2">
+        <a:scrgbClr r="0" g="0" b="0"/>
+      </a:lnRef>
+      <a:fillRef idx="0">
+        <a:scrgbClr r="0" g="0" b="0"/>
+      </a:fillRef>
+      <a:effectRef idx="0">
+        <a:scrgbClr r="0" g="0" b="0"/>
+      </a:effectRef>
+      <a:fontRef idx="minor"/>
+    </dgm:style>
+  </dgm:styleLbl>
+  <dgm:styleLbl name="parChTrans1D4">
+    <dgm:scene3d>
+      <a:camera prst="orthographicFront"/>
+      <a:lightRig rig="threePt" dir="t"/>
+    </dgm:scene3d>
+    <dgm:sp3d/>
+    <dgm:txPr/>
+    <dgm:style>
+      <a:lnRef idx="2">
+        <a:scrgbClr r="0" g="0" b="0"/>
+      </a:lnRef>
+      <a:fillRef idx="0">
+        <a:scrgbClr r="0" g="0" b="0"/>
+      </a:fillRef>
+      <a:effectRef idx="0">
+        <a:scrgbClr r="0" g="0" b="0"/>
+      </a:effectRef>
+      <a:fontRef idx="minor"/>
+    </dgm:style>
+  </dgm:styleLbl>
+  <dgm:styleLbl name="fgAcc1">
+    <dgm:scene3d>
+      <a:camera prst="orthographicFront"/>
+      <a:lightRig rig="threePt" dir="t"/>
+    </dgm:scene3d>
+    <dgm:sp3d/>
+    <dgm:txPr/>
+    <dgm:style>
+      <a:lnRef idx="2">
+        <a:scrgbClr r="0" g="0" b="0"/>
+      </a:lnRef>
+      <a:fillRef idx="1">
+        <a:scrgbClr r="0" g="0" b="0"/>
+      </a:fillRef>
+      <a:effectRef idx="0">
+        <a:scrgbClr r="0" g="0" b="0"/>
+      </a:effectRef>
+      <a:fontRef idx="minor"/>
+    </dgm:style>
+  </dgm:styleLbl>
+  <dgm:styleLbl name="conFgAcc1">
+    <dgm:scene3d>
+      <a:camera prst="orthographicFront"/>
+      <a:lightRig rig="threePt" dir="t"/>
+    </dgm:scene3d>
+    <dgm:sp3d/>
+    <dgm:txPr/>
+    <dgm:style>
+      <a:lnRef idx="2">
+        <a:scrgbClr r="0" g="0" b="0"/>
+      </a:lnRef>
+      <a:fillRef idx="1">
+        <a:scrgbClr r="0" g="0" b="0"/>
+      </a:fillRef>
+      <a:effectRef idx="0">
+        <a:scrgbClr r="0" g="0" b="0"/>
+      </a:effectRef>
+      <a:fontRef idx="minor"/>
+    </dgm:style>
+  </dgm:styleLbl>
+  <dgm:styleLbl name="alignAcc1">
+    <dgm:scene3d>
+      <a:camera prst="orthographicFront"/>
+      <a:lightRig rig="threePt" dir="t"/>
+    </dgm:scene3d>
+    <dgm:sp3d/>
+    <dgm:txPr/>
+    <dgm:style>
+      <a:lnRef idx="2">
+        <a:scrgbClr r="0" g="0" b="0"/>
+      </a:lnRef>
+      <a:fillRef idx="1">
+        <a:scrgbClr r="0" g="0" b="0"/>
+      </a:fillRef>
+      <a:effectRef idx="0">
+        <a:scrgbClr r="0" g="0" b="0"/>
+      </a:effectRef>
+      <a:fontRef idx="minor"/>
+    </dgm:style>
+  </dgm:styleLbl>
+  <dgm:styleLbl name="trAlignAcc1">
+    <dgm:scene3d>
+      <a:camera prst="orthographicFront"/>
+      <a:lightRig rig="threePt" dir="t"/>
+    </dgm:scene3d>
+    <dgm:sp3d/>
+    <dgm:txPr/>
+    <dgm:style>
+      <a:lnRef idx="1">
+        <a:scrgbClr r="0" g="0" b="0"/>
+      </a:lnRef>
+      <a:fillRef idx="1">
+        <a:scrgbClr r="0" g="0" b="0"/>
+      </a:fillRef>
+      <a:effectRef idx="0">
+        <a:scrgbClr r="0" g="0" b="0"/>
+      </a:effectRef>
+      <a:fontRef idx="minor"/>
+    </dgm:style>
+  </dgm:styleLbl>
+  <dgm:styleLbl name="bgAcc1">
+    <dgm:scene3d>
+      <a:camera prst="orthographicFront"/>
+      <a:lightRig rig="threePt" dir="t"/>
+    </dgm:scene3d>
+    <dgm:sp3d/>
+    <dgm:txPr/>
+    <dgm:style>
+      <a:lnRef idx="2">
+        <a:scrgbClr r="0" g="0" b="0"/>
+      </a:lnRef>
+      <a:fillRef idx="1">
+        <a:scrgbClr r="0" g="0" b="0"/>
+      </a:fillRef>
+      <a:effectRef idx="0">
+        <a:scrgbClr r="0" g="0" b="0"/>
+      </a:effectRef>
+      <a:fontRef idx="minor"/>
+    </dgm:style>
+  </dgm:styleLbl>
+  <dgm:styleLbl name="solidFgAcc1">
+    <dgm:scene3d>
+      <a:camera prst="orthographicFront"/>
+      <a:lightRig rig="threePt" dir="t"/>
+    </dgm:scene3d>
+    <dgm:sp3d/>
+    <dgm:txPr/>
+    <dgm:style>
+      <a:lnRef idx="2">
+        <a:scrgbClr r="0" g="0" b="0"/>
+      </a:lnRef>
+      <a:fillRef idx="1">
+        <a:scrgbClr r="0" g="0" b="0"/>
+      </a:fillRef>
+      <a:effectRef idx="0">
+        <a:scrgbClr r="0" g="0" b="0"/>
+      </a:effectRef>
+      <a:fontRef idx="minor"/>
+    </dgm:style>
+  </dgm:styleLbl>
+  <dgm:styleLbl name="solidAlignAcc1">
+    <dgm:scene3d>
+      <a:camera prst="orthographicFront"/>
+      <a:lightRig rig="threePt" dir="t"/>
+    </dgm:scene3d>
+    <dgm:sp3d/>
+    <dgm:txPr/>
+    <dgm:style>
+      <a:lnRef idx="2">
+        <a:scrgbClr r="0" g="0" b="0"/>
+      </a:lnRef>
+      <a:fillRef idx="1">
+        <a:scrgbClr r="0" g="0" b="0"/>
+      </a:fillRef>
+      <a:effectRef idx="0">
+        <a:scrgbClr r="0" g="0" b="0"/>
+      </a:effectRef>
+      <a:fontRef idx="minor"/>
+    </dgm:style>
+  </dgm:styleLbl>
+  <dgm:styleLbl name="solidBgAcc1">
+    <dgm:scene3d>
+      <a:camera prst="orthographicFront"/>
+      <a:lightRig rig="threePt" dir="t"/>
+    </dgm:scene3d>
+    <dgm:sp3d/>
+    <dgm:txPr/>
+    <dgm:style>
+      <a:lnRef idx="2">
+        <a:scrgbClr r="0" g="0" b="0"/>
+      </a:lnRef>
+      <a:fillRef idx="1">
+        <a:scrgbClr r="0" g="0" b="0"/>
+      </a:fillRef>
+      <a:effectRef idx="0">
+        <a:scrgbClr r="0" g="0" b="0"/>
+      </a:effectRef>
+      <a:fontRef idx="minor"/>
+    </dgm:style>
+  </dgm:styleLbl>
+  <dgm:styleLbl name="fgAccFollowNode1">
+    <dgm:scene3d>
+      <a:camera prst="orthographicFront"/>
+      <a:lightRig rig="threePt" dir="t"/>
+    </dgm:scene3d>
+    <dgm:sp3d/>
+    <dgm:txPr/>
+    <dgm:style>
+      <a:lnRef idx="2">
+        <a:scrgbClr r="0" g="0" b="0"/>
+      </a:lnRef>
+      <a:fillRef idx="1">
+        <a:scrgbClr r="0" g="0" b="0"/>
+      </a:fillRef>
+      <a:effectRef idx="0">
+        <a:scrgbClr r="0" g="0" b="0"/>
+      </a:effectRef>
+      <a:fontRef idx="minor"/>
+    </dgm:style>
+  </dgm:styleLbl>
+  <dgm:styleLbl name="alignAccFollowNode1">
+    <dgm:scene3d>
+      <a:camera prst="orthographicFront"/>
+      <a:lightRig rig="threePt" dir="t"/>
+    </dgm:scene3d>
+    <dgm:sp3d/>
+    <dgm:txPr/>
+    <dgm:style>
+      <a:lnRef idx="2">
+        <a:scrgbClr r="0" g="0" b="0"/>
+      </a:lnRef>
+      <a:fillRef idx="1">
+        <a:scrgbClr r="0" g="0" b="0"/>
+      </a:fillRef>
+      <a:effectRef idx="0">
+        <a:scrgbClr r="0" g="0" b="0"/>
+      </a:effectRef>
+      <a:fontRef idx="minor"/>
+    </dgm:style>
+  </dgm:styleLbl>
+  <dgm:styleLbl name="bgAccFollowNode1">
+    <dgm:scene3d>
+      <a:camera prst="orthographicFront"/>
+      <a:lightRig rig="threePt" dir="t"/>
+    </dgm:scene3d>
+    <dgm:sp3d/>
+    <dgm:txPr/>
+    <dgm:style>
+      <a:lnRef idx="2">
+        <a:scrgbClr r="0" g="0" b="0"/>
+      </a:lnRef>
+      <a:fillRef idx="1">
+        <a:scrgbClr r="0" g="0" b="0"/>
+      </a:fillRef>
+      <a:effectRef idx="0">
+        <a:scrgbClr r="0" g="0" b="0"/>
+      </a:effectRef>
+      <a:fontRef idx="minor"/>
+    </dgm:style>
+  </dgm:styleLbl>
+  <dgm:styleLbl name="fgAcc0">
+    <dgm:scene3d>
+      <a:camera prst="orthographicFront"/>
+      <a:lightRig rig="threePt" dir="t"/>
+    </dgm:scene3d>
+    <dgm:sp3d/>
+    <dgm:txPr/>
+    <dgm:style>
+      <a:lnRef idx="2">
+        <a:scrgbClr r="0" g="0" b="0"/>
+      </a:lnRef>
+      <a:fillRef idx="1">
+        <a:scrgbClr r="0" g="0" b="0"/>
+      </a:fillRef>
+      <a:effectRef idx="0">
+        <a:scrgbClr r="0" g="0" b="0"/>
+      </a:effectRef>
+      <a:fontRef idx="minor"/>
+    </dgm:style>
+  </dgm:styleLbl>
+  <dgm:styleLbl name="fgAcc2">
+    <dgm:scene3d>
+      <a:camera prst="orthographicFront"/>
+      <a:lightRig rig="threePt" dir="t"/>
+    </dgm:scene3d>
+    <dgm:sp3d/>
+    <dgm:txPr/>
+    <dgm:style>
+      <a:lnRef idx="2">
+        <a:scrgbClr r="0" g="0" b="0"/>
+      </a:lnRef>
+      <a:fillRef idx="1">
+        <a:scrgbClr r="0" g="0" b="0"/>
+      </a:fillRef>
+      <a:effectRef idx="0">
+        <a:scrgbClr r="0" g="0" b="0"/>
+      </a:effectRef>
+      <a:fontRef idx="minor"/>
+    </dgm:style>
+  </dgm:styleLbl>
+  <dgm:styleLbl name="fgAcc3">
+    <dgm:scene3d>
+      <a:camera prst="orthographicFront"/>
+      <a:lightRig rig="threePt" dir="t"/>
+    </dgm:scene3d>
+    <dgm:sp3d/>
+    <dgm:txPr/>
+    <dgm:style>
+      <a:lnRef idx="2">
+        <a:scrgbClr r="0" g="0" b="0"/>
+      </a:lnRef>
+      <a:fillRef idx="1">
+        <a:scrgbClr r="0" g="0" b="0"/>
+      </a:fillRef>
+      <a:effectRef idx="0">
+        <a:scrgbClr r="0" g="0" b="0"/>
+      </a:effectRef>
+      <a:fontRef idx="minor"/>
+    </dgm:style>
+  </dgm:styleLbl>
+  <dgm:styleLbl name="fgAcc4">
+    <dgm:scene3d>
+      <a:camera prst="orthographicFront"/>
+      <a:lightRig rig="threePt" dir="t"/>
+    </dgm:scene3d>
+    <dgm:sp3d/>
+    <dgm:txPr/>
+    <dgm:style>
+      <a:lnRef idx="2">
+        <a:scrgbClr r="0" g="0" b="0"/>
+      </a:lnRef>
+      <a:fillRef idx="1">
+        <a:scrgbClr r="0" g="0" b="0"/>
+      </a:fillRef>
+      <a:effectRef idx="0">
+        <a:scrgbClr r="0" g="0" b="0"/>
+      </a:effectRef>
+      <a:fontRef idx="minor"/>
+    </dgm:style>
+  </dgm:styleLbl>
+  <dgm:styleLbl name="bgShp">
+    <dgm:scene3d>
+      <a:camera prst="orthographicFront"/>
+      <a:lightRig rig="threePt" dir="t"/>
+    </dgm:scene3d>
+    <dgm:sp3d/>
+    <dgm:txPr/>
+    <dgm:style>
+      <a:lnRef idx="0">
+        <a:scrgbClr r="0" g="0" b="0"/>
+      </a:lnRef>
+      <a:fillRef idx="1">
+        <a:scrgbClr r="0" g="0" b="0"/>
+      </a:fillRef>
+      <a:effectRef idx="0">
+        <a:scrgbClr r="0" g="0" b="0"/>
+      </a:effectRef>
+      <a:fontRef idx="minor"/>
+    </dgm:style>
+  </dgm:styleLbl>
+  <dgm:styleLbl name="dkBgShp">
+    <dgm:scene3d>
+      <a:camera prst="orthographicFront"/>
+      <a:lightRig rig="threePt" dir="t"/>
+    </dgm:scene3d>
+    <dgm:sp3d/>
+    <dgm:txPr/>
+    <dgm:style>
+      <a:lnRef idx="0">
+        <a:scrgbClr r="0" g="0" b="0"/>
+      </a:lnRef>
+      <a:fillRef idx="1">
+        <a:scrgbClr r="0" g="0" b="0"/>
+      </a:fillRef>
+      <a:effectRef idx="0">
+        <a:scrgbClr r="0" g="0" b="0"/>
+      </a:effectRef>
+      <a:fontRef idx="minor"/>
+    </dgm:style>
+  </dgm:styleLbl>
+  <dgm:styleLbl name="trBgShp">
+    <dgm:scene3d>
+      <a:camera prst="orthographicFront"/>
+      <a:lightRig rig="threePt" dir="t"/>
+    </dgm:scene3d>
+    <dgm:sp3d/>
+    <dgm:txPr/>
+    <dgm:style>
+      <a:lnRef idx="0">
+        <a:scrgbClr r="0" g="0" b="0"/>
+      </a:lnRef>
+      <a:fillRef idx="1">
+        <a:scrgbClr r="0" g="0" b="0"/>
+      </a:fillRef>
+      <a:effectRef idx="0">
+        <a:scrgbClr r="0" g="0" b="0"/>
+      </a:effectRef>
+      <a:fontRef idx="minor"/>
+    </dgm:style>
+  </dgm:styleLbl>
+  <dgm:styleLbl name="fgShp">
+    <dgm:scene3d>
+      <a:camera prst="orthographicFront"/>
+      <a:lightRig rig="threePt" dir="t"/>
+    </dgm:scene3d>
+    <dgm:sp3d/>
+    <dgm:txPr/>
+    <dgm:style>
+      <a:lnRef idx="2">
+        <a:scrgbClr r="0" g="0" b="0"/>
+      </a:lnRef>
+      <a:fillRef idx="1">
+        <a:scrgbClr r="0" g="0" b="0"/>
+      </a:fillRef>
+      <a:effectRef idx="0">
         <a:scrgbClr r="0" g="0" b="0"/>
       </a:effectRef>
       <a:fontRef idx="minor"/>
@@ -6678,6 +11738,41 @@
           </a:graphicData>
         </a:graphic>
       </p:graphicFrame>
+      <p:sp>
+        <p:nvSpPr>
+          <p:cNvPr id="3" name="TextBox 2">
+            <a:extLst>
+              <a:ext uri="{FF2B5EF4-FFF2-40B4-BE49-F238E27FC236}">
+                <a16:creationId xmlns:a16="http://schemas.microsoft.com/office/drawing/2014/main" id="{3E32EAC2-5FC7-4782-AB9F-1425CAF7FAE0}"/>
+              </a:ext>
+            </a:extLst>
+          </p:cNvPr>
+          <p:cNvSpPr txBox="1"/>
+          <p:nvPr/>
+        </p:nvSpPr>
+        <p:spPr>
+          <a:xfrm>
+            <a:off x="390617" y="5386526"/>
+            <a:ext cx="3764133" cy="646331"/>
+          </a:xfrm>
+          <a:prstGeom prst="rect">
+            <a:avLst/>
+          </a:prstGeom>
+          <a:noFill/>
+        </p:spPr>
+        <p:txBody>
+          <a:bodyPr wrap="square" rtlCol="0">
+            <a:spAutoFit/>
+          </a:bodyPr>
+          <a:lstStyle/>
+          <a:p>
+            <a:r>
+              <a:rPr lang="en-GB" dirty="0"/>
+              <a:t>A system cannot be completely isolated and still remain usefull</a:t>
+            </a:r>
+          </a:p>
+        </p:txBody>
+      </p:sp>
     </p:spTree>
     <p:extLst>
       <p:ext uri="{BB962C8B-B14F-4D97-AF65-F5344CB8AC3E}">
@@ -6760,11 +11855,97 @@
         </p:blipFill>
         <p:spPr>
           <a:xfrm>
-            <a:off x="4504249" y="1438652"/>
+            <a:off x="1148489" y="1261099"/>
             <a:ext cx="3183502" cy="5180427"/>
           </a:xfrm>
         </p:spPr>
       </p:pic>
+      <p:sp>
+        <p:nvSpPr>
+          <p:cNvPr id="3" name="TextBox 2">
+            <a:extLst>
+              <a:ext uri="{FF2B5EF4-FFF2-40B4-BE49-F238E27FC236}">
+                <a16:creationId xmlns:a16="http://schemas.microsoft.com/office/drawing/2014/main" id="{9B6820F3-44BC-48FE-938A-8A37756C608D}"/>
+              </a:ext>
+            </a:extLst>
+          </p:cNvPr>
+          <p:cNvSpPr txBox="1"/>
+          <p:nvPr/>
+        </p:nvSpPr>
+        <p:spPr>
+          <a:xfrm>
+            <a:off x="5264458" y="1642369"/>
+            <a:ext cx="5530789" cy="4801314"/>
+          </a:xfrm>
+          <a:prstGeom prst="rect">
+            <a:avLst/>
+          </a:prstGeom>
+          <a:noFill/>
+        </p:spPr>
+        <p:txBody>
+          <a:bodyPr wrap="square" rtlCol="0">
+            <a:spAutoFit/>
+          </a:bodyPr>
+          <a:lstStyle/>
+          <a:p>
+            <a:r>
+              <a:rPr lang="en-GB" dirty="0"/>
+              <a:t>The Barnum effect</a:t>
+            </a:r>
+          </a:p>
+          <a:p>
+            <a:endParaRPr lang="en-GB" dirty="0"/>
+          </a:p>
+          <a:p>
+            <a:endParaRPr lang="en-GB" dirty="0"/>
+          </a:p>
+          <a:p>
+            <a:r>
+              <a:rPr lang="en-GB" dirty="0"/>
+              <a:t>A tactic used by magicians for century’s</a:t>
+            </a:r>
+          </a:p>
+          <a:p>
+            <a:r>
+              <a:rPr lang="en-GB" dirty="0"/>
+              <a:t> </a:t>
+            </a:r>
+          </a:p>
+          <a:p>
+            <a:r>
+              <a:rPr lang="en-GB" dirty="0"/>
+              <a:t>It states that specific things about someone will seem very personal and accurate to just them</a:t>
+            </a:r>
+          </a:p>
+          <a:p>
+            <a:endParaRPr lang="en-GB" dirty="0"/>
+          </a:p>
+          <a:p>
+            <a:r>
+              <a:rPr lang="en-GB" dirty="0"/>
+              <a:t>But in reality they apply to the vast majority of the population</a:t>
+            </a:r>
+          </a:p>
+          <a:p>
+            <a:endParaRPr lang="en-GB" dirty="0"/>
+          </a:p>
+          <a:p>
+            <a:r>
+              <a:rPr lang="en-GB" dirty="0"/>
+              <a:t>A basic example is “you project an outward persona of confidence, yet you are quite timid and anxious on the inside”</a:t>
+            </a:r>
+          </a:p>
+          <a:p>
+            <a:endParaRPr lang="en-GB" dirty="0"/>
+          </a:p>
+          <a:p>
+            <a:r>
+              <a:rPr lang="en-GB" dirty="0"/>
+              <a:t>By playing the numbers and knowing the data, you can appear almost telepathic 99% of the time.</a:t>
+            </a:r>
+          </a:p>
+        </p:txBody>
+      </p:sp>
     </p:spTree>
     <p:extLst>
       <p:ext uri="{BB962C8B-B14F-4D97-AF65-F5344CB8AC3E}">
@@ -7216,6 +12397,14 @@
 <file path=ppt/slides/slide5.xml><?xml version="1.0" encoding="utf-8"?>
 <p:sld xmlns:a="http://schemas.openxmlformats.org/drawingml/2006/main" xmlns:r="http://schemas.openxmlformats.org/officeDocument/2006/relationships" xmlns:p="http://schemas.openxmlformats.org/presentationml/2006/main">
   <p:cSld>
+    <p:bg>
+      <p:bgPr>
+        <a:solidFill>
+          <a:schemeClr val="bg2"/>
+        </a:solidFill>
+        <a:effectLst/>
+      </p:bgPr>
+    </p:bg>
     <p:spTree>
       <p:nvGrpSpPr>
         <p:cNvPr id="1" name=""/>
@@ -7230,6 +12419,69 @@
           <a:chExt cx="0" cy="0"/>
         </a:xfrm>
       </p:grpSpPr>
+      <p:sp useBgFill="1">
+        <p:nvSpPr>
+          <p:cNvPr id="9" name="Rectangle 8">
+            <a:extLst>
+              <a:ext uri="{FF2B5EF4-FFF2-40B4-BE49-F238E27FC236}">
+                <a16:creationId xmlns:a16="http://schemas.microsoft.com/office/drawing/2014/main" id="{7F532A73-CC48-4B70-913D-D8D4400F85DE}"/>
+              </a:ext>
+              <a:ext uri="{C183D7F6-B498-43B3-948B-1728B52AA6E4}">
+                <adec:decorative xmlns:adec="http://schemas.microsoft.com/office/drawing/2017/decorative" val="1"/>
+              </a:ext>
+            </a:extLst>
+          </p:cNvPr>
+          <p:cNvSpPr>
+            <a:spLocks noGrp="1" noRot="1" noChangeAspect="1" noMove="1" noResize="1" noEditPoints="1" noAdjustHandles="1" noChangeArrowheads="1" noChangeShapeType="1" noTextEdit="1"/>
+          </p:cNvSpPr>
+          <p:nvPr>
+            <p:extLst>
+              <p:ext uri="{386F3935-93C4-4BCD-93E2-E3B085C9AB24}">
+                <p16:designElem xmlns:p16="http://schemas.microsoft.com/office/powerpoint/2015/main" val="1"/>
+              </p:ext>
+            </p:extLst>
+          </p:nvPr>
+        </p:nvSpPr>
+        <p:spPr>
+          <a:xfrm>
+            <a:off x="0" y="0"/>
+            <a:ext cx="12192000" cy="6858000"/>
+          </a:xfrm>
+          <a:prstGeom prst="rect">
+            <a:avLst/>
+          </a:prstGeom>
+          <a:ln w="12700" cap="flat" cmpd="sng" algn="ctr">
+            <a:noFill/>
+            <a:prstDash val="solid"/>
+            <a:miter lim="800000"/>
+          </a:ln>
+          <a:effectLst/>
+        </p:spPr>
+        <p:style>
+          <a:lnRef idx="2">
+            <a:schemeClr val="accent1">
+              <a:shade val="50000"/>
+            </a:schemeClr>
+          </a:lnRef>
+          <a:fillRef idx="1">
+            <a:schemeClr val="accent1"/>
+          </a:fillRef>
+          <a:effectRef idx="0">
+            <a:schemeClr val="accent1"/>
+          </a:effectRef>
+          <a:fontRef idx="minor">
+            <a:schemeClr val="lt1"/>
+          </a:fontRef>
+        </p:style>
+        <p:txBody>
+          <a:bodyPr rtlCol="0" anchor="ctr"/>
+          <a:lstStyle/>
+          <a:p>
+            <a:pPr algn="ctr"/>
+            <a:endParaRPr lang="en-US"/>
+          </a:p>
+        </p:txBody>
+      </p:sp>
       <p:sp>
         <p:nvSpPr>
           <p:cNvPr id="2" name="Title 1">
@@ -7246,9 +12498,16 @@
             <p:ph type="title"/>
           </p:nvPr>
         </p:nvSpPr>
-        <p:spPr/>
+        <p:spPr>
+          <a:xfrm>
+            <a:off x="720000" y="619200"/>
+            <a:ext cx="3107463" cy="5510138"/>
+          </a:xfrm>
+        </p:spPr>
         <p:txBody>
-          <a:bodyPr/>
+          <a:bodyPr>
+            <a:normAutofit/>
+          </a:bodyPr>
           <a:lstStyle/>
           <a:p>
             <a:r>
@@ -7258,54 +12517,37 @@
           </a:p>
         </p:txBody>
       </p:sp>
-      <p:sp>
-        <p:nvSpPr>
-          <p:cNvPr id="3" name="Content Placeholder 2">
+      <p:graphicFrame>
+        <p:nvGraphicFramePr>
+          <p:cNvPr id="5" name="Content Placeholder 2">
             <a:extLst>
               <a:ext uri="{FF2B5EF4-FFF2-40B4-BE49-F238E27FC236}">
-                <a16:creationId xmlns:a16="http://schemas.microsoft.com/office/drawing/2014/main" id="{52F75E1B-F218-4D91-BB28-36E19D0AB7FE}"/>
+                <a16:creationId xmlns:a16="http://schemas.microsoft.com/office/drawing/2014/main" id="{571C51FE-7107-AF29-1A66-77CA71508055}"/>
               </a:ext>
             </a:extLst>
           </p:cNvPr>
-          <p:cNvSpPr>
-            <a:spLocks noGrp="1"/>
-          </p:cNvSpPr>
+          <p:cNvGraphicFramePr>
+            <a:graphicFrameLocks noGrp="1"/>
+          </p:cNvGraphicFramePr>
           <p:nvPr>
             <p:ph idx="1"/>
+            <p:extLst>
+              <p:ext uri="{D42A27DB-BD31-4B8C-83A1-F6EECF244321}">
+                <p14:modId xmlns:p14="http://schemas.microsoft.com/office/powerpoint/2010/main" val="854116896"/>
+              </p:ext>
+            </p:extLst>
           </p:nvPr>
-        </p:nvSpPr>
-        <p:spPr/>
-        <p:txBody>
-          <a:bodyPr/>
-          <a:lstStyle/>
-          <a:p>
-            <a:r>
-              <a:rPr lang="en-GB" dirty="0"/>
-              <a:t>Passwords are processed via a one way hashing algorithm</a:t>
-            </a:r>
-          </a:p>
-          <a:p>
-            <a:r>
-              <a:rPr lang="en-GB" dirty="0"/>
-              <a:t>To turn a password back into human readable format, you need to hash potential passwords and see if they match</a:t>
-            </a:r>
-          </a:p>
-          <a:p>
-            <a:r>
-              <a:rPr lang="en-GB" dirty="0"/>
-              <a:t>Rainbow tables contain a </a:t>
-            </a:r>
-            <a:r>
-              <a:rPr lang="en-GB" dirty="0" err="1"/>
-              <a:t>dataframe</a:t>
-            </a:r>
-            <a:r>
-              <a:rPr lang="en-GB" dirty="0"/>
-              <a:t> of millions of passwords and their hashes together, so cracking the password becomes the much easier search operation.</a:t>
-            </a:r>
-          </a:p>
-        </p:txBody>
-      </p:sp>
+        </p:nvGraphicFramePr>
+        <p:xfrm>
+          <a:off x="4548189" y="728664"/>
+          <a:ext cx="6900862" cy="5400674"/>
+        </p:xfrm>
+        <a:graphic>
+          <a:graphicData uri="http://schemas.openxmlformats.org/drawingml/2006/diagram">
+            <dgm:relIds xmlns:dgm="http://schemas.openxmlformats.org/drawingml/2006/diagram" xmlns:r="http://schemas.openxmlformats.org/officeDocument/2006/relationships" r:dm="rId2" r:lo="rId3" r:qs="rId4" r:cs="rId5"/>
+          </a:graphicData>
+        </a:graphic>
+      </p:graphicFrame>
     </p:spTree>
     <p:extLst>
       <p:ext uri="{BB962C8B-B14F-4D97-AF65-F5344CB8AC3E}">
@@ -7322,6 +12564,14 @@
 <file path=ppt/slides/slide6.xml><?xml version="1.0" encoding="utf-8"?>
 <p:sld xmlns:a="http://schemas.openxmlformats.org/drawingml/2006/main" xmlns:r="http://schemas.openxmlformats.org/officeDocument/2006/relationships" xmlns:p="http://schemas.openxmlformats.org/presentationml/2006/main">
   <p:cSld>
+    <p:bg>
+      <p:bgPr>
+        <a:solidFill>
+          <a:schemeClr val="bg2"/>
+        </a:solidFill>
+        <a:effectLst/>
+      </p:bgPr>
+    </p:bg>
     <p:spTree>
       <p:nvGrpSpPr>
         <p:cNvPr id="1" name=""/>
@@ -7336,6 +12586,297 @@
           <a:chExt cx="0" cy="0"/>
         </a:xfrm>
       </p:grpSpPr>
+      <p:sp useBgFill="1">
+        <p:nvSpPr>
+          <p:cNvPr id="8" name="Rectangle 7">
+            <a:extLst>
+              <a:ext uri="{FF2B5EF4-FFF2-40B4-BE49-F238E27FC236}">
+                <a16:creationId xmlns:a16="http://schemas.microsoft.com/office/drawing/2014/main" id="{AFAE2A12-140C-4527-B721-72C1DD3FC66D}"/>
+              </a:ext>
+              <a:ext uri="{C183D7F6-B498-43B3-948B-1728B52AA6E4}">
+                <adec:decorative xmlns:adec="http://schemas.microsoft.com/office/drawing/2017/decorative" val="1"/>
+              </a:ext>
+            </a:extLst>
+          </p:cNvPr>
+          <p:cNvSpPr>
+            <a:spLocks noGrp="1" noRot="1" noChangeAspect="1" noMove="1" noResize="1" noEditPoints="1" noAdjustHandles="1" noChangeArrowheads="1" noChangeShapeType="1" noTextEdit="1"/>
+          </p:cNvSpPr>
+          <p:nvPr>
+            <p:extLst>
+              <p:ext uri="{386F3935-93C4-4BCD-93E2-E3B085C9AB24}">
+                <p16:designElem xmlns:p16="http://schemas.microsoft.com/office/powerpoint/2015/main" val="1"/>
+              </p:ext>
+            </p:extLst>
+          </p:nvPr>
+        </p:nvSpPr>
+        <p:spPr>
+          <a:xfrm>
+            <a:off x="0" y="0"/>
+            <a:ext cx="12192000" cy="6858000"/>
+          </a:xfrm>
+          <a:prstGeom prst="rect">
+            <a:avLst/>
+          </a:prstGeom>
+          <a:ln w="12700" cap="flat" cmpd="sng" algn="ctr">
+            <a:noFill/>
+            <a:prstDash val="solid"/>
+            <a:miter lim="800000"/>
+          </a:ln>
+          <a:effectLst/>
+        </p:spPr>
+        <p:style>
+          <a:lnRef idx="2">
+            <a:schemeClr val="accent1">
+              <a:shade val="50000"/>
+            </a:schemeClr>
+          </a:lnRef>
+          <a:fillRef idx="1">
+            <a:schemeClr val="accent1"/>
+          </a:fillRef>
+          <a:effectRef idx="0">
+            <a:schemeClr val="accent1"/>
+          </a:effectRef>
+          <a:fontRef idx="minor">
+            <a:schemeClr val="lt1"/>
+          </a:fontRef>
+        </p:style>
+        <p:txBody>
+          <a:bodyPr rtlCol="0" anchor="ctr"/>
+          <a:lstStyle/>
+          <a:p>
+            <a:pPr algn="ctr"/>
+            <a:endParaRPr lang="en-US"/>
+          </a:p>
+        </p:txBody>
+      </p:sp>
+      <p:sp>
+        <p:nvSpPr>
+          <p:cNvPr id="10" name="Rectangle 9">
+            <a:extLst>
+              <a:ext uri="{FF2B5EF4-FFF2-40B4-BE49-F238E27FC236}">
+                <a16:creationId xmlns:a16="http://schemas.microsoft.com/office/drawing/2014/main" id="{A5B43FC7-6A19-4DF3-8506-485B555007D9}"/>
+              </a:ext>
+              <a:ext uri="{C183D7F6-B498-43B3-948B-1728B52AA6E4}">
+                <adec:decorative xmlns:adec="http://schemas.microsoft.com/office/drawing/2017/decorative" val="1"/>
+              </a:ext>
+            </a:extLst>
+          </p:cNvPr>
+          <p:cNvSpPr>
+            <a:spLocks noGrp="1" noRot="1" noChangeAspect="1" noMove="1" noResize="1" noEditPoints="1" noAdjustHandles="1" noChangeArrowheads="1" noChangeShapeType="1" noTextEdit="1"/>
+          </p:cNvSpPr>
+          <p:nvPr>
+            <p:extLst>
+              <p:ext uri="{386F3935-93C4-4BCD-93E2-E3B085C9AB24}">
+                <p16:designElem xmlns:p16="http://schemas.microsoft.com/office/powerpoint/2015/main" val="1"/>
+              </p:ext>
+            </p:extLst>
+          </p:nvPr>
+        </p:nvSpPr>
+        <p:spPr>
+          <a:xfrm>
+            <a:off x="0" y="0"/>
+            <a:ext cx="12192000" cy="6858000"/>
+          </a:xfrm>
+          <a:prstGeom prst="rect">
+            <a:avLst/>
+          </a:prstGeom>
+          <a:solidFill>
+            <a:schemeClr val="bg2">
+              <a:lumMod val="90000"/>
+              <a:lumOff val="10000"/>
+            </a:schemeClr>
+          </a:solidFill>
+          <a:ln w="12700" cap="flat" cmpd="sng" algn="ctr">
+            <a:noFill/>
+            <a:prstDash val="solid"/>
+            <a:miter lim="800000"/>
+          </a:ln>
+          <a:effectLst/>
+        </p:spPr>
+        <p:style>
+          <a:lnRef idx="2">
+            <a:schemeClr val="accent1">
+              <a:shade val="50000"/>
+            </a:schemeClr>
+          </a:lnRef>
+          <a:fillRef idx="1">
+            <a:schemeClr val="accent1"/>
+          </a:fillRef>
+          <a:effectRef idx="0">
+            <a:schemeClr val="accent1"/>
+          </a:effectRef>
+          <a:fontRef idx="minor">
+            <a:schemeClr val="lt1"/>
+          </a:fontRef>
+        </p:style>
+        <p:txBody>
+          <a:bodyPr rtlCol="0" anchor="ctr"/>
+          <a:lstStyle/>
+          <a:p>
+            <a:pPr algn="ctr"/>
+            <a:endParaRPr lang="en-US"/>
+          </a:p>
+        </p:txBody>
+      </p:sp>
+      <p:sp>
+        <p:nvSpPr>
+          <p:cNvPr id="12" name="Freeform: Shape 11">
+            <a:extLst>
+              <a:ext uri="{FF2B5EF4-FFF2-40B4-BE49-F238E27FC236}">
+                <a16:creationId xmlns:a16="http://schemas.microsoft.com/office/drawing/2014/main" id="{7E689040-6301-4CD3-A20F-EA809EAD514F}"/>
+              </a:ext>
+              <a:ext uri="{C183D7F6-B498-43B3-948B-1728B52AA6E4}">
+                <adec:decorative xmlns:adec="http://schemas.microsoft.com/office/drawing/2017/decorative" val="1"/>
+              </a:ext>
+            </a:extLst>
+          </p:cNvPr>
+          <p:cNvSpPr>
+            <a:spLocks noGrp="1" noRot="1" noChangeAspect="1" noMove="1" noResize="1" noEditPoints="1" noAdjustHandles="1" noChangeArrowheads="1" noChangeShapeType="1" noTextEdit="1"/>
+          </p:cNvSpPr>
+          <p:nvPr>
+            <p:extLst>
+              <p:ext uri="{386F3935-93C4-4BCD-93E2-E3B085C9AB24}">
+                <p16:designElem xmlns:p16="http://schemas.microsoft.com/office/powerpoint/2015/main" val="1"/>
+              </p:ext>
+            </p:extLst>
+          </p:nvPr>
+        </p:nvSpPr>
+        <p:spPr>
+          <a:xfrm>
+            <a:off x="0" y="0"/>
+            <a:ext cx="12192000" cy="6858000"/>
+          </a:xfrm>
+          <a:custGeom>
+            <a:avLst/>
+            <a:gdLst>
+              <a:gd name="connsiteX0" fmla="*/ 0 w 12192000"/>
+              <a:gd name="connsiteY0" fmla="*/ 0 h 6858000"/>
+              <a:gd name="connsiteX1" fmla="*/ 10344100 w 12192000"/>
+              <a:gd name="connsiteY1" fmla="*/ 0 h 6858000"/>
+              <a:gd name="connsiteX2" fmla="*/ 10628041 w 12192000"/>
+              <a:gd name="connsiteY2" fmla="*/ 181981 h 6858000"/>
+              <a:gd name="connsiteX3" fmla="*/ 10890786 w 12192000"/>
+              <a:gd name="connsiteY3" fmla="*/ 404196 h 6858000"/>
+              <a:gd name="connsiteX4" fmla="*/ 12140703 w 12192000"/>
+              <a:gd name="connsiteY4" fmla="*/ 2501275 h 6858000"/>
+              <a:gd name="connsiteX5" fmla="*/ 12192000 w 12192000"/>
+              <a:gd name="connsiteY5" fmla="*/ 2695497 h 6858000"/>
+              <a:gd name="connsiteX6" fmla="*/ 12192000 w 12192000"/>
+              <a:gd name="connsiteY6" fmla="*/ 5699618 h 6858000"/>
+              <a:gd name="connsiteX7" fmla="*/ 12152883 w 12192000"/>
+              <a:gd name="connsiteY7" fmla="*/ 5839731 h 6858000"/>
+              <a:gd name="connsiteX8" fmla="*/ 11693517 w 12192000"/>
+              <a:gd name="connsiteY8" fmla="*/ 6719283 h 6858000"/>
+              <a:gd name="connsiteX9" fmla="*/ 11571478 w 12192000"/>
+              <a:gd name="connsiteY9" fmla="*/ 6858000 h 6858000"/>
+              <a:gd name="connsiteX10" fmla="*/ 0 w 12192000"/>
+              <a:gd name="connsiteY10" fmla="*/ 6858000 h 6858000"/>
+            </a:gdLst>
+            <a:ahLst/>
+            <a:cxnLst>
+              <a:cxn ang="0">
+                <a:pos x="connsiteX0" y="connsiteY0"/>
+              </a:cxn>
+              <a:cxn ang="0">
+                <a:pos x="connsiteX1" y="connsiteY1"/>
+              </a:cxn>
+              <a:cxn ang="0">
+                <a:pos x="connsiteX2" y="connsiteY2"/>
+              </a:cxn>
+              <a:cxn ang="0">
+                <a:pos x="connsiteX3" y="connsiteY3"/>
+              </a:cxn>
+              <a:cxn ang="0">
+                <a:pos x="connsiteX4" y="connsiteY4"/>
+              </a:cxn>
+              <a:cxn ang="0">
+                <a:pos x="connsiteX5" y="connsiteY5"/>
+              </a:cxn>
+              <a:cxn ang="0">
+                <a:pos x="connsiteX6" y="connsiteY6"/>
+              </a:cxn>
+              <a:cxn ang="0">
+                <a:pos x="connsiteX7" y="connsiteY7"/>
+              </a:cxn>
+              <a:cxn ang="0">
+                <a:pos x="connsiteX8" y="connsiteY8"/>
+              </a:cxn>
+              <a:cxn ang="0">
+                <a:pos x="connsiteX9" y="connsiteY9"/>
+              </a:cxn>
+              <a:cxn ang="0">
+                <a:pos x="connsiteX10" y="connsiteY10"/>
+              </a:cxn>
+            </a:cxnLst>
+            <a:rect l="l" t="t" r="r" b="b"/>
+            <a:pathLst>
+              <a:path w="12192000" h="6858000">
+                <a:moveTo>
+                  <a:pt x="0" y="0"/>
+                </a:moveTo>
+                <a:lnTo>
+                  <a:pt x="10344100" y="0"/>
+                </a:lnTo>
+                <a:lnTo>
+                  <a:pt x="10628041" y="181981"/>
+                </a:lnTo>
+                <a:cubicBezTo>
+                  <a:pt x="10728383" y="255277"/>
+                  <a:pt x="10816544" y="329736"/>
+                  <a:pt x="10890786" y="404196"/>
+                </a:cubicBezTo>
+                <a:cubicBezTo>
+                  <a:pt x="11447593" y="962641"/>
+                  <a:pt x="11888399" y="1637430"/>
+                  <a:pt x="12140703" y="2501275"/>
+                </a:cubicBezTo>
+                <a:lnTo>
+                  <a:pt x="12192000" y="2695497"/>
+                </a:lnTo>
+                <a:lnTo>
+                  <a:pt x="12192000" y="5699618"/>
+                </a:lnTo>
+                <a:lnTo>
+                  <a:pt x="12152883" y="5839731"/>
+                </a:lnTo>
+                <a:cubicBezTo>
+                  <a:pt x="12041522" y="6174798"/>
+                  <a:pt x="11888399" y="6467982"/>
+                  <a:pt x="11693517" y="6719283"/>
+                </a:cubicBezTo>
+                <a:lnTo>
+                  <a:pt x="11571478" y="6858000"/>
+                </a:lnTo>
+                <a:lnTo>
+                  <a:pt x="0" y="6858000"/>
+                </a:lnTo>
+                <a:close/>
+              </a:path>
+            </a:pathLst>
+          </a:custGeom>
+          <a:solidFill>
+            <a:schemeClr val="bg2"/>
+          </a:solidFill>
+          <a:ln>
+            <a:noFill/>
+          </a:ln>
+        </p:spPr>
+        <p:txBody>
+          <a:bodyPr vert="horz" wrap="square" lIns="91440" tIns="45720" rIns="91440" bIns="45720" numCol="1" anchor="t" anchorCtr="0" compatLnSpc="1">
+            <a:prstTxWarp prst="textNoShape">
+              <a:avLst/>
+            </a:prstTxWarp>
+          </a:bodyPr>
+          <a:lstStyle/>
+          <a:p>
+            <a:endParaRPr lang="en-US">
+              <a:solidFill>
+                <a:schemeClr val="tx1"/>
+              </a:solidFill>
+            </a:endParaRPr>
+          </a:p>
+        </p:txBody>
+      </p:sp>
       <p:sp>
         <p:nvSpPr>
           <p:cNvPr id="2" name="Title 1">
@@ -7352,9 +12893,16 @@
             <p:ph type="title"/>
           </p:nvPr>
         </p:nvSpPr>
-        <p:spPr/>
+        <p:spPr>
+          <a:xfrm>
+            <a:off x="720000" y="619200"/>
+            <a:ext cx="6923813" cy="1477328"/>
+          </a:xfrm>
+        </p:spPr>
         <p:txBody>
-          <a:bodyPr/>
+          <a:bodyPr>
+            <a:normAutofit/>
+          </a:bodyPr>
           <a:lstStyle/>
           <a:p>
             <a:r>
@@ -7382,25 +12930,64 @@
         </p:nvSpPr>
         <p:spPr>
           <a:xfrm>
-            <a:off x="719997" y="2568233"/>
-            <a:ext cx="10728325" cy="3227375"/>
+            <a:off x="720000" y="2448000"/>
+            <a:ext cx="10716487" cy="3320975"/>
           </a:xfrm>
         </p:spPr>
         <p:txBody>
-          <a:bodyPr/>
+          <a:bodyPr>
+            <a:normAutofit/>
+          </a:bodyPr>
           <a:lstStyle/>
           <a:p>
+            <a:pPr>
+              <a:lnSpc>
+                <a:spcPct val="110000"/>
+              </a:lnSpc>
+            </a:pPr>
             <a:r>
-              <a:rPr lang="en-GB" dirty="0"/>
-              <a:t>Let me guess your passwords</a:t>
+              <a:rPr lang="en-GB" sz="2600" dirty="0"/>
+              <a:t>Let me guess your passwords for a one cap and number password</a:t>
             </a:r>
           </a:p>
           <a:p>
-            <a:endParaRPr lang="en-GB" dirty="0"/>
-          </a:p>
-          <a:p>
+            <a:pPr>
+              <a:lnSpc>
+                <a:spcPct val="110000"/>
+              </a:lnSpc>
+            </a:pPr>
             <a:r>
-              <a:rPr lang="en-GB" dirty="0"/>
+              <a:rPr lang="en-GB" sz="2600" dirty="0"/>
+              <a:t>Cap in front, lower case, then the numbers.</a:t>
+            </a:r>
+          </a:p>
+          <a:p>
+            <a:pPr>
+              <a:lnSpc>
+                <a:spcPct val="110000"/>
+              </a:lnSpc>
+            </a:pPr>
+            <a:r>
+              <a:rPr lang="en-GB" sz="2600" dirty="0"/>
+              <a:t>This cuts down the possible combinations by quadrillions</a:t>
+            </a:r>
+          </a:p>
+          <a:p>
+            <a:pPr>
+              <a:lnSpc>
+                <a:spcPct val="110000"/>
+              </a:lnSpc>
+            </a:pPr>
+            <a:endParaRPr lang="en-GB" sz="2600" dirty="0"/>
+          </a:p>
+          <a:p>
+            <a:pPr>
+              <a:lnSpc>
+                <a:spcPct val="110000"/>
+              </a:lnSpc>
+            </a:pPr>
+            <a:r>
+              <a:rPr lang="en-GB" sz="2600" dirty="0"/>
               <a:t>Alternatively I can generate data and brute force it</a:t>
             </a:r>
           </a:p>
@@ -7422,6 +13009,14 @@
 <file path=ppt/slides/slide7.xml><?xml version="1.0" encoding="utf-8"?>
 <p:sld xmlns:a="http://schemas.openxmlformats.org/drawingml/2006/main" xmlns:r="http://schemas.openxmlformats.org/officeDocument/2006/relationships" xmlns:p="http://schemas.openxmlformats.org/presentationml/2006/main">
   <p:cSld>
+    <p:bg>
+      <p:bgPr>
+        <a:solidFill>
+          <a:schemeClr val="bg2"/>
+        </a:solidFill>
+        <a:effectLst/>
+      </p:bgPr>
+    </p:bg>
     <p:spTree>
       <p:nvGrpSpPr>
         <p:cNvPr id="1" name=""/>
@@ -7436,6 +13031,270 @@
           <a:chExt cx="0" cy="0"/>
         </a:xfrm>
       </p:grpSpPr>
+      <p:sp useBgFill="1">
+        <p:nvSpPr>
+          <p:cNvPr id="8" name="Rectangle 7">
+            <a:extLst>
+              <a:ext uri="{FF2B5EF4-FFF2-40B4-BE49-F238E27FC236}">
+                <a16:creationId xmlns:a16="http://schemas.microsoft.com/office/drawing/2014/main" id="{6E9D6223-8D87-4038-BE74-D5224B024FFD}"/>
+              </a:ext>
+              <a:ext uri="{C183D7F6-B498-43B3-948B-1728B52AA6E4}">
+                <adec:decorative xmlns:adec="http://schemas.microsoft.com/office/drawing/2017/decorative" val="1"/>
+              </a:ext>
+            </a:extLst>
+          </p:cNvPr>
+          <p:cNvSpPr>
+            <a:spLocks noGrp="1" noRot="1" noChangeAspect="1" noMove="1" noResize="1" noEditPoints="1" noAdjustHandles="1" noChangeArrowheads="1" noChangeShapeType="1" noTextEdit="1"/>
+          </p:cNvSpPr>
+          <p:nvPr>
+            <p:extLst>
+              <p:ext uri="{386F3935-93C4-4BCD-93E2-E3B085C9AB24}">
+                <p16:designElem xmlns:p16="http://schemas.microsoft.com/office/powerpoint/2015/main" val="1"/>
+              </p:ext>
+            </p:extLst>
+          </p:nvPr>
+        </p:nvSpPr>
+        <p:spPr>
+          <a:xfrm>
+            <a:off x="0" y="0"/>
+            <a:ext cx="12192000" cy="6858000"/>
+          </a:xfrm>
+          <a:prstGeom prst="rect">
+            <a:avLst/>
+          </a:prstGeom>
+          <a:ln w="12700" cap="flat" cmpd="sng" algn="ctr">
+            <a:noFill/>
+            <a:prstDash val="solid"/>
+            <a:miter lim="800000"/>
+          </a:ln>
+          <a:effectLst/>
+        </p:spPr>
+        <p:style>
+          <a:lnRef idx="2">
+            <a:schemeClr val="accent1">
+              <a:shade val="50000"/>
+            </a:schemeClr>
+          </a:lnRef>
+          <a:fillRef idx="1">
+            <a:schemeClr val="accent1"/>
+          </a:fillRef>
+          <a:effectRef idx="0">
+            <a:schemeClr val="accent1"/>
+          </a:effectRef>
+          <a:fontRef idx="minor">
+            <a:schemeClr val="lt1"/>
+          </a:fontRef>
+        </p:style>
+        <p:txBody>
+          <a:bodyPr rtlCol="0" anchor="ctr"/>
+          <a:lstStyle/>
+          <a:p>
+            <a:pPr algn="ctr"/>
+            <a:endParaRPr lang="en-US"/>
+          </a:p>
+        </p:txBody>
+      </p:sp>
+      <p:sp>
+        <p:nvSpPr>
+          <p:cNvPr id="10" name="Rectangle 9">
+            <a:extLst>
+              <a:ext uri="{FF2B5EF4-FFF2-40B4-BE49-F238E27FC236}">
+                <a16:creationId xmlns:a16="http://schemas.microsoft.com/office/drawing/2014/main" id="{A46FBF49-EC0D-4E09-A77B-DB4E8257E7EA}"/>
+              </a:ext>
+              <a:ext uri="{C183D7F6-B498-43B3-948B-1728B52AA6E4}">
+                <adec:decorative xmlns:adec="http://schemas.microsoft.com/office/drawing/2017/decorative" val="1"/>
+              </a:ext>
+            </a:extLst>
+          </p:cNvPr>
+          <p:cNvSpPr>
+            <a:spLocks noGrp="1" noRot="1" noChangeAspect="1" noMove="1" noResize="1" noEditPoints="1" noAdjustHandles="1" noChangeArrowheads="1" noChangeShapeType="1" noTextEdit="1"/>
+          </p:cNvSpPr>
+          <p:nvPr>
+            <p:extLst>
+              <p:ext uri="{386F3935-93C4-4BCD-93E2-E3B085C9AB24}">
+                <p16:designElem xmlns:p16="http://schemas.microsoft.com/office/powerpoint/2015/main" val="1"/>
+              </p:ext>
+            </p:extLst>
+          </p:nvPr>
+        </p:nvSpPr>
+        <p:spPr>
+          <a:xfrm>
+            <a:off x="0" y="0"/>
+            <a:ext cx="12192000" cy="6858000"/>
+          </a:xfrm>
+          <a:prstGeom prst="rect">
+            <a:avLst/>
+          </a:prstGeom>
+          <a:solidFill>
+            <a:schemeClr val="bg2">
+              <a:lumMod val="90000"/>
+              <a:lumOff val="10000"/>
+            </a:schemeClr>
+          </a:solidFill>
+          <a:ln w="12700" cap="flat" cmpd="sng" algn="ctr">
+            <a:noFill/>
+            <a:prstDash val="solid"/>
+            <a:miter lim="800000"/>
+          </a:ln>
+          <a:effectLst/>
+        </p:spPr>
+        <p:style>
+          <a:lnRef idx="2">
+            <a:schemeClr val="accent1">
+              <a:shade val="50000"/>
+            </a:schemeClr>
+          </a:lnRef>
+          <a:fillRef idx="1">
+            <a:schemeClr val="accent1"/>
+          </a:fillRef>
+          <a:effectRef idx="0">
+            <a:schemeClr val="accent1"/>
+          </a:effectRef>
+          <a:fontRef idx="minor">
+            <a:schemeClr val="lt1"/>
+          </a:fontRef>
+        </p:style>
+        <p:txBody>
+          <a:bodyPr rtlCol="0" anchor="ctr"/>
+          <a:lstStyle/>
+          <a:p>
+            <a:pPr algn="ctr"/>
+            <a:endParaRPr lang="en-US"/>
+          </a:p>
+        </p:txBody>
+      </p:sp>
+      <p:sp>
+        <p:nvSpPr>
+          <p:cNvPr id="12" name="Freeform: Shape 11">
+            <a:extLst>
+              <a:ext uri="{FF2B5EF4-FFF2-40B4-BE49-F238E27FC236}">
+                <a16:creationId xmlns:a16="http://schemas.microsoft.com/office/drawing/2014/main" id="{63AA13D0-BF0A-4B8F-9FD6-CAE2DCD93980}"/>
+              </a:ext>
+              <a:ext uri="{C183D7F6-B498-43B3-948B-1728B52AA6E4}">
+                <adec:decorative xmlns:adec="http://schemas.microsoft.com/office/drawing/2017/decorative" val="1"/>
+              </a:ext>
+            </a:extLst>
+          </p:cNvPr>
+          <p:cNvSpPr>
+            <a:spLocks noGrp="1" noRot="1" noChangeAspect="1" noMove="1" noResize="1" noEditPoints="1" noAdjustHandles="1" noChangeArrowheads="1" noChangeShapeType="1" noTextEdit="1"/>
+          </p:cNvSpPr>
+          <p:nvPr>
+            <p:extLst>
+              <p:ext uri="{386F3935-93C4-4BCD-93E2-E3B085C9AB24}">
+                <p16:designElem xmlns:p16="http://schemas.microsoft.com/office/powerpoint/2015/main" val="1"/>
+              </p:ext>
+            </p:extLst>
+          </p:nvPr>
+        </p:nvSpPr>
+        <p:spPr bwMode="auto">
+          <a:xfrm>
+            <a:off x="1" y="0"/>
+            <a:ext cx="9705717" cy="6858000"/>
+          </a:xfrm>
+          <a:custGeom>
+            <a:avLst/>
+            <a:gdLst>
+              <a:gd name="connsiteX0" fmla="*/ 0 w 9705717"/>
+              <a:gd name="connsiteY0" fmla="*/ 0 h 6858000"/>
+              <a:gd name="connsiteX1" fmla="*/ 8892014 w 9705717"/>
+              <a:gd name="connsiteY1" fmla="*/ 0 h 6858000"/>
+              <a:gd name="connsiteX2" fmla="*/ 8948109 w 9705717"/>
+              <a:gd name="connsiteY2" fmla="*/ 119185 h 6858000"/>
+              <a:gd name="connsiteX3" fmla="*/ 9361712 w 9705717"/>
+              <a:gd name="connsiteY3" fmla="*/ 1009060 h 6858000"/>
+              <a:gd name="connsiteX4" fmla="*/ 9569814 w 9705717"/>
+              <a:gd name="connsiteY4" fmla="*/ 4722415 h 6858000"/>
+              <a:gd name="connsiteX5" fmla="*/ 8937785 w 9705717"/>
+              <a:gd name="connsiteY5" fmla="*/ 6619105 h 6858000"/>
+              <a:gd name="connsiteX6" fmla="*/ 8749280 w 9705717"/>
+              <a:gd name="connsiteY6" fmla="*/ 6858000 h 6858000"/>
+              <a:gd name="connsiteX7" fmla="*/ 0 w 9705717"/>
+              <a:gd name="connsiteY7" fmla="*/ 6858000 h 6858000"/>
+            </a:gdLst>
+            <a:ahLst/>
+            <a:cxnLst>
+              <a:cxn ang="0">
+                <a:pos x="connsiteX0" y="connsiteY0"/>
+              </a:cxn>
+              <a:cxn ang="0">
+                <a:pos x="connsiteX1" y="connsiteY1"/>
+              </a:cxn>
+              <a:cxn ang="0">
+                <a:pos x="connsiteX2" y="connsiteY2"/>
+              </a:cxn>
+              <a:cxn ang="0">
+                <a:pos x="connsiteX3" y="connsiteY3"/>
+              </a:cxn>
+              <a:cxn ang="0">
+                <a:pos x="connsiteX4" y="connsiteY4"/>
+              </a:cxn>
+              <a:cxn ang="0">
+                <a:pos x="connsiteX5" y="connsiteY5"/>
+              </a:cxn>
+              <a:cxn ang="0">
+                <a:pos x="connsiteX6" y="connsiteY6"/>
+              </a:cxn>
+              <a:cxn ang="0">
+                <a:pos x="connsiteX7" y="connsiteY7"/>
+              </a:cxn>
+            </a:cxnLst>
+            <a:rect l="l" t="t" r="r" b="b"/>
+            <a:pathLst>
+              <a:path w="9705717" h="6858000">
+                <a:moveTo>
+                  <a:pt x="0" y="0"/>
+                </a:moveTo>
+                <a:lnTo>
+                  <a:pt x="8892014" y="0"/>
+                </a:lnTo>
+                <a:lnTo>
+                  <a:pt x="8948109" y="119185"/>
+                </a:lnTo>
+                <a:cubicBezTo>
+                  <a:pt x="9080774" y="406683"/>
+                  <a:pt x="9216041" y="706568"/>
+                  <a:pt x="9361712" y="1009060"/>
+                </a:cubicBezTo>
+                <a:cubicBezTo>
+                  <a:pt x="9986018" y="2093861"/>
+                  <a:pt x="9569814" y="4346908"/>
+                  <a:pt x="9569814" y="4722415"/>
+                </a:cubicBezTo>
+                <a:cubicBezTo>
+                  <a:pt x="9569814" y="5635108"/>
+                  <a:pt x="9260912" y="6189243"/>
+                  <a:pt x="8937785" y="6619105"/>
+                </a:cubicBezTo>
+                <a:lnTo>
+                  <a:pt x="8749280" y="6858000"/>
+                </a:lnTo>
+                <a:lnTo>
+                  <a:pt x="0" y="6858000"/>
+                </a:lnTo>
+                <a:close/>
+              </a:path>
+            </a:pathLst>
+          </a:custGeom>
+          <a:solidFill>
+            <a:schemeClr val="bg2"/>
+          </a:solidFill>
+          <a:ln>
+            <a:noFill/>
+          </a:ln>
+        </p:spPr>
+        <p:txBody>
+          <a:bodyPr vert="horz" wrap="square" lIns="91440" tIns="45720" rIns="91440" bIns="45720" numCol="1" anchor="t" anchorCtr="0" compatLnSpc="1">
+            <a:prstTxWarp prst="textNoShape">
+              <a:avLst/>
+            </a:prstTxWarp>
+            <a:noAutofit/>
+          </a:bodyPr>
+          <a:lstStyle/>
+          <a:p>
+            <a:endParaRPr lang="en-US"/>
+          </a:p>
+        </p:txBody>
+      </p:sp>
       <p:sp>
         <p:nvSpPr>
           <p:cNvPr id="2" name="Title 1">
@@ -7452,9 +13311,16 @@
             <p:ph type="title"/>
           </p:nvPr>
         </p:nvSpPr>
-        <p:spPr/>
+        <p:spPr>
+          <a:xfrm>
+            <a:off x="720000" y="619200"/>
+            <a:ext cx="6911974" cy="1477328"/>
+          </a:xfrm>
+        </p:spPr>
         <p:txBody>
-          <a:bodyPr/>
+          <a:bodyPr wrap="square" anchor="ctr">
+            <a:normAutofit/>
+          </a:bodyPr>
           <a:lstStyle/>
           <a:p>
             <a:r>
@@ -7480,42 +13346,588 @@
             <p:ph idx="1"/>
           </p:nvPr>
         </p:nvSpPr>
-        <p:spPr/>
+        <p:spPr>
+          <a:xfrm>
+            <a:off x="720000" y="2541600"/>
+            <a:ext cx="6911975" cy="3216273"/>
+          </a:xfrm>
+        </p:spPr>
         <p:txBody>
-          <a:bodyPr/>
+          <a:bodyPr>
+            <a:normAutofit/>
+          </a:bodyPr>
           <a:lstStyle/>
           <a:p>
             <a:r>
-              <a:rPr lang="en-GB" dirty="0"/>
+              <a:rPr lang="en-GB" sz="1900"/>
               <a:t>Its not as innocent as stealing from the cookie jar as a kid</a:t>
             </a:r>
           </a:p>
           <a:p>
             <a:r>
-              <a:rPr lang="en-GB" dirty="0"/>
+              <a:rPr lang="en-GB" sz="1900"/>
               <a:t>Cookies track everything</a:t>
             </a:r>
           </a:p>
           <a:p>
             <a:r>
-              <a:rPr lang="en-GB" dirty="0"/>
+              <a:rPr lang="en-GB" sz="1900"/>
               <a:t>Even your screen size</a:t>
             </a:r>
           </a:p>
           <a:p>
-            <a:endParaRPr lang="en-GB" dirty="0"/>
+            <a:endParaRPr lang="en-GB" sz="1900"/>
           </a:p>
           <a:p>
             <a:r>
-              <a:rPr lang="en-GB" dirty="0"/>
+              <a:rPr lang="en-GB" sz="1900"/>
               <a:t>It can be used to find things that make you stand out on the internet and thus track you.</a:t>
             </a:r>
           </a:p>
           <a:p>
             <a:r>
-              <a:rPr lang="en-GB" dirty="0"/>
+              <a:rPr lang="en-GB" sz="1900"/>
               <a:t>Governments and hackers are both guilty of this</a:t>
             </a:r>
+          </a:p>
+        </p:txBody>
+      </p:sp>
+      <p:sp>
+        <p:nvSpPr>
+          <p:cNvPr id="14" name="Freeform 10">
+            <a:extLst>
+              <a:ext uri="{FF2B5EF4-FFF2-40B4-BE49-F238E27FC236}">
+                <a16:creationId xmlns:a16="http://schemas.microsoft.com/office/drawing/2014/main" id="{15BE2CF8-7196-4BC3-B312-B0EE486D92FB}"/>
+              </a:ext>
+              <a:ext uri="{C183D7F6-B498-43B3-948B-1728B52AA6E4}">
+                <adec:decorative xmlns:adec="http://schemas.microsoft.com/office/drawing/2017/decorative" val="1"/>
+              </a:ext>
+            </a:extLst>
+          </p:cNvPr>
+          <p:cNvSpPr>
+            <a:spLocks noGrp="1" noRot="1" noChangeAspect="1" noMove="1" noResize="1" noEditPoints="1" noAdjustHandles="1" noChangeArrowheads="1" noChangeShapeType="1" noTextEdit="1"/>
+          </p:cNvSpPr>
+          <p:nvPr>
+            <p:extLst>
+              <p:ext uri="{386F3935-93C4-4BCD-93E2-E3B085C9AB24}">
+                <p16:designElem xmlns:p16="http://schemas.microsoft.com/office/powerpoint/2015/main" val="1"/>
+              </p:ext>
+            </p:extLst>
+          </p:nvPr>
+        </p:nvSpPr>
+        <p:spPr bwMode="auto">
+          <a:xfrm rot="15824556">
+            <a:off x="8226571" y="2916066"/>
+            <a:ext cx="3518890" cy="3293724"/>
+          </a:xfrm>
+          <a:custGeom>
+            <a:avLst/>
+            <a:gdLst>
+              <a:gd name="T0" fmla="*/ 43 w 250"/>
+              <a:gd name="T1" fmla="*/ 167 h 234"/>
+              <a:gd name="T2" fmla="*/ 70 w 250"/>
+              <a:gd name="T3" fmla="*/ 133 h 234"/>
+              <a:gd name="T4" fmla="*/ 48 w 250"/>
+              <a:gd name="T5" fmla="*/ 134 h 234"/>
+              <a:gd name="T6" fmla="*/ 19 w 250"/>
+              <a:gd name="T7" fmla="*/ 130 h 234"/>
+              <a:gd name="T8" fmla="*/ 6 w 250"/>
+              <a:gd name="T9" fmla="*/ 123 h 234"/>
+              <a:gd name="T10" fmla="*/ 1 w 250"/>
+              <a:gd name="T11" fmla="*/ 103 h 234"/>
+              <a:gd name="T12" fmla="*/ 11 w 250"/>
+              <a:gd name="T13" fmla="*/ 81 h 234"/>
+              <a:gd name="T14" fmla="*/ 23 w 250"/>
+              <a:gd name="T15" fmla="*/ 76 h 234"/>
+              <a:gd name="T16" fmla="*/ 81 w 250"/>
+              <a:gd name="T17" fmla="*/ 78 h 234"/>
+              <a:gd name="T18" fmla="*/ 65 w 250"/>
+              <a:gd name="T19" fmla="*/ 49 h 234"/>
+              <a:gd name="T20" fmla="*/ 57 w 250"/>
+              <a:gd name="T21" fmla="*/ 27 h 234"/>
+              <a:gd name="T22" fmla="*/ 67 w 250"/>
+              <a:gd name="T23" fmla="*/ 12 h 234"/>
+              <a:gd name="T24" fmla="*/ 85 w 250"/>
+              <a:gd name="T25" fmla="*/ 1 h 234"/>
+              <a:gd name="T26" fmla="*/ 101 w 250"/>
+              <a:gd name="T27" fmla="*/ 8 h 234"/>
+              <a:gd name="T28" fmla="*/ 107 w 250"/>
+              <a:gd name="T29" fmla="*/ 15 h 234"/>
+              <a:gd name="T30" fmla="*/ 120 w 250"/>
+              <a:gd name="T31" fmla="*/ 37 h 234"/>
+              <a:gd name="T32" fmla="*/ 131 w 250"/>
+              <a:gd name="T33" fmla="*/ 60 h 234"/>
+              <a:gd name="T34" fmla="*/ 164 w 250"/>
+              <a:gd name="T35" fmla="*/ 25 h 234"/>
+              <a:gd name="T36" fmla="*/ 187 w 250"/>
+              <a:gd name="T37" fmla="*/ 11 h 234"/>
+              <a:gd name="T38" fmla="*/ 205 w 250"/>
+              <a:gd name="T39" fmla="*/ 19 h 234"/>
+              <a:gd name="T40" fmla="*/ 214 w 250"/>
+              <a:gd name="T41" fmla="*/ 34 h 234"/>
+              <a:gd name="T42" fmla="*/ 203 w 250"/>
+              <a:gd name="T43" fmla="*/ 57 h 234"/>
+              <a:gd name="T44" fmla="*/ 166 w 250"/>
+              <a:gd name="T45" fmla="*/ 100 h 234"/>
+              <a:gd name="T46" fmla="*/ 217 w 250"/>
+              <a:gd name="T47" fmla="*/ 98 h 234"/>
+              <a:gd name="T48" fmla="*/ 244 w 250"/>
+              <a:gd name="T49" fmla="*/ 104 h 234"/>
+              <a:gd name="T50" fmla="*/ 249 w 250"/>
+              <a:gd name="T51" fmla="*/ 115 h 234"/>
+              <a:gd name="T52" fmla="*/ 247 w 250"/>
+              <a:gd name="T53" fmla="*/ 129 h 234"/>
+              <a:gd name="T54" fmla="*/ 245 w 250"/>
+              <a:gd name="T55" fmla="*/ 134 h 234"/>
+              <a:gd name="T56" fmla="*/ 241 w 250"/>
+              <a:gd name="T57" fmla="*/ 141 h 234"/>
+              <a:gd name="T58" fmla="*/ 227 w 250"/>
+              <a:gd name="T59" fmla="*/ 147 h 234"/>
+              <a:gd name="T60" fmla="*/ 187 w 250"/>
+              <a:gd name="T61" fmla="*/ 151 h 234"/>
+              <a:gd name="T62" fmla="*/ 160 w 250"/>
+              <a:gd name="T63" fmla="*/ 148 h 234"/>
+              <a:gd name="T64" fmla="*/ 168 w 250"/>
+              <a:gd name="T65" fmla="*/ 168 h 234"/>
+              <a:gd name="T66" fmla="*/ 176 w 250"/>
+              <a:gd name="T67" fmla="*/ 194 h 234"/>
+              <a:gd name="T68" fmla="*/ 176 w 250"/>
+              <a:gd name="T69" fmla="*/ 211 h 234"/>
+              <a:gd name="T70" fmla="*/ 170 w 250"/>
+              <a:gd name="T71" fmla="*/ 221 h 234"/>
+              <a:gd name="T72" fmla="*/ 156 w 250"/>
+              <a:gd name="T73" fmla="*/ 230 h 234"/>
+              <a:gd name="T74" fmla="*/ 130 w 250"/>
+              <a:gd name="T75" fmla="*/ 226 h 234"/>
+              <a:gd name="T76" fmla="*/ 122 w 250"/>
+              <a:gd name="T77" fmla="*/ 213 h 234"/>
+              <a:gd name="T78" fmla="*/ 110 w 250"/>
+              <a:gd name="T79" fmla="*/ 169 h 234"/>
+              <a:gd name="T80" fmla="*/ 92 w 250"/>
+              <a:gd name="T81" fmla="*/ 192 h 234"/>
+              <a:gd name="T82" fmla="*/ 87 w 250"/>
+              <a:gd name="T83" fmla="*/ 197 h 234"/>
+              <a:gd name="T84" fmla="*/ 84 w 250"/>
+              <a:gd name="T85" fmla="*/ 201 h 234"/>
+              <a:gd name="T86" fmla="*/ 65 w 250"/>
+              <a:gd name="T87" fmla="*/ 212 h 234"/>
+              <a:gd name="T88" fmla="*/ 50 w 250"/>
+              <a:gd name="T89" fmla="*/ 204 h 234"/>
+              <a:gd name="T90" fmla="*/ 44 w 250"/>
+              <a:gd name="T91" fmla="*/ 198 h 234"/>
+              <a:gd name="T92" fmla="*/ 38 w 250"/>
+              <a:gd name="T93" fmla="*/ 185 h 234"/>
+              <a:gd name="T94" fmla="*/ 43 w 250"/>
+              <a:gd name="T95" fmla="*/ 167 h 234"/>
+            </a:gdLst>
+            <a:ahLst/>
+            <a:cxnLst>
+              <a:cxn ang="0">
+                <a:pos x="T0" y="T1"/>
+              </a:cxn>
+              <a:cxn ang="0">
+                <a:pos x="T2" y="T3"/>
+              </a:cxn>
+              <a:cxn ang="0">
+                <a:pos x="T4" y="T5"/>
+              </a:cxn>
+              <a:cxn ang="0">
+                <a:pos x="T6" y="T7"/>
+              </a:cxn>
+              <a:cxn ang="0">
+                <a:pos x="T8" y="T9"/>
+              </a:cxn>
+              <a:cxn ang="0">
+                <a:pos x="T10" y="T11"/>
+              </a:cxn>
+              <a:cxn ang="0">
+                <a:pos x="T12" y="T13"/>
+              </a:cxn>
+              <a:cxn ang="0">
+                <a:pos x="T14" y="T15"/>
+              </a:cxn>
+              <a:cxn ang="0">
+                <a:pos x="T16" y="T17"/>
+              </a:cxn>
+              <a:cxn ang="0">
+                <a:pos x="T18" y="T19"/>
+              </a:cxn>
+              <a:cxn ang="0">
+                <a:pos x="T20" y="T21"/>
+              </a:cxn>
+              <a:cxn ang="0">
+                <a:pos x="T22" y="T23"/>
+              </a:cxn>
+              <a:cxn ang="0">
+                <a:pos x="T24" y="T25"/>
+              </a:cxn>
+              <a:cxn ang="0">
+                <a:pos x="T26" y="T27"/>
+              </a:cxn>
+              <a:cxn ang="0">
+                <a:pos x="T28" y="T29"/>
+              </a:cxn>
+              <a:cxn ang="0">
+                <a:pos x="T30" y="T31"/>
+              </a:cxn>
+              <a:cxn ang="0">
+                <a:pos x="T32" y="T33"/>
+              </a:cxn>
+              <a:cxn ang="0">
+                <a:pos x="T34" y="T35"/>
+              </a:cxn>
+              <a:cxn ang="0">
+                <a:pos x="T36" y="T37"/>
+              </a:cxn>
+              <a:cxn ang="0">
+                <a:pos x="T38" y="T39"/>
+              </a:cxn>
+              <a:cxn ang="0">
+                <a:pos x="T40" y="T41"/>
+              </a:cxn>
+              <a:cxn ang="0">
+                <a:pos x="T42" y="T43"/>
+              </a:cxn>
+              <a:cxn ang="0">
+                <a:pos x="T44" y="T45"/>
+              </a:cxn>
+              <a:cxn ang="0">
+                <a:pos x="T46" y="T47"/>
+              </a:cxn>
+              <a:cxn ang="0">
+                <a:pos x="T48" y="T49"/>
+              </a:cxn>
+              <a:cxn ang="0">
+                <a:pos x="T50" y="T51"/>
+              </a:cxn>
+              <a:cxn ang="0">
+                <a:pos x="T52" y="T53"/>
+              </a:cxn>
+              <a:cxn ang="0">
+                <a:pos x="T54" y="T55"/>
+              </a:cxn>
+              <a:cxn ang="0">
+                <a:pos x="T56" y="T57"/>
+              </a:cxn>
+              <a:cxn ang="0">
+                <a:pos x="T58" y="T59"/>
+              </a:cxn>
+              <a:cxn ang="0">
+                <a:pos x="T60" y="T61"/>
+              </a:cxn>
+              <a:cxn ang="0">
+                <a:pos x="T62" y="T63"/>
+              </a:cxn>
+              <a:cxn ang="0">
+                <a:pos x="T64" y="T65"/>
+              </a:cxn>
+              <a:cxn ang="0">
+                <a:pos x="T66" y="T67"/>
+              </a:cxn>
+              <a:cxn ang="0">
+                <a:pos x="T68" y="T69"/>
+              </a:cxn>
+              <a:cxn ang="0">
+                <a:pos x="T70" y="T71"/>
+              </a:cxn>
+              <a:cxn ang="0">
+                <a:pos x="T72" y="T73"/>
+              </a:cxn>
+              <a:cxn ang="0">
+                <a:pos x="T74" y="T75"/>
+              </a:cxn>
+              <a:cxn ang="0">
+                <a:pos x="T76" y="T77"/>
+              </a:cxn>
+              <a:cxn ang="0">
+                <a:pos x="T78" y="T79"/>
+              </a:cxn>
+              <a:cxn ang="0">
+                <a:pos x="T80" y="T81"/>
+              </a:cxn>
+              <a:cxn ang="0">
+                <a:pos x="T82" y="T83"/>
+              </a:cxn>
+              <a:cxn ang="0">
+                <a:pos x="T84" y="T85"/>
+              </a:cxn>
+              <a:cxn ang="0">
+                <a:pos x="T86" y="T87"/>
+              </a:cxn>
+              <a:cxn ang="0">
+                <a:pos x="T88" y="T89"/>
+              </a:cxn>
+              <a:cxn ang="0">
+                <a:pos x="T90" y="T91"/>
+              </a:cxn>
+              <a:cxn ang="0">
+                <a:pos x="T92" y="T93"/>
+              </a:cxn>
+              <a:cxn ang="0">
+                <a:pos x="T94" y="T95"/>
+              </a:cxn>
+            </a:cxnLst>
+            <a:rect l="0" t="0" r="r" b="b"/>
+            <a:pathLst>
+              <a:path w="250" h="234">
+                <a:moveTo>
+                  <a:pt x="43" y="167"/>
+                </a:moveTo>
+                <a:cubicBezTo>
+                  <a:pt x="70" y="133"/>
+                  <a:pt x="70" y="133"/>
+                  <a:pt x="70" y="133"/>
+                </a:cubicBezTo>
+                <a:cubicBezTo>
+                  <a:pt x="60" y="134"/>
+                  <a:pt x="61" y="134"/>
+                  <a:pt x="48" y="134"/>
+                </a:cubicBezTo>
+                <a:cubicBezTo>
+                  <a:pt x="34" y="133"/>
+                  <a:pt x="24" y="132"/>
+                  <a:pt x="19" y="130"/>
+                </a:cubicBezTo>
+                <a:cubicBezTo>
+                  <a:pt x="13" y="128"/>
+                  <a:pt x="9" y="126"/>
+                  <a:pt x="6" y="123"/>
+                </a:cubicBezTo>
+                <a:cubicBezTo>
+                  <a:pt x="1" y="119"/>
+                  <a:pt x="0" y="112"/>
+                  <a:pt x="1" y="103"/>
+                </a:cubicBezTo>
+                <a:cubicBezTo>
+                  <a:pt x="2" y="93"/>
+                  <a:pt x="6" y="86"/>
+                  <a:pt x="11" y="81"/>
+                </a:cubicBezTo>
+                <a:cubicBezTo>
+                  <a:pt x="15" y="77"/>
+                  <a:pt x="18" y="76"/>
+                  <a:pt x="23" y="76"/>
+                </a:cubicBezTo>
+                <a:cubicBezTo>
+                  <a:pt x="81" y="78"/>
+                  <a:pt x="81" y="78"/>
+                  <a:pt x="81" y="78"/>
+                </a:cubicBezTo>
+                <a:cubicBezTo>
+                  <a:pt x="65" y="49"/>
+                  <a:pt x="65" y="49"/>
+                  <a:pt x="65" y="49"/>
+                </a:cubicBezTo>
+                <a:cubicBezTo>
+                  <a:pt x="58" y="40"/>
+                  <a:pt x="56" y="33"/>
+                  <a:pt x="57" y="27"/>
+                </a:cubicBezTo>
+                <a:cubicBezTo>
+                  <a:pt x="58" y="21"/>
+                  <a:pt x="62" y="16"/>
+                  <a:pt x="67" y="12"/>
+                </a:cubicBezTo>
+                <a:cubicBezTo>
+                  <a:pt x="74" y="6"/>
+                  <a:pt x="80" y="2"/>
+                  <a:pt x="85" y="1"/>
+                </a:cubicBezTo>
+                <a:cubicBezTo>
+                  <a:pt x="90" y="0"/>
+                  <a:pt x="95" y="2"/>
+                  <a:pt x="101" y="8"/>
+                </a:cubicBezTo>
+                <a:cubicBezTo>
+                  <a:pt x="104" y="11"/>
+                  <a:pt x="106" y="13"/>
+                  <a:pt x="107" y="15"/>
+                </a:cubicBezTo>
+                <a:cubicBezTo>
+                  <a:pt x="110" y="19"/>
+                  <a:pt x="112" y="20"/>
+                  <a:pt x="120" y="37"/>
+                </a:cubicBezTo>
+                <a:cubicBezTo>
+                  <a:pt x="129" y="55"/>
+                  <a:pt x="128" y="51"/>
+                  <a:pt x="131" y="60"/>
+                </a:cubicBezTo>
+                <a:cubicBezTo>
+                  <a:pt x="164" y="25"/>
+                  <a:pt x="164" y="25"/>
+                  <a:pt x="164" y="25"/>
+                </a:cubicBezTo>
+                <a:cubicBezTo>
+                  <a:pt x="173" y="16"/>
+                  <a:pt x="180" y="11"/>
+                  <a:pt x="187" y="11"/>
+                </a:cubicBezTo>
+                <a:cubicBezTo>
+                  <a:pt x="193" y="10"/>
+                  <a:pt x="200" y="13"/>
+                  <a:pt x="205" y="19"/>
+                </a:cubicBezTo>
+                <a:cubicBezTo>
+                  <a:pt x="210" y="24"/>
+                  <a:pt x="213" y="29"/>
+                  <a:pt x="214" y="34"/>
+                </a:cubicBezTo>
+                <a:cubicBezTo>
+                  <a:pt x="214" y="39"/>
+                  <a:pt x="211" y="47"/>
+                  <a:pt x="203" y="57"/>
+                </a:cubicBezTo>
+                <a:cubicBezTo>
+                  <a:pt x="166" y="100"/>
+                  <a:pt x="166" y="100"/>
+                  <a:pt x="166" y="100"/>
+                </a:cubicBezTo>
+                <a:cubicBezTo>
+                  <a:pt x="217" y="98"/>
+                  <a:pt x="217" y="98"/>
+                  <a:pt x="217" y="98"/>
+                </a:cubicBezTo>
+                <a:cubicBezTo>
+                  <a:pt x="229" y="96"/>
+                  <a:pt x="238" y="98"/>
+                  <a:pt x="244" y="104"/>
+                </a:cubicBezTo>
+                <a:cubicBezTo>
+                  <a:pt x="247" y="107"/>
+                  <a:pt x="249" y="111"/>
+                  <a:pt x="249" y="115"/>
+                </a:cubicBezTo>
+                <a:cubicBezTo>
+                  <a:pt x="250" y="120"/>
+                  <a:pt x="249" y="124"/>
+                  <a:pt x="247" y="129"/>
+                </a:cubicBezTo>
+                <a:cubicBezTo>
+                  <a:pt x="247" y="130"/>
+                  <a:pt x="246" y="132"/>
+                  <a:pt x="245" y="134"/>
+                </a:cubicBezTo>
+                <a:cubicBezTo>
+                  <a:pt x="244" y="137"/>
+                  <a:pt x="243" y="140"/>
+                  <a:pt x="241" y="141"/>
+                </a:cubicBezTo>
+                <a:cubicBezTo>
+                  <a:pt x="239" y="144"/>
+                  <a:pt x="234" y="146"/>
+                  <a:pt x="227" y="147"/>
+                </a:cubicBezTo>
+                <a:cubicBezTo>
+                  <a:pt x="221" y="149"/>
+                  <a:pt x="207" y="150"/>
+                  <a:pt x="187" y="151"/>
+                </a:cubicBezTo>
+                <a:cubicBezTo>
+                  <a:pt x="175" y="152"/>
+                  <a:pt x="161" y="148"/>
+                  <a:pt x="160" y="148"/>
+                </a:cubicBezTo>
+                <a:cubicBezTo>
+                  <a:pt x="161" y="151"/>
+                  <a:pt x="165" y="161"/>
+                  <a:pt x="168" y="168"/>
+                </a:cubicBezTo>
+                <a:cubicBezTo>
+                  <a:pt x="168" y="171"/>
+                  <a:pt x="173" y="181"/>
+                  <a:pt x="176" y="194"/>
+                </a:cubicBezTo>
+                <a:cubicBezTo>
+                  <a:pt x="179" y="206"/>
+                  <a:pt x="176" y="203"/>
+                  <a:pt x="176" y="211"/>
+                </a:cubicBezTo>
+                <a:cubicBezTo>
+                  <a:pt x="176" y="214"/>
+                  <a:pt x="174" y="217"/>
+                  <a:pt x="170" y="221"/>
+                </a:cubicBezTo>
+                <a:cubicBezTo>
+                  <a:pt x="166" y="226"/>
+                  <a:pt x="161" y="228"/>
+                  <a:pt x="156" y="230"/>
+                </a:cubicBezTo>
+                <a:cubicBezTo>
+                  <a:pt x="147" y="234"/>
+                  <a:pt x="137" y="233"/>
+                  <a:pt x="130" y="226"/>
+                </a:cubicBezTo>
+                <a:cubicBezTo>
+                  <a:pt x="127" y="223"/>
+                  <a:pt x="125" y="219"/>
+                  <a:pt x="122" y="213"/>
+                </a:cubicBezTo>
+                <a:cubicBezTo>
+                  <a:pt x="118" y="188"/>
+                  <a:pt x="117" y="189"/>
+                  <a:pt x="110" y="169"/>
+                </a:cubicBezTo>
+                <a:cubicBezTo>
+                  <a:pt x="92" y="192"/>
+                  <a:pt x="92" y="192"/>
+                  <a:pt x="92" y="192"/>
+                </a:cubicBezTo>
+                <a:cubicBezTo>
+                  <a:pt x="90" y="193"/>
+                  <a:pt x="88" y="195"/>
+                  <a:pt x="87" y="197"/>
+                </a:cubicBezTo>
+                <a:cubicBezTo>
+                  <a:pt x="86" y="198"/>
+                  <a:pt x="85" y="200"/>
+                  <a:pt x="84" y="201"/>
+                </a:cubicBezTo>
+                <a:cubicBezTo>
+                  <a:pt x="76" y="209"/>
+                  <a:pt x="70" y="212"/>
+                  <a:pt x="65" y="212"/>
+                </a:cubicBezTo>
+                <a:cubicBezTo>
+                  <a:pt x="60" y="211"/>
+                  <a:pt x="55" y="209"/>
+                  <a:pt x="50" y="204"/>
+                </a:cubicBezTo>
+                <a:cubicBezTo>
+                  <a:pt x="50" y="203"/>
+                  <a:pt x="48" y="202"/>
+                  <a:pt x="44" y="198"/>
+                </a:cubicBezTo>
+                <a:cubicBezTo>
+                  <a:pt x="41" y="195"/>
+                  <a:pt x="39" y="191"/>
+                  <a:pt x="38" y="185"/>
+                </a:cubicBezTo>
+                <a:cubicBezTo>
+                  <a:pt x="37" y="179"/>
+                  <a:pt x="39" y="173"/>
+                  <a:pt x="43" y="167"/>
+                </a:cubicBezTo>
+                <a:close/>
+              </a:path>
+            </a:pathLst>
+          </a:custGeom>
+          <a:solidFill>
+            <a:schemeClr val="accent1"/>
+          </a:solidFill>
+          <a:ln>
+            <a:noFill/>
+          </a:ln>
+        </p:spPr>
+        <p:txBody>
+          <a:bodyPr vert="horz" wrap="square" lIns="91440" tIns="45720" rIns="91440" bIns="45720" numCol="1" anchor="t" anchorCtr="0" compatLnSpc="1">
+            <a:prstTxWarp prst="textNoShape">
+              <a:avLst/>
+            </a:prstTxWarp>
+          </a:bodyPr>
+          <a:lstStyle/>
+          <a:p>
+            <a:endParaRPr lang="en-US"/>
           </a:p>
         </p:txBody>
       </p:sp>
@@ -7577,63 +13989,32 @@
           </a:p>
         </p:txBody>
       </p:sp>
-      <p:sp>
-        <p:nvSpPr>
-          <p:cNvPr id="3" name="Content Placeholder 2">
+      <p:graphicFrame>
+        <p:nvGraphicFramePr>
+          <p:cNvPr id="5" name="Content Placeholder 2">
             <a:extLst>
               <a:ext uri="{FF2B5EF4-FFF2-40B4-BE49-F238E27FC236}">
-                <a16:creationId xmlns:a16="http://schemas.microsoft.com/office/drawing/2014/main" id="{75E6644F-2640-4B67-90EB-8904B258432E}"/>
+                <a16:creationId xmlns:a16="http://schemas.microsoft.com/office/drawing/2014/main" id="{4CFBCD2D-9D75-07CA-2453-3B50D1862604}"/>
               </a:ext>
             </a:extLst>
           </p:cNvPr>
-          <p:cNvSpPr>
-            <a:spLocks noGrp="1"/>
-          </p:cNvSpPr>
+          <p:cNvGraphicFramePr>
+            <a:graphicFrameLocks noGrp="1"/>
+          </p:cNvGraphicFramePr>
           <p:nvPr>
             <p:ph idx="1"/>
           </p:nvPr>
-        </p:nvSpPr>
-        <p:spPr/>
-        <p:txBody>
-          <a:bodyPr/>
-          <a:lstStyle/>
-          <a:p>
-            <a:r>
-              <a:rPr lang="en-GB" dirty="0"/>
-              <a:t>Essentially, sell the account information to other hackers who can then use the information to further exploit other systems.</a:t>
-            </a:r>
-          </a:p>
-          <a:p>
-            <a:r>
-              <a:rPr lang="en-GB" dirty="0"/>
-              <a:t>Its very common for a credit card data </a:t>
-            </a:r>
-            <a:r>
-              <a:rPr lang="en-GB" dirty="0" err="1"/>
-              <a:t>theif</a:t>
-            </a:r>
-            <a:r>
-              <a:rPr lang="en-GB" dirty="0"/>
-              <a:t> to never even touch the banks of his victims.</a:t>
-            </a:r>
-          </a:p>
-          <a:p>
-            <a:r>
-              <a:rPr lang="en-GB" dirty="0"/>
-              <a:t>They sell the information at a fixed price and let others do the real dirty work.</a:t>
-            </a:r>
-          </a:p>
-          <a:p>
-            <a:endParaRPr lang="en-GB" dirty="0"/>
-          </a:p>
-          <a:p>
-            <a:r>
-              <a:rPr lang="en-GB" dirty="0"/>
-              <a:t>The economy is mostly data</a:t>
-            </a:r>
-          </a:p>
-        </p:txBody>
-      </p:sp>
+        </p:nvGraphicFramePr>
+        <p:xfrm>
+          <a:off x="720000" y="2541600"/>
+          <a:ext cx="10728325" cy="3227375"/>
+        </p:xfrm>
+        <a:graphic>
+          <a:graphicData uri="http://schemas.openxmlformats.org/drawingml/2006/diagram">
+            <dgm:relIds xmlns:dgm="http://schemas.openxmlformats.org/drawingml/2006/diagram" xmlns:r="http://schemas.openxmlformats.org/officeDocument/2006/relationships" r:dm="rId2" r:lo="rId3" r:qs="rId4" r:cs="rId5"/>
+          </a:graphicData>
+        </a:graphic>
+      </p:graphicFrame>
     </p:spTree>
     <p:extLst>
       <p:ext uri="{BB962C8B-B14F-4D97-AF65-F5344CB8AC3E}">

--- a/week_03/day_4/slides_data_presentation.pptx
+++ b/week_03/day_4/slides_data_presentation.pptx
@@ -15059,6 +15059,186 @@
           </a:p>
         </p:txBody>
       </p:sp>
+      <p:pic>
+        <p:nvPicPr>
+          <p:cNvPr id="3" name="Picture 2">
+            <a:extLst>
+              <a:ext uri="{FF2B5EF4-FFF2-40B4-BE49-F238E27FC236}">
+                <a16:creationId xmlns:a16="http://schemas.microsoft.com/office/drawing/2014/main" id="{BBBAE5BE-A86D-431E-9A2E-43A4631D1543}"/>
+              </a:ext>
+            </a:extLst>
+          </p:cNvPr>
+          <p:cNvPicPr>
+            <a:picLocks noChangeAspect="1"/>
+          </p:cNvPicPr>
+          <p:nvPr/>
+        </p:nvPicPr>
+        <p:blipFill>
+          <a:blip r:embed="rId2"/>
+          <a:stretch>
+            <a:fillRect/>
+          </a:stretch>
+        </p:blipFill>
+        <p:spPr>
+          <a:xfrm>
+            <a:off x="5936095" y="3274405"/>
+            <a:ext cx="5732031" cy="3224267"/>
+          </a:xfrm>
+          <a:prstGeom prst="rect">
+            <a:avLst/>
+          </a:prstGeom>
+        </p:spPr>
+      </p:pic>
+      <p:pic>
+        <p:nvPicPr>
+          <p:cNvPr id="4" name="Picture 3">
+            <a:extLst>
+              <a:ext uri="{FF2B5EF4-FFF2-40B4-BE49-F238E27FC236}">
+                <a16:creationId xmlns:a16="http://schemas.microsoft.com/office/drawing/2014/main" id="{E4A00CBA-C95A-413A-95B3-91D56D1276B6}"/>
+              </a:ext>
+            </a:extLst>
+          </p:cNvPr>
+          <p:cNvPicPr>
+            <a:picLocks noChangeAspect="1"/>
+          </p:cNvPicPr>
+          <p:nvPr/>
+        </p:nvPicPr>
+        <p:blipFill>
+          <a:blip r:embed="rId3"/>
+          <a:stretch>
+            <a:fillRect/>
+          </a:stretch>
+        </p:blipFill>
+        <p:spPr>
+          <a:xfrm>
+            <a:off x="628327" y="4169711"/>
+            <a:ext cx="2417522" cy="2417522"/>
+          </a:xfrm>
+          <a:prstGeom prst="rect">
+            <a:avLst/>
+          </a:prstGeom>
+        </p:spPr>
+      </p:pic>
+      <p:pic>
+        <p:nvPicPr>
+          <p:cNvPr id="5" name="Picture 4">
+            <a:extLst>
+              <a:ext uri="{FF2B5EF4-FFF2-40B4-BE49-F238E27FC236}">
+                <a16:creationId xmlns:a16="http://schemas.microsoft.com/office/drawing/2014/main" id="{EFE13613-86A9-4E96-B899-907ED6B494F0}"/>
+              </a:ext>
+            </a:extLst>
+          </p:cNvPr>
+          <p:cNvPicPr>
+            <a:picLocks noChangeAspect="1"/>
+          </p:cNvPicPr>
+          <p:nvPr/>
+        </p:nvPicPr>
+        <p:blipFill>
+          <a:blip r:embed="rId4"/>
+          <a:stretch>
+            <a:fillRect/>
+          </a:stretch>
+        </p:blipFill>
+        <p:spPr>
+          <a:xfrm>
+            <a:off x="9002817" y="359328"/>
+            <a:ext cx="2791635" cy="2096529"/>
+          </a:xfrm>
+          <a:prstGeom prst="rect">
+            <a:avLst/>
+          </a:prstGeom>
+        </p:spPr>
+      </p:pic>
+      <p:pic>
+        <p:nvPicPr>
+          <p:cNvPr id="6" name="Picture 5">
+            <a:extLst>
+              <a:ext uri="{FF2B5EF4-FFF2-40B4-BE49-F238E27FC236}">
+                <a16:creationId xmlns:a16="http://schemas.microsoft.com/office/drawing/2014/main" id="{0B256F81-F39B-4B26-B634-61BBA7EEC0D4}"/>
+              </a:ext>
+            </a:extLst>
+          </p:cNvPr>
+          <p:cNvPicPr>
+            <a:picLocks noChangeAspect="1"/>
+          </p:cNvPicPr>
+          <p:nvPr/>
+        </p:nvPicPr>
+        <p:blipFill>
+          <a:blip r:embed="rId5"/>
+          <a:stretch>
+            <a:fillRect/>
+          </a:stretch>
+        </p:blipFill>
+        <p:spPr>
+          <a:xfrm>
+            <a:off x="3392926" y="2833079"/>
+            <a:ext cx="1944890" cy="1944890"/>
+          </a:xfrm>
+          <a:prstGeom prst="rect">
+            <a:avLst/>
+          </a:prstGeom>
+        </p:spPr>
+      </p:pic>
+      <p:pic>
+        <p:nvPicPr>
+          <p:cNvPr id="7" name="Picture 6">
+            <a:extLst>
+              <a:ext uri="{FF2B5EF4-FFF2-40B4-BE49-F238E27FC236}">
+                <a16:creationId xmlns:a16="http://schemas.microsoft.com/office/drawing/2014/main" id="{6EE413EF-6726-45AF-8A8E-8E136BD8769B}"/>
+              </a:ext>
+            </a:extLst>
+          </p:cNvPr>
+          <p:cNvPicPr>
+            <a:picLocks noChangeAspect="1"/>
+          </p:cNvPicPr>
+          <p:nvPr/>
+        </p:nvPicPr>
+        <p:blipFill>
+          <a:blip r:embed="rId6"/>
+          <a:stretch>
+            <a:fillRect/>
+          </a:stretch>
+        </p:blipFill>
+        <p:spPr>
+          <a:xfrm>
+            <a:off x="3329132" y="5332903"/>
+            <a:ext cx="2072478" cy="1165769"/>
+          </a:xfrm>
+          <a:prstGeom prst="rect">
+            <a:avLst/>
+          </a:prstGeom>
+        </p:spPr>
+      </p:pic>
+      <p:pic>
+        <p:nvPicPr>
+          <p:cNvPr id="11" name="Picture 10">
+            <a:extLst>
+              <a:ext uri="{FF2B5EF4-FFF2-40B4-BE49-F238E27FC236}">
+                <a16:creationId xmlns:a16="http://schemas.microsoft.com/office/drawing/2014/main" id="{37279CBC-D27E-4D47-94D9-979B013F7C5A}"/>
+              </a:ext>
+            </a:extLst>
+          </p:cNvPr>
+          <p:cNvPicPr>
+            <a:picLocks noChangeAspect="1"/>
+          </p:cNvPicPr>
+          <p:nvPr/>
+        </p:nvPicPr>
+        <p:blipFill>
+          <a:blip r:embed="rId7"/>
+          <a:stretch>
+            <a:fillRect/>
+          </a:stretch>
+        </p:blipFill>
+        <p:spPr>
+          <a:xfrm>
+            <a:off x="6151626" y="359328"/>
+            <a:ext cx="2583860" cy="2367462"/>
+          </a:xfrm>
+          <a:prstGeom prst="rect">
+            <a:avLst/>
+          </a:prstGeom>
+        </p:spPr>
+      </p:pic>
     </p:spTree>
     <p:extLst>
       <p:ext uri="{BB962C8B-B14F-4D97-AF65-F5344CB8AC3E}">
